--- a/Project1/Expense_tracker/Project1.pptx
+++ b/Project1/Expense_tracker/Project1.pptx
@@ -270,7 +270,7 @@
           <a:p>
             <a:fld id="{DF2C5CE9-FC82-43C4-AB67-94CB854A9CC6}" type="datetimeFigureOut">
               <a:rPr lang="en-IN" smtClean="0"/>
-              <a:t>22-01-2024</a:t>
+              <a:t>24-01-2024</a:t>
             </a:fld>
             <a:endParaRPr lang="en-IN"/>
           </a:p>
@@ -470,7 +470,7 @@
           <a:p>
             <a:fld id="{DF2C5CE9-FC82-43C4-AB67-94CB854A9CC6}" type="datetimeFigureOut">
               <a:rPr lang="en-IN" smtClean="0"/>
-              <a:t>22-01-2024</a:t>
+              <a:t>24-01-2024</a:t>
             </a:fld>
             <a:endParaRPr lang="en-IN"/>
           </a:p>
@@ -680,7 +680,7 @@
           <a:p>
             <a:fld id="{DF2C5CE9-FC82-43C4-AB67-94CB854A9CC6}" type="datetimeFigureOut">
               <a:rPr lang="en-IN" smtClean="0"/>
-              <a:t>22-01-2024</a:t>
+              <a:t>24-01-2024</a:t>
             </a:fld>
             <a:endParaRPr lang="en-IN"/>
           </a:p>
@@ -880,7 +880,7 @@
           <a:p>
             <a:fld id="{DF2C5CE9-FC82-43C4-AB67-94CB854A9CC6}" type="datetimeFigureOut">
               <a:rPr lang="en-IN" smtClean="0"/>
-              <a:t>22-01-2024</a:t>
+              <a:t>24-01-2024</a:t>
             </a:fld>
             <a:endParaRPr lang="en-IN"/>
           </a:p>
@@ -1156,7 +1156,7 @@
           <a:p>
             <a:fld id="{DF2C5CE9-FC82-43C4-AB67-94CB854A9CC6}" type="datetimeFigureOut">
               <a:rPr lang="en-IN" smtClean="0"/>
-              <a:t>22-01-2024</a:t>
+              <a:t>24-01-2024</a:t>
             </a:fld>
             <a:endParaRPr lang="en-IN"/>
           </a:p>
@@ -1424,7 +1424,7 @@
           <a:p>
             <a:fld id="{DF2C5CE9-FC82-43C4-AB67-94CB854A9CC6}" type="datetimeFigureOut">
               <a:rPr lang="en-IN" smtClean="0"/>
-              <a:t>22-01-2024</a:t>
+              <a:t>24-01-2024</a:t>
             </a:fld>
             <a:endParaRPr lang="en-IN"/>
           </a:p>
@@ -1839,7 +1839,7 @@
           <a:p>
             <a:fld id="{DF2C5CE9-FC82-43C4-AB67-94CB854A9CC6}" type="datetimeFigureOut">
               <a:rPr lang="en-IN" smtClean="0"/>
-              <a:t>22-01-2024</a:t>
+              <a:t>24-01-2024</a:t>
             </a:fld>
             <a:endParaRPr lang="en-IN"/>
           </a:p>
@@ -1981,7 +1981,7 @@
           <a:p>
             <a:fld id="{DF2C5CE9-FC82-43C4-AB67-94CB854A9CC6}" type="datetimeFigureOut">
               <a:rPr lang="en-IN" smtClean="0"/>
-              <a:t>22-01-2024</a:t>
+              <a:t>24-01-2024</a:t>
             </a:fld>
             <a:endParaRPr lang="en-IN"/>
           </a:p>
@@ -2094,7 +2094,7 @@
           <a:p>
             <a:fld id="{DF2C5CE9-FC82-43C4-AB67-94CB854A9CC6}" type="datetimeFigureOut">
               <a:rPr lang="en-IN" smtClean="0"/>
-              <a:t>22-01-2024</a:t>
+              <a:t>24-01-2024</a:t>
             </a:fld>
             <a:endParaRPr lang="en-IN"/>
           </a:p>
@@ -2407,7 +2407,7 @@
           <a:p>
             <a:fld id="{DF2C5CE9-FC82-43C4-AB67-94CB854A9CC6}" type="datetimeFigureOut">
               <a:rPr lang="en-IN" smtClean="0"/>
-              <a:t>22-01-2024</a:t>
+              <a:t>24-01-2024</a:t>
             </a:fld>
             <a:endParaRPr lang="en-IN"/>
           </a:p>
@@ -2696,7 +2696,7 @@
           <a:p>
             <a:fld id="{DF2C5CE9-FC82-43C4-AB67-94CB854A9CC6}" type="datetimeFigureOut">
               <a:rPr lang="en-IN" smtClean="0"/>
-              <a:t>22-01-2024</a:t>
+              <a:t>24-01-2024</a:t>
             </a:fld>
             <a:endParaRPr lang="en-IN"/>
           </a:p>
@@ -2939,7 +2939,7 @@
           <a:p>
             <a:fld id="{DF2C5CE9-FC82-43C4-AB67-94CB854A9CC6}" type="datetimeFigureOut">
               <a:rPr lang="en-IN" smtClean="0"/>
-              <a:t>22-01-2024</a:t>
+              <a:t>24-01-2024</a:t>
             </a:fld>
             <a:endParaRPr lang="en-IN"/>
           </a:p>
@@ -3672,74 +3672,61 @@
           </a:xfrm>
         </p:spPr>
         <p:txBody>
-          <a:bodyPr/>
-          <a:lstStyle/>
-          <a:p>
-            <a:r>
-              <a:rPr lang="en-GB" dirty="0">
+          <a:bodyPr>
+            <a:normAutofit/>
+          </a:bodyPr>
+          <a:lstStyle/>
+          <a:p>
+            <a:r>
+              <a:rPr lang="en-GB" sz="3000" dirty="0">
                 <a:latin typeface="Microsoft Sans Serif" panose="020B0604020202020204" pitchFamily="34" charset="0"/>
                 <a:ea typeface="Microsoft Sans Serif" panose="020B0604020202020204" pitchFamily="34" charset="0"/>
                 <a:cs typeface="Microsoft Sans Serif" panose="020B0604020202020204" pitchFamily="34" charset="0"/>
               </a:rPr>
-              <a:t>Keep your financial health in check.</a:t>
-            </a:r>
-          </a:p>
-          <a:p>
-            <a:r>
-              <a:rPr lang="en-GB" dirty="0">
+              <a:t>Efficient finance management for healthier lifestyle</a:t>
+            </a:r>
+          </a:p>
+          <a:p>
+            <a:r>
+              <a:rPr lang="en-GB" sz="3000" dirty="0">
                 <a:latin typeface="Microsoft Sans Serif" panose="020B0604020202020204" pitchFamily="34" charset="0"/>
                 <a:ea typeface="Microsoft Sans Serif" panose="020B0604020202020204" pitchFamily="34" charset="0"/>
                 <a:cs typeface="Microsoft Sans Serif" panose="020B0604020202020204" pitchFamily="34" charset="0"/>
               </a:rPr>
-              <a:t>This apps is a easier way of managing expenses providing a clear overview of your expenditures.</a:t>
-            </a:r>
-          </a:p>
-          <a:p>
-            <a:r>
-              <a:rPr lang="en-GB" dirty="0">
+              <a:t>Instant</a:t>
+            </a:r>
+            <a:r>
+              <a:rPr lang="en-GB" sz="3000" i="0" dirty="0">
+                <a:effectLst/>
                 <a:latin typeface="Microsoft Sans Serif" panose="020B0604020202020204" pitchFamily="34" charset="0"/>
                 <a:ea typeface="Microsoft Sans Serif" panose="020B0604020202020204" pitchFamily="34" charset="0"/>
                 <a:cs typeface="Microsoft Sans Serif" panose="020B0604020202020204" pitchFamily="34" charset="0"/>
               </a:rPr>
-              <a:t>Make informed financial decisions by understanding where your money goes, empowering you to budget effectively.</a:t>
-            </a:r>
-          </a:p>
-          <a:p>
-            <a:r>
-              <a:rPr lang="en-GB" dirty="0">
+              <a:t> Insight for better understanding</a:t>
+            </a:r>
+          </a:p>
+          <a:p>
+            <a:r>
+              <a:rPr lang="en-GB" sz="3000" i="0" dirty="0">
+                <a:effectLst/>
                 <a:latin typeface="Microsoft Sans Serif" panose="020B0604020202020204" pitchFamily="34" charset="0"/>
                 <a:ea typeface="Microsoft Sans Serif" panose="020B0604020202020204" pitchFamily="34" charset="0"/>
                 <a:cs typeface="Microsoft Sans Serif" panose="020B0604020202020204" pitchFamily="34" charset="0"/>
               </a:rPr>
-              <a:t>Gain instant insights into your spending patterns and financial health with dynamic visualizations.</a:t>
-            </a:r>
-          </a:p>
-          <a:p>
-            <a:r>
-              <a:rPr lang="en-GB" dirty="0">
+              <a:t>Visualize Your Expense</a:t>
+            </a:r>
+          </a:p>
+          <a:p>
+            <a:r>
+              <a:rPr lang="en-GB" sz="3000" i="0" dirty="0">
+                <a:effectLst/>
                 <a:latin typeface="Microsoft Sans Serif" panose="020B0604020202020204" pitchFamily="34" charset="0"/>
                 <a:ea typeface="Microsoft Sans Serif" panose="020B0604020202020204" pitchFamily="34" charset="0"/>
                 <a:cs typeface="Microsoft Sans Serif" panose="020B0604020202020204" pitchFamily="34" charset="0"/>
               </a:rPr>
-              <a:t>Take control of your financial journey—start using our Expense Tracker to effortlessly monitor, </a:t>
-            </a:r>
-            <a:r>
-              <a:rPr lang="en-GB" dirty="0" err="1">
-                <a:latin typeface="Microsoft Sans Serif" panose="020B0604020202020204" pitchFamily="34" charset="0"/>
-                <a:ea typeface="Microsoft Sans Serif" panose="020B0604020202020204" pitchFamily="34" charset="0"/>
-                <a:cs typeface="Microsoft Sans Serif" panose="020B0604020202020204" pitchFamily="34" charset="0"/>
-              </a:rPr>
-              <a:t>analyze</a:t>
-            </a:r>
-            <a:r>
-              <a:rPr lang="en-GB" dirty="0">
-                <a:latin typeface="Microsoft Sans Serif" panose="020B0604020202020204" pitchFamily="34" charset="0"/>
-                <a:ea typeface="Microsoft Sans Serif" panose="020B0604020202020204" pitchFamily="34" charset="0"/>
-                <a:cs typeface="Microsoft Sans Serif" panose="020B0604020202020204" pitchFamily="34" charset="0"/>
-              </a:rPr>
-              <a:t>, and optimize your expenses.</a:t>
-            </a:r>
-            <a:endParaRPr lang="en-IN" dirty="0">
+              <a:t>Financial Empowerment</a:t>
+            </a:r>
+            <a:endParaRPr lang="en-IN" sz="3000" dirty="0">
               <a:latin typeface="Microsoft Sans Serif" panose="020B0604020202020204" pitchFamily="34" charset="0"/>
               <a:ea typeface="Microsoft Sans Serif" panose="020B0604020202020204" pitchFamily="34" charset="0"/>
               <a:cs typeface="Microsoft Sans Serif" panose="020B0604020202020204" pitchFamily="34" charset="0"/>
@@ -3844,27 +3831,150 @@
           <a:bodyPr/>
           <a:lstStyle/>
           <a:p>
-            <a:r>
-              <a:rPr lang="en-GB" b="0" i="0" dirty="0">
+            <a:pPr marL="0" indent="0">
+              <a:buNone/>
+            </a:pPr>
+            <a:r>
+              <a:rPr lang="en-GB" b="1" i="0" dirty="0">
                 <a:effectLst/>
                 <a:latin typeface="Microsoft Sans Serif" panose="020B0604020202020204" pitchFamily="34" charset="0"/>
                 <a:ea typeface="Microsoft Sans Serif" panose="020B0604020202020204" pitchFamily="34" charset="0"/>
                 <a:cs typeface="Microsoft Sans Serif" panose="020B0604020202020204" pitchFamily="34" charset="0"/>
               </a:rPr>
-              <a:t>Efficient expense management and visualization.</a:t>
-            </a:r>
-          </a:p>
-          <a:p>
-            <a:r>
-              <a:rPr lang="en-GB" b="0" i="0" dirty="0">
+              <a:t>Efficient expense management and visualization</a:t>
+            </a:r>
+            <a:r>
+              <a:rPr lang="en-GB" b="1" dirty="0">
+                <a:latin typeface="Microsoft Sans Serif" panose="020B0604020202020204" pitchFamily="34" charset="0"/>
+                <a:ea typeface="Microsoft Sans Serif" panose="020B0604020202020204" pitchFamily="34" charset="0"/>
+                <a:cs typeface="Microsoft Sans Serif" panose="020B0604020202020204" pitchFamily="34" charset="0"/>
+              </a:rPr>
+              <a:t>:</a:t>
+            </a:r>
+            <a:endParaRPr lang="en-GB" b="1" i="0" dirty="0">
+              <a:effectLst/>
+              <a:latin typeface="Microsoft Sans Serif" panose="020B0604020202020204" pitchFamily="34" charset="0"/>
+              <a:ea typeface="Microsoft Sans Serif" panose="020B0604020202020204" pitchFamily="34" charset="0"/>
+              <a:cs typeface="Microsoft Sans Serif" panose="020B0604020202020204" pitchFamily="34" charset="0"/>
+            </a:endParaRPr>
+          </a:p>
+          <a:p>
+            <a:r>
+              <a:rPr lang="en-IN" i="0" dirty="0">
                 <a:effectLst/>
                 <a:latin typeface="Microsoft Sans Serif" panose="020B0604020202020204" pitchFamily="34" charset="0"/>
                 <a:ea typeface="Microsoft Sans Serif" panose="020B0604020202020204" pitchFamily="34" charset="0"/>
                 <a:cs typeface="Microsoft Sans Serif" panose="020B0604020202020204" pitchFamily="34" charset="0"/>
               </a:rPr>
-              <a:t>Empowering users for smarter financial decisions.</a:t>
-            </a:r>
-            <a:endParaRPr lang="en-IN" dirty="0">
+              <a:t>Easier input </a:t>
+            </a:r>
+          </a:p>
+          <a:p>
+            <a:r>
+              <a:rPr lang="en-IN" i="0" dirty="0">
+                <a:effectLst/>
+                <a:latin typeface="Microsoft Sans Serif" panose="020B0604020202020204" pitchFamily="34" charset="0"/>
+                <a:ea typeface="Microsoft Sans Serif" panose="020B0604020202020204" pitchFamily="34" charset="0"/>
+                <a:cs typeface="Microsoft Sans Serif" panose="020B0604020202020204" pitchFamily="34" charset="0"/>
+              </a:rPr>
+              <a:t>D</a:t>
+            </a:r>
+            <a:r>
+              <a:rPr lang="en-IN" dirty="0">
+                <a:latin typeface="Microsoft Sans Serif" panose="020B0604020202020204" pitchFamily="34" charset="0"/>
+                <a:ea typeface="Microsoft Sans Serif" panose="020B0604020202020204" pitchFamily="34" charset="0"/>
+                <a:cs typeface="Microsoft Sans Serif" panose="020B0604020202020204" pitchFamily="34" charset="0"/>
+              </a:rPr>
+              <a:t>ynamic visualization</a:t>
+            </a:r>
+            <a:endParaRPr lang="en-GB" i="0" dirty="0">
+              <a:effectLst/>
+              <a:latin typeface="Microsoft Sans Serif" panose="020B0604020202020204" pitchFamily="34" charset="0"/>
+              <a:ea typeface="Microsoft Sans Serif" panose="020B0604020202020204" pitchFamily="34" charset="0"/>
+              <a:cs typeface="Microsoft Sans Serif" panose="020B0604020202020204" pitchFamily="34" charset="0"/>
+            </a:endParaRPr>
+          </a:p>
+          <a:p>
+            <a:pPr marL="0" indent="0">
+              <a:buNone/>
+            </a:pPr>
+            <a:r>
+              <a:rPr lang="en-GB" b="1" i="0" dirty="0">
+                <a:effectLst/>
+                <a:latin typeface="Microsoft Sans Serif" panose="020B0604020202020204" pitchFamily="34" charset="0"/>
+                <a:ea typeface="Microsoft Sans Serif" panose="020B0604020202020204" pitchFamily="34" charset="0"/>
+                <a:cs typeface="Microsoft Sans Serif" panose="020B0604020202020204" pitchFamily="34" charset="0"/>
+              </a:rPr>
+              <a:t>Empowering users for smarter financial decisions</a:t>
+            </a:r>
+            <a:r>
+              <a:rPr lang="en-GB" b="1" dirty="0">
+                <a:latin typeface="Microsoft Sans Serif" panose="020B0604020202020204" pitchFamily="34" charset="0"/>
+                <a:ea typeface="Microsoft Sans Serif" panose="020B0604020202020204" pitchFamily="34" charset="0"/>
+                <a:cs typeface="Microsoft Sans Serif" panose="020B0604020202020204" pitchFamily="34" charset="0"/>
+              </a:rPr>
+              <a:t>:</a:t>
+            </a:r>
+            <a:endParaRPr lang="en-GB" b="1" i="0" dirty="0">
+              <a:effectLst/>
+              <a:latin typeface="Microsoft Sans Serif" panose="020B0604020202020204" pitchFamily="34" charset="0"/>
+              <a:ea typeface="Microsoft Sans Serif" panose="020B0604020202020204" pitchFamily="34" charset="0"/>
+              <a:cs typeface="Microsoft Sans Serif" panose="020B0604020202020204" pitchFamily="34" charset="0"/>
+            </a:endParaRPr>
+          </a:p>
+          <a:p>
+            <a:r>
+              <a:rPr lang="en-IN" i="0" dirty="0">
+                <a:effectLst/>
+                <a:latin typeface="Microsoft Sans Serif" panose="020B0604020202020204" pitchFamily="34" charset="0"/>
+                <a:ea typeface="Microsoft Sans Serif" panose="020B0604020202020204" pitchFamily="34" charset="0"/>
+                <a:cs typeface="Microsoft Sans Serif" panose="020B0604020202020204" pitchFamily="34" charset="0"/>
+              </a:rPr>
+              <a:t>Financial Awareness</a:t>
+            </a:r>
+            <a:endParaRPr lang="en-GB" dirty="0">
+              <a:latin typeface="Microsoft Sans Serif" panose="020B0604020202020204" pitchFamily="34" charset="0"/>
+              <a:ea typeface="Microsoft Sans Serif" panose="020B0604020202020204" pitchFamily="34" charset="0"/>
+              <a:cs typeface="Microsoft Sans Serif" panose="020B0604020202020204" pitchFamily="34" charset="0"/>
+            </a:endParaRPr>
+          </a:p>
+          <a:p>
+            <a:r>
+              <a:rPr lang="en-IN" i="0" dirty="0">
+                <a:effectLst/>
+                <a:latin typeface="Microsoft Sans Serif" panose="020B0604020202020204" pitchFamily="34" charset="0"/>
+                <a:ea typeface="Microsoft Sans Serif" panose="020B0604020202020204" pitchFamily="34" charset="0"/>
+                <a:cs typeface="Microsoft Sans Serif" panose="020B0604020202020204" pitchFamily="34" charset="0"/>
+              </a:rPr>
+              <a:t>Data-Driven Insights</a:t>
+            </a:r>
+            <a:endParaRPr lang="en-GB" i="0" dirty="0">
+              <a:effectLst/>
+              <a:latin typeface="Microsoft Sans Serif" panose="020B0604020202020204" pitchFamily="34" charset="0"/>
+              <a:ea typeface="Microsoft Sans Serif" panose="020B0604020202020204" pitchFamily="34" charset="0"/>
+              <a:cs typeface="Microsoft Sans Serif" panose="020B0604020202020204" pitchFamily="34" charset="0"/>
+            </a:endParaRPr>
+          </a:p>
+          <a:p>
+            <a:r>
+              <a:rPr lang="en-IN" i="0" dirty="0">
+                <a:effectLst/>
+                <a:latin typeface="Microsoft Sans Serif" panose="020B0604020202020204" pitchFamily="34" charset="0"/>
+                <a:ea typeface="Microsoft Sans Serif" panose="020B0604020202020204" pitchFamily="34" charset="0"/>
+                <a:cs typeface="Microsoft Sans Serif" panose="020B0604020202020204" pitchFamily="34" charset="0"/>
+              </a:rPr>
+              <a:t>User-Friendly Tools</a:t>
+            </a:r>
+            <a:r>
+              <a:rPr lang="en-GB" dirty="0">
+                <a:latin typeface="Microsoft Sans Serif" panose="020B0604020202020204" pitchFamily="34" charset="0"/>
+                <a:ea typeface="Microsoft Sans Serif" panose="020B0604020202020204" pitchFamily="34" charset="0"/>
+                <a:cs typeface="Microsoft Sans Serif" panose="020B0604020202020204" pitchFamily="34" charset="0"/>
+              </a:rPr>
+              <a:t>    </a:t>
+            </a:r>
+            <a:endParaRPr lang="en-GB" i="0" dirty="0">
+              <a:effectLst/>
               <a:latin typeface="Microsoft Sans Serif" panose="020B0604020202020204" pitchFamily="34" charset="0"/>
               <a:ea typeface="Microsoft Sans Serif" panose="020B0604020202020204" pitchFamily="34" charset="0"/>
               <a:cs typeface="Microsoft Sans Serif" panose="020B0604020202020204" pitchFamily="34" charset="0"/>
@@ -3923,6 +4033,7 @@
           <a:bodyPr/>
           <a:lstStyle/>
           <a:p>
+            <a:pPr algn="ctr"/>
             <a:r>
               <a:rPr lang="en-IN" b="1" i="0" dirty="0">
                 <a:effectLst/>
@@ -3930,7 +4041,7 @@
                 <a:ea typeface="Microsoft Sans Serif" panose="020B0604020202020204" pitchFamily="34" charset="0"/>
                 <a:cs typeface="Microsoft Sans Serif" panose="020B0604020202020204" pitchFamily="34" charset="0"/>
               </a:rPr>
-              <a:t>Technology Stack</a:t>
+              <a:t>Tech Stack</a:t>
             </a:r>
             <a:br>
               <a:rPr lang="en-IN" b="1" i="0" dirty="0">
@@ -4212,84 +4323,53 @@
           </a:p>
           <a:p>
             <a:r>
-              <a:rPr lang="en-GB" dirty="0" err="1">
-                <a:latin typeface="Microsoft Sans Serif" panose="020B0604020202020204" pitchFamily="34" charset="0"/>
-                <a:ea typeface="Microsoft Sans Serif" panose="020B0604020202020204" pitchFamily="34" charset="0"/>
-                <a:cs typeface="Microsoft Sans Serif" panose="020B0604020202020204" pitchFamily="34" charset="0"/>
-              </a:rPr>
-              <a:t>add_expense</a:t>
-            </a:r>
-            <a:r>
               <a:rPr lang="en-GB" dirty="0">
                 <a:latin typeface="Microsoft Sans Serif" panose="020B0604020202020204" pitchFamily="34" charset="0"/>
                 <a:ea typeface="Microsoft Sans Serif" panose="020B0604020202020204" pitchFamily="34" charset="0"/>
                 <a:cs typeface="Microsoft Sans Serif" panose="020B0604020202020204" pitchFamily="34" charset="0"/>
               </a:rPr>
-              <a:t> </a:t>
-            </a:r>
-          </a:p>
-          <a:p>
-            <a:r>
-              <a:rPr lang="en-GB" dirty="0" err="1">
+              <a:t>add_expense </a:t>
+            </a:r>
+          </a:p>
+          <a:p>
+            <a:r>
+              <a:rPr lang="en-GB" dirty="0">
                 <a:latin typeface="Microsoft Sans Serif" panose="020B0604020202020204" pitchFamily="34" charset="0"/>
                 <a:ea typeface="Microsoft Sans Serif" panose="020B0604020202020204" pitchFamily="34" charset="0"/>
                 <a:cs typeface="Microsoft Sans Serif" panose="020B0604020202020204" pitchFamily="34" charset="0"/>
               </a:rPr>
               <a:t>load_expenses</a:t>
             </a:r>
-            <a:endParaRPr lang="en-GB" dirty="0">
-              <a:latin typeface="Microsoft Sans Serif" panose="020B0604020202020204" pitchFamily="34" charset="0"/>
-              <a:ea typeface="Microsoft Sans Serif" panose="020B0604020202020204" pitchFamily="34" charset="0"/>
-              <a:cs typeface="Microsoft Sans Serif" panose="020B0604020202020204" pitchFamily="34" charset="0"/>
-            </a:endParaRPr>
-          </a:p>
-          <a:p>
-            <a:r>
-              <a:rPr lang="en-GB" dirty="0" err="1">
-                <a:latin typeface="Microsoft Sans Serif" panose="020B0604020202020204" pitchFamily="34" charset="0"/>
-                <a:ea typeface="Microsoft Sans Serif" panose="020B0604020202020204" pitchFamily="34" charset="0"/>
-                <a:cs typeface="Microsoft Sans Serif" panose="020B0604020202020204" pitchFamily="34" charset="0"/>
-              </a:rPr>
-              <a:t>save_expenses</a:t>
-            </a:r>
+          </a:p>
+          <a:p>
             <a:r>
               <a:rPr lang="en-GB" dirty="0">
                 <a:latin typeface="Microsoft Sans Serif" panose="020B0604020202020204" pitchFamily="34" charset="0"/>
                 <a:ea typeface="Microsoft Sans Serif" panose="020B0604020202020204" pitchFamily="34" charset="0"/>
                 <a:cs typeface="Microsoft Sans Serif" panose="020B0604020202020204" pitchFamily="34" charset="0"/>
               </a:rPr>
-              <a:t> </a:t>
-            </a:r>
-          </a:p>
-          <a:p>
-            <a:r>
-              <a:rPr lang="en-GB" dirty="0" err="1">
+              <a:t>save_expenses </a:t>
+            </a:r>
+          </a:p>
+          <a:p>
+            <a:r>
+              <a:rPr lang="en-GB" dirty="0">
                 <a:latin typeface="Microsoft Sans Serif" panose="020B0604020202020204" pitchFamily="34" charset="0"/>
                 <a:ea typeface="Microsoft Sans Serif" panose="020B0604020202020204" pitchFamily="34" charset="0"/>
                 <a:cs typeface="Microsoft Sans Serif" panose="020B0604020202020204" pitchFamily="34" charset="0"/>
               </a:rPr>
               <a:t>display_expenses</a:t>
             </a:r>
-            <a:endParaRPr lang="en-GB" dirty="0">
-              <a:latin typeface="Microsoft Sans Serif" panose="020B0604020202020204" pitchFamily="34" charset="0"/>
-              <a:ea typeface="Microsoft Sans Serif" panose="020B0604020202020204" pitchFamily="34" charset="0"/>
-              <a:cs typeface="Microsoft Sans Serif" panose="020B0604020202020204" pitchFamily="34" charset="0"/>
-            </a:endParaRPr>
-          </a:p>
-          <a:p>
-            <a:r>
-              <a:rPr lang="en-GB" dirty="0" err="1">
+          </a:p>
+          <a:p>
+            <a:r>
+              <a:rPr lang="en-GB" dirty="0">
                 <a:latin typeface="Microsoft Sans Serif" panose="020B0604020202020204" pitchFamily="34" charset="0"/>
                 <a:ea typeface="Microsoft Sans Serif" panose="020B0604020202020204" pitchFamily="34" charset="0"/>
                 <a:cs typeface="Microsoft Sans Serif" panose="020B0604020202020204" pitchFamily="34" charset="0"/>
               </a:rPr>
               <a:t>delete_all_expenses</a:t>
             </a:r>
-            <a:endParaRPr lang="en-GB" dirty="0">
-              <a:latin typeface="Microsoft Sans Serif" panose="020B0604020202020204" pitchFamily="34" charset="0"/>
-              <a:ea typeface="Microsoft Sans Serif" panose="020B0604020202020204" pitchFamily="34" charset="0"/>
-              <a:cs typeface="Microsoft Sans Serif" panose="020B0604020202020204" pitchFamily="34" charset="0"/>
-            </a:endParaRPr>
           </a:p>
           <a:p>
             <a:r>
@@ -4606,15 +4686,7 @@
                 <a:ea typeface="Microsoft Sans Serif" panose="020B0604020202020204" pitchFamily="34" charset="0"/>
                 <a:cs typeface="Microsoft Sans Serif" panose="020B0604020202020204" pitchFamily="34" charset="0"/>
               </a:rPr>
-              <a:t>App </a:t>
-            </a:r>
-            <a:r>
-              <a:rPr lang="en-GB" b="1" dirty="0" err="1">
-                <a:latin typeface="Microsoft Sans Serif" panose="020B0604020202020204" pitchFamily="34" charset="0"/>
-                <a:ea typeface="Microsoft Sans Serif" panose="020B0604020202020204" pitchFamily="34" charset="0"/>
-                <a:cs typeface="Microsoft Sans Serif" panose="020B0604020202020204" pitchFamily="34" charset="0"/>
-              </a:rPr>
-              <a:t>Deployement</a:t>
+              <a:t>App Deployement</a:t>
             </a:r>
             <a:endParaRPr lang="en-IN" b="1" dirty="0">
               <a:latin typeface="Microsoft Sans Serif" panose="020B0604020202020204" pitchFamily="34" charset="0"/>
@@ -4656,39 +4728,7 @@
                 <a:ea typeface="Microsoft Sans Serif" panose="020B0604020202020204" pitchFamily="34" charset="0"/>
                 <a:cs typeface="Microsoft Sans Serif" panose="020B0604020202020204" pitchFamily="34" charset="0"/>
               </a:rPr>
-              <a:t>This app is deployed in </a:t>
-            </a:r>
-            <a:r>
-              <a:rPr lang="en-GB" dirty="0" err="1">
-                <a:latin typeface="Microsoft Sans Serif" panose="020B0604020202020204" pitchFamily="34" charset="0"/>
-                <a:ea typeface="Microsoft Sans Serif" panose="020B0604020202020204" pitchFamily="34" charset="0"/>
-                <a:cs typeface="Microsoft Sans Serif" panose="020B0604020202020204" pitchFamily="34" charset="0"/>
-              </a:rPr>
-              <a:t>streamlit</a:t>
-            </a:r>
-            <a:r>
-              <a:rPr lang="en-GB" dirty="0">
-                <a:latin typeface="Microsoft Sans Serif" panose="020B0604020202020204" pitchFamily="34" charset="0"/>
-                <a:ea typeface="Microsoft Sans Serif" panose="020B0604020202020204" pitchFamily="34" charset="0"/>
-                <a:cs typeface="Microsoft Sans Serif" panose="020B0604020202020204" pitchFamily="34" charset="0"/>
-              </a:rPr>
-              <a:t> which access </a:t>
-            </a:r>
-            <a:r>
-              <a:rPr lang="en-GB" dirty="0" err="1">
-                <a:latin typeface="Microsoft Sans Serif" panose="020B0604020202020204" pitchFamily="34" charset="0"/>
-                <a:ea typeface="Microsoft Sans Serif" panose="020B0604020202020204" pitchFamily="34" charset="0"/>
-                <a:cs typeface="Microsoft Sans Serif" panose="020B0604020202020204" pitchFamily="34" charset="0"/>
-              </a:rPr>
-              <a:t>github</a:t>
-            </a:r>
-            <a:r>
-              <a:rPr lang="en-GB" dirty="0">
-                <a:latin typeface="Microsoft Sans Serif" panose="020B0604020202020204" pitchFamily="34" charset="0"/>
-                <a:ea typeface="Microsoft Sans Serif" panose="020B0604020202020204" pitchFamily="34" charset="0"/>
-                <a:cs typeface="Microsoft Sans Serif" panose="020B0604020202020204" pitchFamily="34" charset="0"/>
-              </a:rPr>
-              <a:t> repository for the backend operations.</a:t>
+              <a:t>This app is deployed in streamlit which access github repository for the backend operations.</a:t>
             </a:r>
           </a:p>
           <a:p>
@@ -4869,23 +4909,8 @@
                 <a:ea typeface="Microsoft Sans Serif" panose="020B0604020202020204" pitchFamily="34" charset="0"/>
                 <a:cs typeface="Microsoft Sans Serif" panose="020B0604020202020204" pitchFamily="34" charset="0"/>
               </a:rPr>
-              <a:t>With easier data input, dynamic visualizations, and key insights at your fingertips, it empowers you to make informed decisions about your expenses. </a:t>
-            </a:r>
-          </a:p>
-          <a:p>
-            <a:r>
-              <a:rPr lang="en-GB" dirty="0">
-                <a:latin typeface="Microsoft Sans Serif" panose="020B0604020202020204" pitchFamily="34" charset="0"/>
-                <a:ea typeface="Microsoft Sans Serif" panose="020B0604020202020204" pitchFamily="34" charset="0"/>
-                <a:cs typeface="Microsoft Sans Serif" panose="020B0604020202020204" pitchFamily="34" charset="0"/>
-              </a:rPr>
-              <a:t> Start your journey towards financial wellness today – experience the ease, clarity, and control that our Expense Tracker brings to your financial life.</a:t>
-            </a:r>
-            <a:endParaRPr lang="en-IN" dirty="0">
-              <a:latin typeface="Microsoft Sans Serif" panose="020B0604020202020204" pitchFamily="34" charset="0"/>
-              <a:ea typeface="Microsoft Sans Serif" panose="020B0604020202020204" pitchFamily="34" charset="0"/>
-              <a:cs typeface="Microsoft Sans Serif" panose="020B0604020202020204" pitchFamily="34" charset="0"/>
-            </a:endParaRPr>
+              <a:t>With easier data input, dynamic visualizations, and key insights at your fingertips, it empowers you to make informed decisions about your expenses.</a:t>
+            </a:r>
           </a:p>
         </p:txBody>
       </p:sp>

--- a/Project1/Expense_tracker/Project1.pptx
+++ b/Project1/Expense_tracker/Project1.pptx
@@ -2,19 +2,20 @@
 <file path=ppt/presentation.xml><?xml version="1.0" encoding="utf-8"?>
 <p:presentation xmlns:a="http://schemas.openxmlformats.org/drawingml/2006/main" xmlns:r="http://schemas.openxmlformats.org/officeDocument/2006/relationships" xmlns:p="http://schemas.openxmlformats.org/presentationml/2006/main" saveSubsetFonts="1">
   <p:sldMasterIdLst>
-    <p:sldMasterId id="2147483648" r:id="rId1"/>
+    <p:sldMasterId id="2147483773" r:id="rId1"/>
   </p:sldMasterIdLst>
   <p:sldIdLst>
     <p:sldId id="256" r:id="rId2"/>
     <p:sldId id="257" r:id="rId3"/>
     <p:sldId id="258" r:id="rId4"/>
     <p:sldId id="259" r:id="rId5"/>
-    <p:sldId id="260" r:id="rId6"/>
-    <p:sldId id="262" r:id="rId7"/>
-    <p:sldId id="263" r:id="rId8"/>
-    <p:sldId id="264" r:id="rId9"/>
-    <p:sldId id="261" r:id="rId10"/>
-    <p:sldId id="265" r:id="rId11"/>
+    <p:sldId id="266" r:id="rId6"/>
+    <p:sldId id="260" r:id="rId7"/>
+    <p:sldId id="264" r:id="rId8"/>
+    <p:sldId id="262" r:id="rId9"/>
+    <p:sldId id="263" r:id="rId10"/>
+    <p:sldId id="261" r:id="rId11"/>
+    <p:sldId id="265" r:id="rId12"/>
   </p:sldIdLst>
   <p:sldSz cx="12192000" cy="6858000"/>
   <p:notesSz cx="6858000" cy="9144000"/>
@@ -22,7 +23,7 @@
     <a:defPPr>
       <a:defRPr lang="en-US"/>
     </a:defPPr>
-    <a:lvl1pPr marL="0" algn="l" defTabSz="914400" rtl="0" eaLnBrk="1" latinLnBrk="0" hangingPunct="1">
+    <a:lvl1pPr marL="0" algn="l" defTabSz="457200" rtl="0" eaLnBrk="1" latinLnBrk="0" hangingPunct="1">
       <a:defRPr sz="1800" kern="1200">
         <a:solidFill>
           <a:schemeClr val="tx1"/>
@@ -32,7 +33,7 @@
         <a:cs typeface="+mn-cs"/>
       </a:defRPr>
     </a:lvl1pPr>
-    <a:lvl2pPr marL="457200" algn="l" defTabSz="914400" rtl="0" eaLnBrk="1" latinLnBrk="0" hangingPunct="1">
+    <a:lvl2pPr marL="457200" algn="l" defTabSz="457200" rtl="0" eaLnBrk="1" latinLnBrk="0" hangingPunct="1">
       <a:defRPr sz="1800" kern="1200">
         <a:solidFill>
           <a:schemeClr val="tx1"/>
@@ -42,7 +43,7 @@
         <a:cs typeface="+mn-cs"/>
       </a:defRPr>
     </a:lvl2pPr>
-    <a:lvl3pPr marL="914400" algn="l" defTabSz="914400" rtl="0" eaLnBrk="1" latinLnBrk="0" hangingPunct="1">
+    <a:lvl3pPr marL="914400" algn="l" defTabSz="457200" rtl="0" eaLnBrk="1" latinLnBrk="0" hangingPunct="1">
       <a:defRPr sz="1800" kern="1200">
         <a:solidFill>
           <a:schemeClr val="tx1"/>
@@ -52,7 +53,7 @@
         <a:cs typeface="+mn-cs"/>
       </a:defRPr>
     </a:lvl3pPr>
-    <a:lvl4pPr marL="1371600" algn="l" defTabSz="914400" rtl="0" eaLnBrk="1" latinLnBrk="0" hangingPunct="1">
+    <a:lvl4pPr marL="1371600" algn="l" defTabSz="457200" rtl="0" eaLnBrk="1" latinLnBrk="0" hangingPunct="1">
       <a:defRPr sz="1800" kern="1200">
         <a:solidFill>
           <a:schemeClr val="tx1"/>
@@ -62,7 +63,7 @@
         <a:cs typeface="+mn-cs"/>
       </a:defRPr>
     </a:lvl4pPr>
-    <a:lvl5pPr marL="1828800" algn="l" defTabSz="914400" rtl="0" eaLnBrk="1" latinLnBrk="0" hangingPunct="1">
+    <a:lvl5pPr marL="1828800" algn="l" defTabSz="457200" rtl="0" eaLnBrk="1" latinLnBrk="0" hangingPunct="1">
       <a:defRPr sz="1800" kern="1200">
         <a:solidFill>
           <a:schemeClr val="tx1"/>
@@ -72,7 +73,7 @@
         <a:cs typeface="+mn-cs"/>
       </a:defRPr>
     </a:lvl5pPr>
-    <a:lvl6pPr marL="2286000" algn="l" defTabSz="914400" rtl="0" eaLnBrk="1" latinLnBrk="0" hangingPunct="1">
+    <a:lvl6pPr marL="2286000" algn="l" defTabSz="457200" rtl="0" eaLnBrk="1" latinLnBrk="0" hangingPunct="1">
       <a:defRPr sz="1800" kern="1200">
         <a:solidFill>
           <a:schemeClr val="tx1"/>
@@ -82,7 +83,7 @@
         <a:cs typeface="+mn-cs"/>
       </a:defRPr>
     </a:lvl6pPr>
-    <a:lvl7pPr marL="2743200" algn="l" defTabSz="914400" rtl="0" eaLnBrk="1" latinLnBrk="0" hangingPunct="1">
+    <a:lvl7pPr marL="2743200" algn="l" defTabSz="457200" rtl="0" eaLnBrk="1" latinLnBrk="0" hangingPunct="1">
       <a:defRPr sz="1800" kern="1200">
         <a:solidFill>
           <a:schemeClr val="tx1"/>
@@ -92,7 +93,7 @@
         <a:cs typeface="+mn-cs"/>
       </a:defRPr>
     </a:lvl7pPr>
-    <a:lvl8pPr marL="3200400" algn="l" defTabSz="914400" rtl="0" eaLnBrk="1" latinLnBrk="0" hangingPunct="1">
+    <a:lvl8pPr marL="3200400" algn="l" defTabSz="457200" rtl="0" eaLnBrk="1" latinLnBrk="0" hangingPunct="1">
       <a:defRPr sz="1800" kern="1200">
         <a:solidFill>
           <a:schemeClr val="tx1"/>
@@ -102,7 +103,7 @@
         <a:cs typeface="+mn-cs"/>
       </a:defRPr>
     </a:lvl8pPr>
-    <a:lvl9pPr marL="3657600" algn="l" defTabSz="914400" rtl="0" eaLnBrk="1" latinLnBrk="0" hangingPunct="1">
+    <a:lvl9pPr marL="3657600" algn="l" defTabSz="457200" rtl="0" eaLnBrk="1" latinLnBrk="0" hangingPunct="1">
       <a:defRPr sz="1800" kern="1200">
         <a:solidFill>
           <a:schemeClr val="tx1"/>
@@ -140,13 +141,7 @@
       </p:grpSpPr>
       <p:sp>
         <p:nvSpPr>
-          <p:cNvPr id="2" name="Title 1">
-            <a:extLst>
-              <a:ext uri="{FF2B5EF4-FFF2-40B4-BE49-F238E27FC236}">
-                <a16:creationId xmlns:a16="http://schemas.microsoft.com/office/drawing/2014/main" id="{8D7EE6DB-06F9-4FBB-8089-416ECEEDEFFC}"/>
-              </a:ext>
-            </a:extLst>
-          </p:cNvPr>
+          <p:cNvPr id="2" name="Title 1"/>
           <p:cNvSpPr>
             <a:spLocks noGrp="1"/>
           </p:cNvSpPr>
@@ -156,15 +151,17 @@
         </p:nvSpPr>
         <p:spPr>
           <a:xfrm>
-            <a:off x="1524000" y="1122363"/>
-            <a:ext cx="9144000" cy="2387600"/>
+            <a:off x="1370693" y="1769540"/>
+            <a:ext cx="9440034" cy="1828801"/>
           </a:xfrm>
         </p:spPr>
         <p:txBody>
-          <a:bodyPr anchor="b"/>
+          <a:bodyPr anchor="b">
+            <a:normAutofit/>
+          </a:bodyPr>
           <a:lstStyle>
             <a:lvl1pPr algn="ctr">
-              <a:defRPr sz="6000"/>
+              <a:defRPr sz="5400"/>
             </a:lvl1pPr>
           </a:lstStyle>
           <a:p>
@@ -172,19 +169,13 @@
               <a:rPr lang="en-US"/>
               <a:t>Click to edit Master title style</a:t>
             </a:r>
-            <a:endParaRPr lang="en-IN"/>
-          </a:p>
-        </p:txBody>
-      </p:sp>
-      <p:sp>
-        <p:nvSpPr>
-          <p:cNvPr id="3" name="Subtitle 2">
-            <a:extLst>
-              <a:ext uri="{FF2B5EF4-FFF2-40B4-BE49-F238E27FC236}">
-                <a16:creationId xmlns:a16="http://schemas.microsoft.com/office/drawing/2014/main" id="{F98A2A17-2F31-415C-90FE-B8BAB23F9A5F}"/>
-              </a:ext>
-            </a:extLst>
-          </p:cNvPr>
+            <a:endParaRPr lang="en-US" dirty="0"/>
+          </a:p>
+        </p:txBody>
+      </p:sp>
+      <p:sp>
+        <p:nvSpPr>
+          <p:cNvPr id="3" name="Subtitle 2"/>
           <p:cNvSpPr>
             <a:spLocks noGrp="1"/>
           </p:cNvSpPr>
@@ -194,48 +185,100 @@
         </p:nvSpPr>
         <p:spPr>
           <a:xfrm>
-            <a:off x="1524000" y="3602038"/>
-            <a:ext cx="9144000" cy="1655762"/>
+            <a:off x="1370693" y="3598339"/>
+            <a:ext cx="9440034" cy="1049867"/>
           </a:xfrm>
         </p:spPr>
         <p:txBody>
-          <a:bodyPr/>
+          <a:bodyPr anchor="t"/>
           <a:lstStyle>
             <a:lvl1pPr marL="0" indent="0" algn="ctr">
               <a:buNone/>
-              <a:defRPr sz="2400"/>
+              <a:defRPr>
+                <a:solidFill>
+                  <a:schemeClr val="tx1"/>
+                </a:solidFill>
+              </a:defRPr>
             </a:lvl1pPr>
             <a:lvl2pPr marL="457200" indent="0" algn="ctr">
               <a:buNone/>
-              <a:defRPr sz="2000"/>
+              <a:defRPr>
+                <a:solidFill>
+                  <a:schemeClr val="tx1">
+                    <a:tint val="75000"/>
+                  </a:schemeClr>
+                </a:solidFill>
+              </a:defRPr>
             </a:lvl2pPr>
             <a:lvl3pPr marL="914400" indent="0" algn="ctr">
               <a:buNone/>
-              <a:defRPr sz="1800"/>
+              <a:defRPr>
+                <a:solidFill>
+                  <a:schemeClr val="tx1">
+                    <a:tint val="75000"/>
+                  </a:schemeClr>
+                </a:solidFill>
+              </a:defRPr>
             </a:lvl3pPr>
             <a:lvl4pPr marL="1371600" indent="0" algn="ctr">
               <a:buNone/>
-              <a:defRPr sz="1600"/>
+              <a:defRPr>
+                <a:solidFill>
+                  <a:schemeClr val="tx1">
+                    <a:tint val="75000"/>
+                  </a:schemeClr>
+                </a:solidFill>
+              </a:defRPr>
             </a:lvl4pPr>
             <a:lvl5pPr marL="1828800" indent="0" algn="ctr">
               <a:buNone/>
-              <a:defRPr sz="1600"/>
+              <a:defRPr>
+                <a:solidFill>
+                  <a:schemeClr val="tx1">
+                    <a:tint val="75000"/>
+                  </a:schemeClr>
+                </a:solidFill>
+              </a:defRPr>
             </a:lvl5pPr>
             <a:lvl6pPr marL="2286000" indent="0" algn="ctr">
               <a:buNone/>
-              <a:defRPr sz="1600"/>
+              <a:defRPr>
+                <a:solidFill>
+                  <a:schemeClr val="tx1">
+                    <a:tint val="75000"/>
+                  </a:schemeClr>
+                </a:solidFill>
+              </a:defRPr>
             </a:lvl6pPr>
             <a:lvl7pPr marL="2743200" indent="0" algn="ctr">
               <a:buNone/>
-              <a:defRPr sz="1600"/>
+              <a:defRPr>
+                <a:solidFill>
+                  <a:schemeClr val="tx1">
+                    <a:tint val="75000"/>
+                  </a:schemeClr>
+                </a:solidFill>
+              </a:defRPr>
             </a:lvl7pPr>
             <a:lvl8pPr marL="3200400" indent="0" algn="ctr">
               <a:buNone/>
-              <a:defRPr sz="1600"/>
+              <a:defRPr>
+                <a:solidFill>
+                  <a:schemeClr val="tx1">
+                    <a:tint val="75000"/>
+                  </a:schemeClr>
+                </a:solidFill>
+              </a:defRPr>
             </a:lvl8pPr>
             <a:lvl9pPr marL="3657600" indent="0" algn="ctr">
               <a:buNone/>
-              <a:defRPr sz="1600"/>
+              <a:defRPr>
+                <a:solidFill>
+                  <a:schemeClr val="tx1">
+                    <a:tint val="75000"/>
+                  </a:schemeClr>
+                </a:solidFill>
+              </a:defRPr>
             </a:lvl9pPr>
           </a:lstStyle>
           <a:p>
@@ -243,19 +286,13 @@
               <a:rPr lang="en-US"/>
               <a:t>Click to edit Master subtitle style</a:t>
             </a:r>
-            <a:endParaRPr lang="en-IN"/>
-          </a:p>
-        </p:txBody>
-      </p:sp>
-      <p:sp>
-        <p:nvSpPr>
-          <p:cNvPr id="4" name="Date Placeholder 3">
-            <a:extLst>
-              <a:ext uri="{FF2B5EF4-FFF2-40B4-BE49-F238E27FC236}">
-                <a16:creationId xmlns:a16="http://schemas.microsoft.com/office/drawing/2014/main" id="{024FA039-DB2A-4CC9-A0A4-EF9888DD77A7}"/>
-              </a:ext>
-            </a:extLst>
-          </p:cNvPr>
+            <a:endParaRPr lang="en-US" dirty="0"/>
+          </a:p>
+        </p:txBody>
+      </p:sp>
+      <p:sp>
+        <p:nvSpPr>
+          <p:cNvPr id="4" name="Date Placeholder 3"/>
           <p:cNvSpPr>
             <a:spLocks noGrp="1"/>
           </p:cNvSpPr>
@@ -270,7 +307,7 @@
           <a:p>
             <a:fld id="{DF2C5CE9-FC82-43C4-AB67-94CB854A9CC6}" type="datetimeFigureOut">
               <a:rPr lang="en-IN" smtClean="0"/>
-              <a:t>24-01-2024</a:t>
+              <a:t>25-01-2024</a:t>
             </a:fld>
             <a:endParaRPr lang="en-IN"/>
           </a:p>
@@ -278,13 +315,7 @@
       </p:sp>
       <p:sp>
         <p:nvSpPr>
-          <p:cNvPr id="5" name="Footer Placeholder 4">
-            <a:extLst>
-              <a:ext uri="{FF2B5EF4-FFF2-40B4-BE49-F238E27FC236}">
-                <a16:creationId xmlns:a16="http://schemas.microsoft.com/office/drawing/2014/main" id="{0E852077-3045-4DCF-89ED-F46FDAE90A12}"/>
-              </a:ext>
-            </a:extLst>
-          </p:cNvPr>
+          <p:cNvPr id="5" name="Footer Placeholder 4"/>
           <p:cNvSpPr>
             <a:spLocks noGrp="1"/>
           </p:cNvSpPr>
@@ -303,13 +334,7 @@
       </p:sp>
       <p:sp>
         <p:nvSpPr>
-          <p:cNvPr id="6" name="Slide Number Placeholder 5">
-            <a:extLst>
-              <a:ext uri="{FF2B5EF4-FFF2-40B4-BE49-F238E27FC236}">
-                <a16:creationId xmlns:a16="http://schemas.microsoft.com/office/drawing/2014/main" id="{2D91C54C-8D87-42A6-ACBA-29D080D23007}"/>
-              </a:ext>
-            </a:extLst>
-          </p:cNvPr>
+          <p:cNvPr id="6" name="Slide Number Placeholder 5"/>
           <p:cNvSpPr>
             <a:spLocks noGrp="1"/>
           </p:cNvSpPr>
@@ -333,7 +358,7 @@
     </p:spTree>
     <p:extLst>
       <p:ext uri="{BB962C8B-B14F-4D97-AF65-F5344CB8AC3E}">
-        <p14:creationId xmlns:p14="http://schemas.microsoft.com/office/powerpoint/2010/main" val="2844086424"/>
+        <p14:creationId xmlns:p14="http://schemas.microsoft.com/office/powerpoint/2010/main" val="1524087666"/>
       </p:ext>
     </p:extLst>
   </p:cSld>
@@ -344,6 +369,2582 @@
 </file>
 
 <file path=ppt/slideLayouts/slideLayout10.xml><?xml version="1.0" encoding="utf-8"?>
+<p:sldLayout xmlns:a="http://schemas.openxmlformats.org/drawingml/2006/main" xmlns:r="http://schemas.openxmlformats.org/officeDocument/2006/relationships" xmlns:p="http://schemas.openxmlformats.org/presentationml/2006/main" preserve="1">
+  <p:cSld name="Panoramic Picture with Caption">
+    <p:spTree>
+      <p:nvGrpSpPr>
+        <p:cNvPr id="1" name=""/>
+        <p:cNvGrpSpPr/>
+        <p:nvPr/>
+      </p:nvGrpSpPr>
+      <p:grpSpPr>
+        <a:xfrm>
+          <a:off x="0" y="0"/>
+          <a:ext cx="0" cy="0"/>
+          <a:chOff x="0" y="0"/>
+          <a:chExt cx="0" cy="0"/>
+        </a:xfrm>
+      </p:grpSpPr>
+      <p:pic>
+        <p:nvPicPr>
+          <p:cNvPr id="16" name="Picture 15" descr="Slate-V2-HD-panoPhotoInset.png"/>
+          <p:cNvPicPr>
+            <a:picLocks noChangeAspect="1"/>
+          </p:cNvPicPr>
+          <p:nvPr/>
+        </p:nvPicPr>
+        <p:blipFill>
+          <a:blip r:embed="rId2">
+            <a:extLst>
+              <a:ext uri="{28A0092B-C50C-407E-A947-70E740481C1C}">
+                <a14:useLocalDpi xmlns:a14="http://schemas.microsoft.com/office/drawing/2010/main" val="0"/>
+              </a:ext>
+            </a:extLst>
+          </a:blip>
+          <a:stretch>
+            <a:fillRect/>
+          </a:stretch>
+        </p:blipFill>
+        <p:spPr>
+          <a:xfrm>
+            <a:off x="1013883" y="547807"/>
+            <a:ext cx="10141799" cy="3816806"/>
+          </a:xfrm>
+          <a:prstGeom prst="rect">
+            <a:avLst/>
+          </a:prstGeom>
+        </p:spPr>
+      </p:pic>
+      <p:sp>
+        <p:nvSpPr>
+          <p:cNvPr id="2" name="Title 1"/>
+          <p:cNvSpPr>
+            <a:spLocks noGrp="1"/>
+          </p:cNvSpPr>
+          <p:nvPr>
+            <p:ph type="title"/>
+          </p:nvPr>
+        </p:nvSpPr>
+        <p:spPr>
+          <a:xfrm>
+            <a:off x="913806" y="4565255"/>
+            <a:ext cx="10355326" cy="543472"/>
+          </a:xfrm>
+        </p:spPr>
+        <p:txBody>
+          <a:bodyPr anchor="b">
+            <a:normAutofit/>
+          </a:bodyPr>
+          <a:lstStyle>
+            <a:lvl1pPr algn="ctr">
+              <a:defRPr sz="2800"/>
+            </a:lvl1pPr>
+          </a:lstStyle>
+          <a:p>
+            <a:r>
+              <a:rPr lang="en-US"/>
+              <a:t>Click to edit Master title style</a:t>
+            </a:r>
+            <a:endParaRPr lang="en-US" dirty="0"/>
+          </a:p>
+        </p:txBody>
+      </p:sp>
+      <p:sp>
+        <p:nvSpPr>
+          <p:cNvPr id="3" name="Picture Placeholder 2"/>
+          <p:cNvSpPr>
+            <a:spLocks noGrp="1" noChangeAspect="1"/>
+          </p:cNvSpPr>
+          <p:nvPr>
+            <p:ph type="pic" idx="1"/>
+          </p:nvPr>
+        </p:nvSpPr>
+        <p:spPr>
+          <a:xfrm>
+            <a:off x="1169349" y="695009"/>
+            <a:ext cx="9845346" cy="3525671"/>
+          </a:xfrm>
+          <a:effectLst>
+            <a:outerShdw blurRad="38100" dist="25400" dir="4440000">
+              <a:srgbClr val="000000">
+                <a:alpha val="36000"/>
+              </a:srgbClr>
+            </a:outerShdw>
+          </a:effectLst>
+        </p:spPr>
+        <p:txBody>
+          <a:bodyPr anchor="t">
+            <a:normAutofit/>
+          </a:bodyPr>
+          <a:lstStyle>
+            <a:lvl1pPr marL="0" indent="0" algn="ctr">
+              <a:buNone/>
+              <a:defRPr sz="2000"/>
+            </a:lvl1pPr>
+            <a:lvl2pPr marL="457200" indent="0">
+              <a:buNone/>
+              <a:defRPr sz="2000"/>
+            </a:lvl2pPr>
+            <a:lvl3pPr marL="914400" indent="0">
+              <a:buNone/>
+              <a:defRPr sz="2000"/>
+            </a:lvl3pPr>
+            <a:lvl4pPr marL="1371600" indent="0">
+              <a:buNone/>
+              <a:defRPr sz="2000"/>
+            </a:lvl4pPr>
+            <a:lvl5pPr marL="1828800" indent="0">
+              <a:buNone/>
+              <a:defRPr sz="2000"/>
+            </a:lvl5pPr>
+            <a:lvl6pPr marL="2286000" indent="0">
+              <a:buNone/>
+              <a:defRPr sz="2000"/>
+            </a:lvl6pPr>
+            <a:lvl7pPr marL="2743200" indent="0">
+              <a:buNone/>
+              <a:defRPr sz="2000"/>
+            </a:lvl7pPr>
+            <a:lvl8pPr marL="3200400" indent="0">
+              <a:buNone/>
+              <a:defRPr sz="2000"/>
+            </a:lvl8pPr>
+            <a:lvl9pPr marL="3657600" indent="0">
+              <a:buNone/>
+              <a:defRPr sz="2000"/>
+            </a:lvl9pPr>
+          </a:lstStyle>
+          <a:p>
+            <a:r>
+              <a:rPr lang="en-US"/>
+              <a:t>Click icon to add picture</a:t>
+            </a:r>
+            <a:endParaRPr lang="en-US" dirty="0"/>
+          </a:p>
+        </p:txBody>
+      </p:sp>
+      <p:sp>
+        <p:nvSpPr>
+          <p:cNvPr id="4" name="Text Placeholder 3"/>
+          <p:cNvSpPr>
+            <a:spLocks noGrp="1"/>
+          </p:cNvSpPr>
+          <p:nvPr>
+            <p:ph type="body" sz="half" idx="2"/>
+          </p:nvPr>
+        </p:nvSpPr>
+        <p:spPr>
+          <a:xfrm>
+            <a:off x="913795" y="5108728"/>
+            <a:ext cx="10353762" cy="682472"/>
+          </a:xfrm>
+        </p:spPr>
+        <p:txBody>
+          <a:bodyPr anchor="t"/>
+          <a:lstStyle>
+            <a:lvl1pPr marL="0" indent="0" algn="ctr">
+              <a:buNone/>
+              <a:defRPr sz="1600"/>
+            </a:lvl1pPr>
+            <a:lvl2pPr marL="457200" indent="0">
+              <a:buNone/>
+              <a:defRPr sz="1400"/>
+            </a:lvl2pPr>
+            <a:lvl3pPr marL="914400" indent="0">
+              <a:buNone/>
+              <a:defRPr sz="1200"/>
+            </a:lvl3pPr>
+            <a:lvl4pPr marL="1371600" indent="0">
+              <a:buNone/>
+              <a:defRPr sz="1000"/>
+            </a:lvl4pPr>
+            <a:lvl5pPr marL="1828800" indent="0">
+              <a:buNone/>
+              <a:defRPr sz="1000"/>
+            </a:lvl5pPr>
+            <a:lvl6pPr marL="2286000" indent="0">
+              <a:buNone/>
+              <a:defRPr sz="1000"/>
+            </a:lvl6pPr>
+            <a:lvl7pPr marL="2743200" indent="0">
+              <a:buNone/>
+              <a:defRPr sz="1000"/>
+            </a:lvl7pPr>
+            <a:lvl8pPr marL="3200400" indent="0">
+              <a:buNone/>
+              <a:defRPr sz="1000"/>
+            </a:lvl8pPr>
+            <a:lvl9pPr marL="3657600" indent="0">
+              <a:buNone/>
+              <a:defRPr sz="1000"/>
+            </a:lvl9pPr>
+          </a:lstStyle>
+          <a:p>
+            <a:pPr lvl="0"/>
+            <a:r>
+              <a:rPr lang="en-US"/>
+              <a:t>Click to edit Master text styles</a:t>
+            </a:r>
+          </a:p>
+        </p:txBody>
+      </p:sp>
+      <p:sp>
+        <p:nvSpPr>
+          <p:cNvPr id="5" name="Date Placeholder 4"/>
+          <p:cNvSpPr>
+            <a:spLocks noGrp="1"/>
+          </p:cNvSpPr>
+          <p:nvPr>
+            <p:ph type="dt" sz="half" idx="10"/>
+          </p:nvPr>
+        </p:nvSpPr>
+        <p:spPr/>
+        <p:txBody>
+          <a:bodyPr/>
+          <a:lstStyle/>
+          <a:p>
+            <a:fld id="{DF2C5CE9-FC82-43C4-AB67-94CB854A9CC6}" type="datetimeFigureOut">
+              <a:rPr lang="en-IN" smtClean="0"/>
+              <a:t>25-01-2024</a:t>
+            </a:fld>
+            <a:endParaRPr lang="en-IN"/>
+          </a:p>
+        </p:txBody>
+      </p:sp>
+      <p:sp>
+        <p:nvSpPr>
+          <p:cNvPr id="6" name="Footer Placeholder 5"/>
+          <p:cNvSpPr>
+            <a:spLocks noGrp="1"/>
+          </p:cNvSpPr>
+          <p:nvPr>
+            <p:ph type="ftr" sz="quarter" idx="11"/>
+          </p:nvPr>
+        </p:nvSpPr>
+        <p:spPr/>
+        <p:txBody>
+          <a:bodyPr/>
+          <a:lstStyle/>
+          <a:p>
+            <a:endParaRPr lang="en-IN"/>
+          </a:p>
+        </p:txBody>
+      </p:sp>
+      <p:sp>
+        <p:nvSpPr>
+          <p:cNvPr id="7" name="Slide Number Placeholder 6"/>
+          <p:cNvSpPr>
+            <a:spLocks noGrp="1"/>
+          </p:cNvSpPr>
+          <p:nvPr>
+            <p:ph type="sldNum" sz="quarter" idx="12"/>
+          </p:nvPr>
+        </p:nvSpPr>
+        <p:spPr/>
+        <p:txBody>
+          <a:bodyPr/>
+          <a:lstStyle/>
+          <a:p>
+            <a:fld id="{E0957C80-ADB8-41FC-A0B7-D106D053B21A}" type="slidenum">
+              <a:rPr lang="en-IN" smtClean="0"/>
+              <a:t>‹#›</a:t>
+            </a:fld>
+            <a:endParaRPr lang="en-IN"/>
+          </a:p>
+        </p:txBody>
+      </p:sp>
+    </p:spTree>
+    <p:extLst>
+      <p:ext uri="{BB962C8B-B14F-4D97-AF65-F5344CB8AC3E}">
+        <p14:creationId xmlns:p14="http://schemas.microsoft.com/office/powerpoint/2010/main" val="861139221"/>
+      </p:ext>
+    </p:extLst>
+  </p:cSld>
+  <p:clrMapOvr>
+    <a:masterClrMapping/>
+  </p:clrMapOvr>
+</p:sldLayout>
+</file>
+
+<file path=ppt/slideLayouts/slideLayout11.xml><?xml version="1.0" encoding="utf-8"?>
+<p:sldLayout xmlns:a="http://schemas.openxmlformats.org/drawingml/2006/main" xmlns:r="http://schemas.openxmlformats.org/officeDocument/2006/relationships" xmlns:p="http://schemas.openxmlformats.org/presentationml/2006/main" preserve="1">
+  <p:cSld name="Title and Caption">
+    <p:spTree>
+      <p:nvGrpSpPr>
+        <p:cNvPr id="1" name=""/>
+        <p:cNvGrpSpPr/>
+        <p:nvPr/>
+      </p:nvGrpSpPr>
+      <p:grpSpPr>
+        <a:xfrm>
+          <a:off x="0" y="0"/>
+          <a:ext cx="0" cy="0"/>
+          <a:chOff x="0" y="0"/>
+          <a:chExt cx="0" cy="0"/>
+        </a:xfrm>
+      </p:grpSpPr>
+      <p:sp>
+        <p:nvSpPr>
+          <p:cNvPr id="2" name="Title 1"/>
+          <p:cNvSpPr>
+            <a:spLocks noGrp="1"/>
+          </p:cNvSpPr>
+          <p:nvPr>
+            <p:ph type="title"/>
+          </p:nvPr>
+        </p:nvSpPr>
+        <p:spPr>
+          <a:xfrm>
+            <a:off x="913795" y="608437"/>
+            <a:ext cx="10353762" cy="3534344"/>
+          </a:xfrm>
+        </p:spPr>
+        <p:txBody>
+          <a:bodyPr anchor="ctr"/>
+          <a:lstStyle>
+            <a:lvl1pPr>
+              <a:defRPr sz="3200"/>
+            </a:lvl1pPr>
+          </a:lstStyle>
+          <a:p>
+            <a:r>
+              <a:rPr lang="en-US"/>
+              <a:t>Click to edit Master title style</a:t>
+            </a:r>
+            <a:endParaRPr lang="en-US" dirty="0"/>
+          </a:p>
+        </p:txBody>
+      </p:sp>
+      <p:sp>
+        <p:nvSpPr>
+          <p:cNvPr id="4" name="Text Placeholder 3"/>
+          <p:cNvSpPr>
+            <a:spLocks noGrp="1"/>
+          </p:cNvSpPr>
+          <p:nvPr>
+            <p:ph type="body" sz="half" idx="2"/>
+          </p:nvPr>
+        </p:nvSpPr>
+        <p:spPr>
+          <a:xfrm>
+            <a:off x="913794" y="4295180"/>
+            <a:ext cx="10353763" cy="1501826"/>
+          </a:xfrm>
+        </p:spPr>
+        <p:txBody>
+          <a:bodyPr anchor="ctr"/>
+          <a:lstStyle>
+            <a:lvl1pPr marL="0" indent="0" algn="ctr">
+              <a:buNone/>
+              <a:defRPr sz="1600"/>
+            </a:lvl1pPr>
+            <a:lvl2pPr marL="457200" indent="0">
+              <a:buNone/>
+              <a:defRPr sz="1400"/>
+            </a:lvl2pPr>
+            <a:lvl3pPr marL="914400" indent="0">
+              <a:buNone/>
+              <a:defRPr sz="1200"/>
+            </a:lvl3pPr>
+            <a:lvl4pPr marL="1371600" indent="0">
+              <a:buNone/>
+              <a:defRPr sz="1000"/>
+            </a:lvl4pPr>
+            <a:lvl5pPr marL="1828800" indent="0">
+              <a:buNone/>
+              <a:defRPr sz="1000"/>
+            </a:lvl5pPr>
+            <a:lvl6pPr marL="2286000" indent="0">
+              <a:buNone/>
+              <a:defRPr sz="1000"/>
+            </a:lvl6pPr>
+            <a:lvl7pPr marL="2743200" indent="0">
+              <a:buNone/>
+              <a:defRPr sz="1000"/>
+            </a:lvl7pPr>
+            <a:lvl8pPr marL="3200400" indent="0">
+              <a:buNone/>
+              <a:defRPr sz="1000"/>
+            </a:lvl8pPr>
+            <a:lvl9pPr marL="3657600" indent="0">
+              <a:buNone/>
+              <a:defRPr sz="1000"/>
+            </a:lvl9pPr>
+          </a:lstStyle>
+          <a:p>
+            <a:pPr lvl="0"/>
+            <a:r>
+              <a:rPr lang="en-US"/>
+              <a:t>Click to edit Master text styles</a:t>
+            </a:r>
+          </a:p>
+        </p:txBody>
+      </p:sp>
+      <p:sp>
+        <p:nvSpPr>
+          <p:cNvPr id="5" name="Date Placeholder 4"/>
+          <p:cNvSpPr>
+            <a:spLocks noGrp="1"/>
+          </p:cNvSpPr>
+          <p:nvPr>
+            <p:ph type="dt" sz="half" idx="10"/>
+          </p:nvPr>
+        </p:nvSpPr>
+        <p:spPr/>
+        <p:txBody>
+          <a:bodyPr/>
+          <a:lstStyle/>
+          <a:p>
+            <a:fld id="{DF2C5CE9-FC82-43C4-AB67-94CB854A9CC6}" type="datetimeFigureOut">
+              <a:rPr lang="en-IN" smtClean="0"/>
+              <a:t>25-01-2024</a:t>
+            </a:fld>
+            <a:endParaRPr lang="en-IN"/>
+          </a:p>
+        </p:txBody>
+      </p:sp>
+      <p:sp>
+        <p:nvSpPr>
+          <p:cNvPr id="6" name="Footer Placeholder 5"/>
+          <p:cNvSpPr>
+            <a:spLocks noGrp="1"/>
+          </p:cNvSpPr>
+          <p:nvPr>
+            <p:ph type="ftr" sz="quarter" idx="11"/>
+          </p:nvPr>
+        </p:nvSpPr>
+        <p:spPr/>
+        <p:txBody>
+          <a:bodyPr/>
+          <a:lstStyle/>
+          <a:p>
+            <a:endParaRPr lang="en-IN"/>
+          </a:p>
+        </p:txBody>
+      </p:sp>
+      <p:sp>
+        <p:nvSpPr>
+          <p:cNvPr id="7" name="Slide Number Placeholder 6"/>
+          <p:cNvSpPr>
+            <a:spLocks noGrp="1"/>
+          </p:cNvSpPr>
+          <p:nvPr>
+            <p:ph type="sldNum" sz="quarter" idx="12"/>
+          </p:nvPr>
+        </p:nvSpPr>
+        <p:spPr/>
+        <p:txBody>
+          <a:bodyPr/>
+          <a:lstStyle/>
+          <a:p>
+            <a:fld id="{E0957C80-ADB8-41FC-A0B7-D106D053B21A}" type="slidenum">
+              <a:rPr lang="en-IN" smtClean="0"/>
+              <a:t>‹#›</a:t>
+            </a:fld>
+            <a:endParaRPr lang="en-IN"/>
+          </a:p>
+        </p:txBody>
+      </p:sp>
+    </p:spTree>
+    <p:extLst>
+      <p:ext uri="{BB962C8B-B14F-4D97-AF65-F5344CB8AC3E}">
+        <p14:creationId xmlns:p14="http://schemas.microsoft.com/office/powerpoint/2010/main" val="3585773778"/>
+      </p:ext>
+    </p:extLst>
+  </p:cSld>
+  <p:clrMapOvr>
+    <a:masterClrMapping/>
+  </p:clrMapOvr>
+</p:sldLayout>
+</file>
+
+<file path=ppt/slideLayouts/slideLayout12.xml><?xml version="1.0" encoding="utf-8"?>
+<p:sldLayout xmlns:a="http://schemas.openxmlformats.org/drawingml/2006/main" xmlns:r="http://schemas.openxmlformats.org/officeDocument/2006/relationships" xmlns:p="http://schemas.openxmlformats.org/presentationml/2006/main" preserve="1">
+  <p:cSld name="Quote with Caption">
+    <p:spTree>
+      <p:nvGrpSpPr>
+        <p:cNvPr id="1" name=""/>
+        <p:cNvGrpSpPr/>
+        <p:nvPr/>
+      </p:nvGrpSpPr>
+      <p:grpSpPr>
+        <a:xfrm>
+          <a:off x="0" y="0"/>
+          <a:ext cx="0" cy="0"/>
+          <a:chOff x="0" y="0"/>
+          <a:chExt cx="0" cy="0"/>
+        </a:xfrm>
+      </p:grpSpPr>
+      <p:sp>
+        <p:nvSpPr>
+          <p:cNvPr id="2" name="Title 1"/>
+          <p:cNvSpPr>
+            <a:spLocks noGrp="1"/>
+          </p:cNvSpPr>
+          <p:nvPr>
+            <p:ph type="title"/>
+          </p:nvPr>
+        </p:nvSpPr>
+        <p:spPr>
+          <a:xfrm>
+            <a:off x="1446212" y="609600"/>
+            <a:ext cx="9302752" cy="2992904"/>
+          </a:xfrm>
+        </p:spPr>
+        <p:txBody>
+          <a:bodyPr anchor="ctr"/>
+          <a:lstStyle>
+            <a:lvl1pPr>
+              <a:defRPr sz="3200"/>
+            </a:lvl1pPr>
+          </a:lstStyle>
+          <a:p>
+            <a:r>
+              <a:rPr lang="en-US"/>
+              <a:t>Click to edit Master title style</a:t>
+            </a:r>
+            <a:endParaRPr lang="en-US" dirty="0"/>
+          </a:p>
+        </p:txBody>
+      </p:sp>
+      <p:sp>
+        <p:nvSpPr>
+          <p:cNvPr id="12" name="Text Placeholder 3"/>
+          <p:cNvSpPr>
+            <a:spLocks noGrp="1"/>
+          </p:cNvSpPr>
+          <p:nvPr>
+            <p:ph type="body" sz="half" idx="13"/>
+          </p:nvPr>
+        </p:nvSpPr>
+        <p:spPr>
+          <a:xfrm>
+            <a:off x="1720644" y="3610032"/>
+            <a:ext cx="8752299" cy="532749"/>
+          </a:xfrm>
+        </p:spPr>
+        <p:txBody>
+          <a:bodyPr anchor="t">
+            <a:normAutofit/>
+          </a:bodyPr>
+          <a:lstStyle>
+            <a:lvl1pPr marL="0" indent="0" algn="r">
+              <a:buNone/>
+              <a:defRPr sz="1400"/>
+            </a:lvl1pPr>
+            <a:lvl2pPr marL="457200" indent="0">
+              <a:buNone/>
+              <a:defRPr sz="1400"/>
+            </a:lvl2pPr>
+            <a:lvl3pPr marL="914400" indent="0">
+              <a:buNone/>
+              <a:defRPr sz="1200"/>
+            </a:lvl3pPr>
+            <a:lvl4pPr marL="1371600" indent="0">
+              <a:buNone/>
+              <a:defRPr sz="1000"/>
+            </a:lvl4pPr>
+            <a:lvl5pPr marL="1828800" indent="0">
+              <a:buNone/>
+              <a:defRPr sz="1000"/>
+            </a:lvl5pPr>
+            <a:lvl6pPr marL="2286000" indent="0">
+              <a:buNone/>
+              <a:defRPr sz="1000"/>
+            </a:lvl6pPr>
+            <a:lvl7pPr marL="2743200" indent="0">
+              <a:buNone/>
+              <a:defRPr sz="1000"/>
+            </a:lvl7pPr>
+            <a:lvl8pPr marL="3200400" indent="0">
+              <a:buNone/>
+              <a:defRPr sz="1000"/>
+            </a:lvl8pPr>
+            <a:lvl9pPr marL="3657600" indent="0">
+              <a:buNone/>
+              <a:defRPr sz="1000"/>
+            </a:lvl9pPr>
+          </a:lstStyle>
+          <a:p>
+            <a:pPr lvl="0"/>
+            <a:r>
+              <a:rPr lang="en-US"/>
+              <a:t>Click to edit Master text styles</a:t>
+            </a:r>
+          </a:p>
+        </p:txBody>
+      </p:sp>
+      <p:sp>
+        <p:nvSpPr>
+          <p:cNvPr id="4" name="Text Placeholder 3"/>
+          <p:cNvSpPr>
+            <a:spLocks noGrp="1"/>
+          </p:cNvSpPr>
+          <p:nvPr>
+            <p:ph type="body" sz="half" idx="2"/>
+          </p:nvPr>
+        </p:nvSpPr>
+        <p:spPr>
+          <a:xfrm>
+            <a:off x="913794" y="4304353"/>
+            <a:ext cx="10353763" cy="1489496"/>
+          </a:xfrm>
+        </p:spPr>
+        <p:txBody>
+          <a:bodyPr anchor="ctr">
+            <a:normAutofit/>
+          </a:bodyPr>
+          <a:lstStyle>
+            <a:lvl1pPr marL="0" indent="0" algn="ctr">
+              <a:buNone/>
+              <a:defRPr sz="1600"/>
+            </a:lvl1pPr>
+            <a:lvl2pPr marL="457200" indent="0">
+              <a:buNone/>
+              <a:defRPr sz="1400"/>
+            </a:lvl2pPr>
+            <a:lvl3pPr marL="914400" indent="0">
+              <a:buNone/>
+              <a:defRPr sz="1200"/>
+            </a:lvl3pPr>
+            <a:lvl4pPr marL="1371600" indent="0">
+              <a:buNone/>
+              <a:defRPr sz="1000"/>
+            </a:lvl4pPr>
+            <a:lvl5pPr marL="1828800" indent="0">
+              <a:buNone/>
+              <a:defRPr sz="1000"/>
+            </a:lvl5pPr>
+            <a:lvl6pPr marL="2286000" indent="0">
+              <a:buNone/>
+              <a:defRPr sz="1000"/>
+            </a:lvl6pPr>
+            <a:lvl7pPr marL="2743200" indent="0">
+              <a:buNone/>
+              <a:defRPr sz="1000"/>
+            </a:lvl7pPr>
+            <a:lvl8pPr marL="3200400" indent="0">
+              <a:buNone/>
+              <a:defRPr sz="1000"/>
+            </a:lvl8pPr>
+            <a:lvl9pPr marL="3657600" indent="0">
+              <a:buNone/>
+              <a:defRPr sz="1000"/>
+            </a:lvl9pPr>
+          </a:lstStyle>
+          <a:p>
+            <a:pPr lvl="0"/>
+            <a:r>
+              <a:rPr lang="en-US"/>
+              <a:t>Click to edit Master text styles</a:t>
+            </a:r>
+          </a:p>
+        </p:txBody>
+      </p:sp>
+      <p:sp>
+        <p:nvSpPr>
+          <p:cNvPr id="5" name="Date Placeholder 4"/>
+          <p:cNvSpPr>
+            <a:spLocks noGrp="1"/>
+          </p:cNvSpPr>
+          <p:nvPr>
+            <p:ph type="dt" sz="half" idx="10"/>
+          </p:nvPr>
+        </p:nvSpPr>
+        <p:spPr/>
+        <p:txBody>
+          <a:bodyPr/>
+          <a:lstStyle/>
+          <a:p>
+            <a:fld id="{DF2C5CE9-FC82-43C4-AB67-94CB854A9CC6}" type="datetimeFigureOut">
+              <a:rPr lang="en-IN" smtClean="0"/>
+              <a:t>25-01-2024</a:t>
+            </a:fld>
+            <a:endParaRPr lang="en-IN"/>
+          </a:p>
+        </p:txBody>
+      </p:sp>
+      <p:sp>
+        <p:nvSpPr>
+          <p:cNvPr id="6" name="Footer Placeholder 5"/>
+          <p:cNvSpPr>
+            <a:spLocks noGrp="1"/>
+          </p:cNvSpPr>
+          <p:nvPr>
+            <p:ph type="ftr" sz="quarter" idx="11"/>
+          </p:nvPr>
+        </p:nvSpPr>
+        <p:spPr/>
+        <p:txBody>
+          <a:bodyPr/>
+          <a:lstStyle/>
+          <a:p>
+            <a:endParaRPr lang="en-IN"/>
+          </a:p>
+        </p:txBody>
+      </p:sp>
+      <p:sp>
+        <p:nvSpPr>
+          <p:cNvPr id="7" name="Slide Number Placeholder 6"/>
+          <p:cNvSpPr>
+            <a:spLocks noGrp="1"/>
+          </p:cNvSpPr>
+          <p:nvPr>
+            <p:ph type="sldNum" sz="quarter" idx="12"/>
+          </p:nvPr>
+        </p:nvSpPr>
+        <p:spPr/>
+        <p:txBody>
+          <a:bodyPr/>
+          <a:lstStyle/>
+          <a:p>
+            <a:fld id="{E0957C80-ADB8-41FC-A0B7-D106D053B21A}" type="slidenum">
+              <a:rPr lang="en-IN" smtClean="0"/>
+              <a:t>‹#›</a:t>
+            </a:fld>
+            <a:endParaRPr lang="en-IN"/>
+          </a:p>
+        </p:txBody>
+      </p:sp>
+      <p:sp>
+        <p:nvSpPr>
+          <p:cNvPr id="11" name="TextBox 10"/>
+          <p:cNvSpPr txBox="1"/>
+          <p:nvPr/>
+        </p:nvSpPr>
+        <p:spPr>
+          <a:xfrm>
+            <a:off x="990600" y="884796"/>
+            <a:ext cx="609600" cy="584776"/>
+          </a:xfrm>
+          <a:prstGeom prst="rect">
+            <a:avLst/>
+          </a:prstGeom>
+        </p:spPr>
+        <p:txBody>
+          <a:bodyPr vert="horz" lIns="91440" tIns="45720" rIns="91440" bIns="45720" rtlCol="0" anchor="ctr">
+            <a:noAutofit/>
+          </a:bodyPr>
+          <a:lstStyle>
+            <a:lvl1pPr>
+              <a:spcBef>
+                <a:spcPct val="0"/>
+              </a:spcBef>
+              <a:buNone/>
+              <a:defRPr sz="3200" b="0" cap="all">
+                <a:ln w="3175" cmpd="sng">
+                  <a:noFill/>
+                </a:ln>
+                <a:effectLst>
+                  <a:glow rad="38100">
+                    <a:schemeClr val="bg1">
+                      <a:lumMod val="65000"/>
+                      <a:lumOff val="35000"/>
+                      <a:alpha val="40000"/>
+                    </a:schemeClr>
+                  </a:glow>
+                  <a:outerShdw blurRad="28575" dist="38100" dir="14040000" algn="tl" rotWithShape="0">
+                    <a:srgbClr val="000000">
+                      <a:alpha val="25000"/>
+                    </a:srgbClr>
+                  </a:outerShdw>
+                </a:effectLst>
+              </a:defRPr>
+            </a:lvl1pPr>
+            <a:lvl2pPr>
+              <a:defRPr>
+                <a:solidFill>
+                  <a:schemeClr val="tx2"/>
+                </a:solidFill>
+              </a:defRPr>
+            </a:lvl2pPr>
+            <a:lvl3pPr>
+              <a:defRPr>
+                <a:solidFill>
+                  <a:schemeClr val="tx2"/>
+                </a:solidFill>
+              </a:defRPr>
+            </a:lvl3pPr>
+            <a:lvl4pPr>
+              <a:defRPr>
+                <a:solidFill>
+                  <a:schemeClr val="tx2"/>
+                </a:solidFill>
+              </a:defRPr>
+            </a:lvl4pPr>
+            <a:lvl5pPr>
+              <a:defRPr>
+                <a:solidFill>
+                  <a:schemeClr val="tx2"/>
+                </a:solidFill>
+              </a:defRPr>
+            </a:lvl5pPr>
+            <a:lvl6pPr>
+              <a:defRPr>
+                <a:solidFill>
+                  <a:schemeClr val="tx2"/>
+                </a:solidFill>
+              </a:defRPr>
+            </a:lvl6pPr>
+            <a:lvl7pPr>
+              <a:defRPr>
+                <a:solidFill>
+                  <a:schemeClr val="tx2"/>
+                </a:solidFill>
+              </a:defRPr>
+            </a:lvl7pPr>
+            <a:lvl8pPr>
+              <a:defRPr>
+                <a:solidFill>
+                  <a:schemeClr val="tx2"/>
+                </a:solidFill>
+              </a:defRPr>
+            </a:lvl8pPr>
+            <a:lvl9pPr>
+              <a:defRPr>
+                <a:solidFill>
+                  <a:schemeClr val="tx2"/>
+                </a:solidFill>
+              </a:defRPr>
+            </a:lvl9pPr>
+          </a:lstStyle>
+          <a:p>
+            <a:pPr lvl="0"/>
+            <a:r>
+              <a:rPr lang="en-US" sz="8000" dirty="0">
+                <a:solidFill>
+                  <a:schemeClr val="tx1"/>
+                </a:solidFill>
+                <a:effectLst/>
+              </a:rPr>
+              <a:t>“</a:t>
+            </a:r>
+          </a:p>
+        </p:txBody>
+      </p:sp>
+      <p:sp>
+        <p:nvSpPr>
+          <p:cNvPr id="13" name="TextBox 12"/>
+          <p:cNvSpPr txBox="1"/>
+          <p:nvPr/>
+        </p:nvSpPr>
+        <p:spPr>
+          <a:xfrm>
+            <a:off x="10504716" y="2928258"/>
+            <a:ext cx="609600" cy="584776"/>
+          </a:xfrm>
+          <a:prstGeom prst="rect">
+            <a:avLst/>
+          </a:prstGeom>
+        </p:spPr>
+        <p:txBody>
+          <a:bodyPr vert="horz" lIns="91440" tIns="45720" rIns="91440" bIns="45720" rtlCol="0" anchor="ctr">
+            <a:noAutofit/>
+          </a:bodyPr>
+          <a:lstStyle>
+            <a:lvl1pPr>
+              <a:spcBef>
+                <a:spcPct val="0"/>
+              </a:spcBef>
+              <a:buNone/>
+              <a:defRPr sz="3200" b="0" cap="all">
+                <a:ln w="3175" cmpd="sng">
+                  <a:noFill/>
+                </a:ln>
+                <a:effectLst>
+                  <a:glow rad="38100">
+                    <a:schemeClr val="bg1">
+                      <a:lumMod val="65000"/>
+                      <a:lumOff val="35000"/>
+                      <a:alpha val="40000"/>
+                    </a:schemeClr>
+                  </a:glow>
+                  <a:outerShdw blurRad="28575" dist="38100" dir="14040000" algn="tl" rotWithShape="0">
+                    <a:srgbClr val="000000">
+                      <a:alpha val="25000"/>
+                    </a:srgbClr>
+                  </a:outerShdw>
+                </a:effectLst>
+              </a:defRPr>
+            </a:lvl1pPr>
+            <a:lvl2pPr>
+              <a:defRPr>
+                <a:solidFill>
+                  <a:schemeClr val="tx2"/>
+                </a:solidFill>
+              </a:defRPr>
+            </a:lvl2pPr>
+            <a:lvl3pPr>
+              <a:defRPr>
+                <a:solidFill>
+                  <a:schemeClr val="tx2"/>
+                </a:solidFill>
+              </a:defRPr>
+            </a:lvl3pPr>
+            <a:lvl4pPr>
+              <a:defRPr>
+                <a:solidFill>
+                  <a:schemeClr val="tx2"/>
+                </a:solidFill>
+              </a:defRPr>
+            </a:lvl4pPr>
+            <a:lvl5pPr>
+              <a:defRPr>
+                <a:solidFill>
+                  <a:schemeClr val="tx2"/>
+                </a:solidFill>
+              </a:defRPr>
+            </a:lvl5pPr>
+            <a:lvl6pPr>
+              <a:defRPr>
+                <a:solidFill>
+                  <a:schemeClr val="tx2"/>
+                </a:solidFill>
+              </a:defRPr>
+            </a:lvl6pPr>
+            <a:lvl7pPr>
+              <a:defRPr>
+                <a:solidFill>
+                  <a:schemeClr val="tx2"/>
+                </a:solidFill>
+              </a:defRPr>
+            </a:lvl7pPr>
+            <a:lvl8pPr>
+              <a:defRPr>
+                <a:solidFill>
+                  <a:schemeClr val="tx2"/>
+                </a:solidFill>
+              </a:defRPr>
+            </a:lvl8pPr>
+            <a:lvl9pPr>
+              <a:defRPr>
+                <a:solidFill>
+                  <a:schemeClr val="tx2"/>
+                </a:solidFill>
+              </a:defRPr>
+            </a:lvl9pPr>
+          </a:lstStyle>
+          <a:p>
+            <a:pPr lvl="0" algn="r"/>
+            <a:r>
+              <a:rPr lang="en-US" sz="8000" dirty="0">
+                <a:solidFill>
+                  <a:schemeClr val="tx1"/>
+                </a:solidFill>
+                <a:effectLst/>
+              </a:rPr>
+              <a:t>”</a:t>
+            </a:r>
+          </a:p>
+        </p:txBody>
+      </p:sp>
+    </p:spTree>
+    <p:extLst>
+      <p:ext uri="{BB962C8B-B14F-4D97-AF65-F5344CB8AC3E}">
+        <p14:creationId xmlns:p14="http://schemas.microsoft.com/office/powerpoint/2010/main" val="3212481859"/>
+      </p:ext>
+    </p:extLst>
+  </p:cSld>
+  <p:clrMapOvr>
+    <a:masterClrMapping/>
+  </p:clrMapOvr>
+</p:sldLayout>
+</file>
+
+<file path=ppt/slideLayouts/slideLayout13.xml><?xml version="1.0" encoding="utf-8"?>
+<p:sldLayout xmlns:a="http://schemas.openxmlformats.org/drawingml/2006/main" xmlns:r="http://schemas.openxmlformats.org/officeDocument/2006/relationships" xmlns:p="http://schemas.openxmlformats.org/presentationml/2006/main" preserve="1">
+  <p:cSld name="Name Card">
+    <p:spTree>
+      <p:nvGrpSpPr>
+        <p:cNvPr id="1" name=""/>
+        <p:cNvGrpSpPr/>
+        <p:nvPr/>
+      </p:nvGrpSpPr>
+      <p:grpSpPr>
+        <a:xfrm>
+          <a:off x="0" y="0"/>
+          <a:ext cx="0" cy="0"/>
+          <a:chOff x="0" y="0"/>
+          <a:chExt cx="0" cy="0"/>
+        </a:xfrm>
+      </p:grpSpPr>
+      <p:sp>
+        <p:nvSpPr>
+          <p:cNvPr id="2" name="Title 1"/>
+          <p:cNvSpPr>
+            <a:spLocks noGrp="1"/>
+          </p:cNvSpPr>
+          <p:nvPr>
+            <p:ph type="title"/>
+          </p:nvPr>
+        </p:nvSpPr>
+        <p:spPr>
+          <a:xfrm>
+            <a:off x="913794" y="2126942"/>
+            <a:ext cx="10353763" cy="2511835"/>
+          </a:xfrm>
+        </p:spPr>
+        <p:txBody>
+          <a:bodyPr anchor="b"/>
+          <a:lstStyle>
+            <a:lvl1pPr>
+              <a:defRPr sz="3200"/>
+            </a:lvl1pPr>
+          </a:lstStyle>
+          <a:p>
+            <a:r>
+              <a:rPr lang="en-US"/>
+              <a:t>Click to edit Master title style</a:t>
+            </a:r>
+            <a:endParaRPr lang="en-US" dirty="0"/>
+          </a:p>
+        </p:txBody>
+      </p:sp>
+      <p:sp>
+        <p:nvSpPr>
+          <p:cNvPr id="4" name="Text Placeholder 3"/>
+          <p:cNvSpPr>
+            <a:spLocks noGrp="1"/>
+          </p:cNvSpPr>
+          <p:nvPr>
+            <p:ph type="body" sz="half" idx="2"/>
+          </p:nvPr>
+        </p:nvSpPr>
+        <p:spPr>
+          <a:xfrm>
+            <a:off x="913784" y="4650556"/>
+            <a:ext cx="10352199" cy="1140644"/>
+          </a:xfrm>
+        </p:spPr>
+        <p:txBody>
+          <a:bodyPr anchor="t"/>
+          <a:lstStyle>
+            <a:lvl1pPr marL="0" indent="0" algn="ctr">
+              <a:buNone/>
+              <a:defRPr sz="1600"/>
+            </a:lvl1pPr>
+            <a:lvl2pPr marL="457200" indent="0">
+              <a:buNone/>
+              <a:defRPr sz="1400"/>
+            </a:lvl2pPr>
+            <a:lvl3pPr marL="914400" indent="0">
+              <a:buNone/>
+              <a:defRPr sz="1200"/>
+            </a:lvl3pPr>
+            <a:lvl4pPr marL="1371600" indent="0">
+              <a:buNone/>
+              <a:defRPr sz="1000"/>
+            </a:lvl4pPr>
+            <a:lvl5pPr marL="1828800" indent="0">
+              <a:buNone/>
+              <a:defRPr sz="1000"/>
+            </a:lvl5pPr>
+            <a:lvl6pPr marL="2286000" indent="0">
+              <a:buNone/>
+              <a:defRPr sz="1000"/>
+            </a:lvl6pPr>
+            <a:lvl7pPr marL="2743200" indent="0">
+              <a:buNone/>
+              <a:defRPr sz="1000"/>
+            </a:lvl7pPr>
+            <a:lvl8pPr marL="3200400" indent="0">
+              <a:buNone/>
+              <a:defRPr sz="1000"/>
+            </a:lvl8pPr>
+            <a:lvl9pPr marL="3657600" indent="0">
+              <a:buNone/>
+              <a:defRPr sz="1000"/>
+            </a:lvl9pPr>
+          </a:lstStyle>
+          <a:p>
+            <a:pPr lvl="0"/>
+            <a:r>
+              <a:rPr lang="en-US"/>
+              <a:t>Click to edit Master text styles</a:t>
+            </a:r>
+          </a:p>
+        </p:txBody>
+      </p:sp>
+      <p:sp>
+        <p:nvSpPr>
+          <p:cNvPr id="5" name="Date Placeholder 4"/>
+          <p:cNvSpPr>
+            <a:spLocks noGrp="1"/>
+          </p:cNvSpPr>
+          <p:nvPr>
+            <p:ph type="dt" sz="half" idx="10"/>
+          </p:nvPr>
+        </p:nvSpPr>
+        <p:spPr/>
+        <p:txBody>
+          <a:bodyPr/>
+          <a:lstStyle/>
+          <a:p>
+            <a:fld id="{DF2C5CE9-FC82-43C4-AB67-94CB854A9CC6}" type="datetimeFigureOut">
+              <a:rPr lang="en-IN" smtClean="0"/>
+              <a:t>25-01-2024</a:t>
+            </a:fld>
+            <a:endParaRPr lang="en-IN"/>
+          </a:p>
+        </p:txBody>
+      </p:sp>
+      <p:sp>
+        <p:nvSpPr>
+          <p:cNvPr id="6" name="Footer Placeholder 5"/>
+          <p:cNvSpPr>
+            <a:spLocks noGrp="1"/>
+          </p:cNvSpPr>
+          <p:nvPr>
+            <p:ph type="ftr" sz="quarter" idx="11"/>
+          </p:nvPr>
+        </p:nvSpPr>
+        <p:spPr/>
+        <p:txBody>
+          <a:bodyPr/>
+          <a:lstStyle/>
+          <a:p>
+            <a:endParaRPr lang="en-IN"/>
+          </a:p>
+        </p:txBody>
+      </p:sp>
+      <p:sp>
+        <p:nvSpPr>
+          <p:cNvPr id="7" name="Slide Number Placeholder 6"/>
+          <p:cNvSpPr>
+            <a:spLocks noGrp="1"/>
+          </p:cNvSpPr>
+          <p:nvPr>
+            <p:ph type="sldNum" sz="quarter" idx="12"/>
+          </p:nvPr>
+        </p:nvSpPr>
+        <p:spPr/>
+        <p:txBody>
+          <a:bodyPr/>
+          <a:lstStyle/>
+          <a:p>
+            <a:fld id="{E0957C80-ADB8-41FC-A0B7-D106D053B21A}" type="slidenum">
+              <a:rPr lang="en-IN" smtClean="0"/>
+              <a:t>‹#›</a:t>
+            </a:fld>
+            <a:endParaRPr lang="en-IN"/>
+          </a:p>
+        </p:txBody>
+      </p:sp>
+    </p:spTree>
+    <p:extLst>
+      <p:ext uri="{BB962C8B-B14F-4D97-AF65-F5344CB8AC3E}">
+        <p14:creationId xmlns:p14="http://schemas.microsoft.com/office/powerpoint/2010/main" val="4103565063"/>
+      </p:ext>
+    </p:extLst>
+  </p:cSld>
+  <p:clrMapOvr>
+    <a:masterClrMapping/>
+  </p:clrMapOvr>
+</p:sldLayout>
+</file>
+
+<file path=ppt/slideLayouts/slideLayout14.xml><?xml version="1.0" encoding="utf-8"?>
+<p:sldLayout xmlns:a="http://schemas.openxmlformats.org/drawingml/2006/main" xmlns:r="http://schemas.openxmlformats.org/officeDocument/2006/relationships" xmlns:p="http://schemas.openxmlformats.org/presentationml/2006/main" preserve="1">
+  <p:cSld name="3 Column">
+    <p:spTree>
+      <p:nvGrpSpPr>
+        <p:cNvPr id="1" name=""/>
+        <p:cNvGrpSpPr/>
+        <p:nvPr/>
+      </p:nvGrpSpPr>
+      <p:grpSpPr>
+        <a:xfrm>
+          <a:off x="0" y="0"/>
+          <a:ext cx="0" cy="0"/>
+          <a:chOff x="0" y="0"/>
+          <a:chExt cx="0" cy="0"/>
+        </a:xfrm>
+      </p:grpSpPr>
+      <p:sp>
+        <p:nvSpPr>
+          <p:cNvPr id="15" name="Title 1"/>
+          <p:cNvSpPr>
+            <a:spLocks noGrp="1"/>
+          </p:cNvSpPr>
+          <p:nvPr>
+            <p:ph type="title"/>
+          </p:nvPr>
+        </p:nvSpPr>
+        <p:spPr>
+          <a:xfrm>
+            <a:off x="913795" y="609600"/>
+            <a:ext cx="10353762" cy="970450"/>
+          </a:xfrm>
+        </p:spPr>
+        <p:txBody>
+          <a:bodyPr/>
+          <a:lstStyle/>
+          <a:p>
+            <a:r>
+              <a:rPr lang="en-US"/>
+              <a:t>Click to edit Master title style</a:t>
+            </a:r>
+            <a:endParaRPr lang="en-US" dirty="0"/>
+          </a:p>
+        </p:txBody>
+      </p:sp>
+      <p:sp>
+        <p:nvSpPr>
+          <p:cNvPr id="7" name="Text Placeholder 2"/>
+          <p:cNvSpPr>
+            <a:spLocks noGrp="1"/>
+          </p:cNvSpPr>
+          <p:nvPr>
+            <p:ph type="body" idx="1"/>
+          </p:nvPr>
+        </p:nvSpPr>
+        <p:spPr>
+          <a:xfrm>
+            <a:off x="913795" y="1885950"/>
+            <a:ext cx="3300984" cy="576262"/>
+          </a:xfrm>
+        </p:spPr>
+        <p:txBody>
+          <a:bodyPr anchor="b">
+            <a:noAutofit/>
+          </a:bodyPr>
+          <a:lstStyle>
+            <a:lvl1pPr marL="0" indent="0" algn="ctr">
+              <a:buNone/>
+              <a:defRPr sz="2400" b="0">
+                <a:solidFill>
+                  <a:schemeClr val="tx1"/>
+                </a:solidFill>
+              </a:defRPr>
+            </a:lvl1pPr>
+            <a:lvl2pPr marL="457200" indent="0">
+              <a:buNone/>
+              <a:defRPr sz="2000" b="1"/>
+            </a:lvl2pPr>
+            <a:lvl3pPr marL="914400" indent="0">
+              <a:buNone/>
+              <a:defRPr sz="1800" b="1"/>
+            </a:lvl3pPr>
+            <a:lvl4pPr marL="1371600" indent="0">
+              <a:buNone/>
+              <a:defRPr sz="1600" b="1"/>
+            </a:lvl4pPr>
+            <a:lvl5pPr marL="1828800" indent="0">
+              <a:buNone/>
+              <a:defRPr sz="1600" b="1"/>
+            </a:lvl5pPr>
+            <a:lvl6pPr marL="2286000" indent="0">
+              <a:buNone/>
+              <a:defRPr sz="1600" b="1"/>
+            </a:lvl6pPr>
+            <a:lvl7pPr marL="2743200" indent="0">
+              <a:buNone/>
+              <a:defRPr sz="1600" b="1"/>
+            </a:lvl7pPr>
+            <a:lvl8pPr marL="3200400" indent="0">
+              <a:buNone/>
+              <a:defRPr sz="1600" b="1"/>
+            </a:lvl8pPr>
+            <a:lvl9pPr marL="3657600" indent="0">
+              <a:buNone/>
+              <a:defRPr sz="1600" b="1"/>
+            </a:lvl9pPr>
+          </a:lstStyle>
+          <a:p>
+            <a:pPr lvl="0"/>
+            <a:r>
+              <a:rPr lang="en-US"/>
+              <a:t>Click to edit Master text styles</a:t>
+            </a:r>
+          </a:p>
+        </p:txBody>
+      </p:sp>
+      <p:sp>
+        <p:nvSpPr>
+          <p:cNvPr id="8" name="Text Placeholder 3"/>
+          <p:cNvSpPr>
+            <a:spLocks noGrp="1"/>
+          </p:cNvSpPr>
+          <p:nvPr>
+            <p:ph type="body" sz="half" idx="15"/>
+          </p:nvPr>
+        </p:nvSpPr>
+        <p:spPr>
+          <a:xfrm>
+            <a:off x="913795" y="2571750"/>
+            <a:ext cx="3300984" cy="3219450"/>
+          </a:xfrm>
+        </p:spPr>
+        <p:txBody>
+          <a:bodyPr anchor="t">
+            <a:normAutofit/>
+          </a:bodyPr>
+          <a:lstStyle>
+            <a:lvl1pPr marL="0" indent="0" algn="ctr">
+              <a:buNone/>
+              <a:defRPr sz="1400"/>
+            </a:lvl1pPr>
+            <a:lvl2pPr marL="457200" indent="0">
+              <a:buNone/>
+              <a:defRPr sz="1200"/>
+            </a:lvl2pPr>
+            <a:lvl3pPr marL="914400" indent="0">
+              <a:buNone/>
+              <a:defRPr sz="1000"/>
+            </a:lvl3pPr>
+            <a:lvl4pPr marL="1371600" indent="0">
+              <a:buNone/>
+              <a:defRPr sz="900"/>
+            </a:lvl4pPr>
+            <a:lvl5pPr marL="1828800" indent="0">
+              <a:buNone/>
+              <a:defRPr sz="900"/>
+            </a:lvl5pPr>
+            <a:lvl6pPr marL="2286000" indent="0">
+              <a:buNone/>
+              <a:defRPr sz="900"/>
+            </a:lvl6pPr>
+            <a:lvl7pPr marL="2743200" indent="0">
+              <a:buNone/>
+              <a:defRPr sz="900"/>
+            </a:lvl7pPr>
+            <a:lvl8pPr marL="3200400" indent="0">
+              <a:buNone/>
+              <a:defRPr sz="900"/>
+            </a:lvl8pPr>
+            <a:lvl9pPr marL="3657600" indent="0">
+              <a:buNone/>
+              <a:defRPr sz="900"/>
+            </a:lvl9pPr>
+          </a:lstStyle>
+          <a:p>
+            <a:pPr lvl="0"/>
+            <a:r>
+              <a:rPr lang="en-US"/>
+              <a:t>Click to edit Master text styles</a:t>
+            </a:r>
+          </a:p>
+        </p:txBody>
+      </p:sp>
+      <p:sp>
+        <p:nvSpPr>
+          <p:cNvPr id="9" name="Text Placeholder 4"/>
+          <p:cNvSpPr>
+            <a:spLocks noGrp="1"/>
+          </p:cNvSpPr>
+          <p:nvPr>
+            <p:ph type="body" sz="quarter" idx="3"/>
+          </p:nvPr>
+        </p:nvSpPr>
+        <p:spPr>
+          <a:xfrm>
+            <a:off x="4446711" y="1885950"/>
+            <a:ext cx="3300984" cy="576262"/>
+          </a:xfrm>
+        </p:spPr>
+        <p:txBody>
+          <a:bodyPr anchor="b">
+            <a:noAutofit/>
+          </a:bodyPr>
+          <a:lstStyle>
+            <a:lvl1pPr marL="0" indent="0" algn="ctr">
+              <a:buNone/>
+              <a:defRPr sz="2400" b="0">
+                <a:solidFill>
+                  <a:schemeClr val="tx1"/>
+                </a:solidFill>
+              </a:defRPr>
+            </a:lvl1pPr>
+            <a:lvl2pPr marL="457200" indent="0">
+              <a:buNone/>
+              <a:defRPr sz="2000" b="1"/>
+            </a:lvl2pPr>
+            <a:lvl3pPr marL="914400" indent="0">
+              <a:buNone/>
+              <a:defRPr sz="1800" b="1"/>
+            </a:lvl3pPr>
+            <a:lvl4pPr marL="1371600" indent="0">
+              <a:buNone/>
+              <a:defRPr sz="1600" b="1"/>
+            </a:lvl4pPr>
+            <a:lvl5pPr marL="1828800" indent="0">
+              <a:buNone/>
+              <a:defRPr sz="1600" b="1"/>
+            </a:lvl5pPr>
+            <a:lvl6pPr marL="2286000" indent="0">
+              <a:buNone/>
+              <a:defRPr sz="1600" b="1"/>
+            </a:lvl6pPr>
+            <a:lvl7pPr marL="2743200" indent="0">
+              <a:buNone/>
+              <a:defRPr sz="1600" b="1"/>
+            </a:lvl7pPr>
+            <a:lvl8pPr marL="3200400" indent="0">
+              <a:buNone/>
+              <a:defRPr sz="1600" b="1"/>
+            </a:lvl8pPr>
+            <a:lvl9pPr marL="3657600" indent="0">
+              <a:buNone/>
+              <a:defRPr sz="1600" b="1"/>
+            </a:lvl9pPr>
+          </a:lstStyle>
+          <a:p>
+            <a:pPr lvl="0"/>
+            <a:r>
+              <a:rPr lang="en-US"/>
+              <a:t>Click to edit Master text styles</a:t>
+            </a:r>
+          </a:p>
+        </p:txBody>
+      </p:sp>
+      <p:sp>
+        <p:nvSpPr>
+          <p:cNvPr id="10" name="Text Placeholder 3"/>
+          <p:cNvSpPr>
+            <a:spLocks noGrp="1"/>
+          </p:cNvSpPr>
+          <p:nvPr>
+            <p:ph type="body" sz="half" idx="16"/>
+          </p:nvPr>
+        </p:nvSpPr>
+        <p:spPr>
+          <a:xfrm>
+            <a:off x="4441435" y="2571750"/>
+            <a:ext cx="3300984" cy="3219450"/>
+          </a:xfrm>
+        </p:spPr>
+        <p:txBody>
+          <a:bodyPr anchor="t">
+            <a:normAutofit/>
+          </a:bodyPr>
+          <a:lstStyle>
+            <a:lvl1pPr marL="0" indent="0" algn="ctr">
+              <a:buNone/>
+              <a:defRPr sz="1400"/>
+            </a:lvl1pPr>
+            <a:lvl2pPr marL="457200" indent="0">
+              <a:buNone/>
+              <a:defRPr sz="1200"/>
+            </a:lvl2pPr>
+            <a:lvl3pPr marL="914400" indent="0">
+              <a:buNone/>
+              <a:defRPr sz="1000"/>
+            </a:lvl3pPr>
+            <a:lvl4pPr marL="1371600" indent="0">
+              <a:buNone/>
+              <a:defRPr sz="900"/>
+            </a:lvl4pPr>
+            <a:lvl5pPr marL="1828800" indent="0">
+              <a:buNone/>
+              <a:defRPr sz="900"/>
+            </a:lvl5pPr>
+            <a:lvl6pPr marL="2286000" indent="0">
+              <a:buNone/>
+              <a:defRPr sz="900"/>
+            </a:lvl6pPr>
+            <a:lvl7pPr marL="2743200" indent="0">
+              <a:buNone/>
+              <a:defRPr sz="900"/>
+            </a:lvl7pPr>
+            <a:lvl8pPr marL="3200400" indent="0">
+              <a:buNone/>
+              <a:defRPr sz="900"/>
+            </a:lvl8pPr>
+            <a:lvl9pPr marL="3657600" indent="0">
+              <a:buNone/>
+              <a:defRPr sz="900"/>
+            </a:lvl9pPr>
+          </a:lstStyle>
+          <a:p>
+            <a:pPr lvl="0"/>
+            <a:r>
+              <a:rPr lang="en-US"/>
+              <a:t>Click to edit Master text styles</a:t>
+            </a:r>
+          </a:p>
+        </p:txBody>
+      </p:sp>
+      <p:sp>
+        <p:nvSpPr>
+          <p:cNvPr id="11" name="Text Placeholder 4"/>
+          <p:cNvSpPr>
+            <a:spLocks noGrp="1"/>
+          </p:cNvSpPr>
+          <p:nvPr>
+            <p:ph type="body" sz="quarter" idx="13"/>
+          </p:nvPr>
+        </p:nvSpPr>
+        <p:spPr>
+          <a:xfrm>
+            <a:off x="7966572" y="1885950"/>
+            <a:ext cx="3300984" cy="576262"/>
+          </a:xfrm>
+        </p:spPr>
+        <p:txBody>
+          <a:bodyPr anchor="b">
+            <a:noAutofit/>
+          </a:bodyPr>
+          <a:lstStyle>
+            <a:lvl1pPr marL="0" indent="0" algn="ctr">
+              <a:buNone/>
+              <a:defRPr sz="2400" b="0">
+                <a:solidFill>
+                  <a:schemeClr val="tx1"/>
+                </a:solidFill>
+              </a:defRPr>
+            </a:lvl1pPr>
+            <a:lvl2pPr marL="457200" indent="0">
+              <a:buNone/>
+              <a:defRPr sz="2000" b="1"/>
+            </a:lvl2pPr>
+            <a:lvl3pPr marL="914400" indent="0">
+              <a:buNone/>
+              <a:defRPr sz="1800" b="1"/>
+            </a:lvl3pPr>
+            <a:lvl4pPr marL="1371600" indent="0">
+              <a:buNone/>
+              <a:defRPr sz="1600" b="1"/>
+            </a:lvl4pPr>
+            <a:lvl5pPr marL="1828800" indent="0">
+              <a:buNone/>
+              <a:defRPr sz="1600" b="1"/>
+            </a:lvl5pPr>
+            <a:lvl6pPr marL="2286000" indent="0">
+              <a:buNone/>
+              <a:defRPr sz="1600" b="1"/>
+            </a:lvl6pPr>
+            <a:lvl7pPr marL="2743200" indent="0">
+              <a:buNone/>
+              <a:defRPr sz="1600" b="1"/>
+            </a:lvl7pPr>
+            <a:lvl8pPr marL="3200400" indent="0">
+              <a:buNone/>
+              <a:defRPr sz="1600" b="1"/>
+            </a:lvl8pPr>
+            <a:lvl9pPr marL="3657600" indent="0">
+              <a:buNone/>
+              <a:defRPr sz="1600" b="1"/>
+            </a:lvl9pPr>
+          </a:lstStyle>
+          <a:p>
+            <a:pPr lvl="0"/>
+            <a:r>
+              <a:rPr lang="en-US"/>
+              <a:t>Click to edit Master text styles</a:t>
+            </a:r>
+          </a:p>
+        </p:txBody>
+      </p:sp>
+      <p:sp>
+        <p:nvSpPr>
+          <p:cNvPr id="12" name="Text Placeholder 3"/>
+          <p:cNvSpPr>
+            <a:spLocks noGrp="1"/>
+          </p:cNvSpPr>
+          <p:nvPr>
+            <p:ph type="body" sz="half" idx="17"/>
+          </p:nvPr>
+        </p:nvSpPr>
+        <p:spPr>
+          <a:xfrm>
+            <a:off x="7966572" y="2571750"/>
+            <a:ext cx="3300984" cy="3219450"/>
+          </a:xfrm>
+        </p:spPr>
+        <p:txBody>
+          <a:bodyPr anchor="t">
+            <a:normAutofit/>
+          </a:bodyPr>
+          <a:lstStyle>
+            <a:lvl1pPr marL="0" indent="0" algn="ctr">
+              <a:buNone/>
+              <a:defRPr sz="1400"/>
+            </a:lvl1pPr>
+            <a:lvl2pPr marL="457200" indent="0">
+              <a:buNone/>
+              <a:defRPr sz="1200"/>
+            </a:lvl2pPr>
+            <a:lvl3pPr marL="914400" indent="0">
+              <a:buNone/>
+              <a:defRPr sz="1000"/>
+            </a:lvl3pPr>
+            <a:lvl4pPr marL="1371600" indent="0">
+              <a:buNone/>
+              <a:defRPr sz="900"/>
+            </a:lvl4pPr>
+            <a:lvl5pPr marL="1828800" indent="0">
+              <a:buNone/>
+              <a:defRPr sz="900"/>
+            </a:lvl5pPr>
+            <a:lvl6pPr marL="2286000" indent="0">
+              <a:buNone/>
+              <a:defRPr sz="900"/>
+            </a:lvl6pPr>
+            <a:lvl7pPr marL="2743200" indent="0">
+              <a:buNone/>
+              <a:defRPr sz="900"/>
+            </a:lvl7pPr>
+            <a:lvl8pPr marL="3200400" indent="0">
+              <a:buNone/>
+              <a:defRPr sz="900"/>
+            </a:lvl8pPr>
+            <a:lvl9pPr marL="3657600" indent="0">
+              <a:buNone/>
+              <a:defRPr sz="900"/>
+            </a:lvl9pPr>
+          </a:lstStyle>
+          <a:p>
+            <a:pPr lvl="0"/>
+            <a:r>
+              <a:rPr lang="en-US"/>
+              <a:t>Click to edit Master text styles</a:t>
+            </a:r>
+          </a:p>
+        </p:txBody>
+      </p:sp>
+      <p:sp>
+        <p:nvSpPr>
+          <p:cNvPr id="3" name="Date Placeholder 2"/>
+          <p:cNvSpPr>
+            <a:spLocks noGrp="1"/>
+          </p:cNvSpPr>
+          <p:nvPr>
+            <p:ph type="dt" sz="half" idx="10"/>
+          </p:nvPr>
+        </p:nvSpPr>
+        <p:spPr/>
+        <p:txBody>
+          <a:bodyPr/>
+          <a:lstStyle/>
+          <a:p>
+            <a:fld id="{DF2C5CE9-FC82-43C4-AB67-94CB854A9CC6}" type="datetimeFigureOut">
+              <a:rPr lang="en-IN" smtClean="0"/>
+              <a:t>25-01-2024</a:t>
+            </a:fld>
+            <a:endParaRPr lang="en-IN"/>
+          </a:p>
+        </p:txBody>
+      </p:sp>
+      <p:sp>
+        <p:nvSpPr>
+          <p:cNvPr id="4" name="Footer Placeholder 3"/>
+          <p:cNvSpPr>
+            <a:spLocks noGrp="1"/>
+          </p:cNvSpPr>
+          <p:nvPr>
+            <p:ph type="ftr" sz="quarter" idx="11"/>
+          </p:nvPr>
+        </p:nvSpPr>
+        <p:spPr/>
+        <p:txBody>
+          <a:bodyPr/>
+          <a:lstStyle/>
+          <a:p>
+            <a:endParaRPr lang="en-IN"/>
+          </a:p>
+        </p:txBody>
+      </p:sp>
+      <p:sp>
+        <p:nvSpPr>
+          <p:cNvPr id="5" name="Slide Number Placeholder 4"/>
+          <p:cNvSpPr>
+            <a:spLocks noGrp="1"/>
+          </p:cNvSpPr>
+          <p:nvPr>
+            <p:ph type="sldNum" sz="quarter" idx="12"/>
+          </p:nvPr>
+        </p:nvSpPr>
+        <p:spPr/>
+        <p:txBody>
+          <a:bodyPr/>
+          <a:lstStyle/>
+          <a:p>
+            <a:fld id="{E0957C80-ADB8-41FC-A0B7-D106D053B21A}" type="slidenum">
+              <a:rPr lang="en-IN" smtClean="0"/>
+              <a:t>‹#›</a:t>
+            </a:fld>
+            <a:endParaRPr lang="en-IN"/>
+          </a:p>
+        </p:txBody>
+      </p:sp>
+    </p:spTree>
+    <p:extLst>
+      <p:ext uri="{BB962C8B-B14F-4D97-AF65-F5344CB8AC3E}">
+        <p14:creationId xmlns:p14="http://schemas.microsoft.com/office/powerpoint/2010/main" val="2667678243"/>
+      </p:ext>
+    </p:extLst>
+  </p:cSld>
+  <p:clrMapOvr>
+    <a:masterClrMapping/>
+  </p:clrMapOvr>
+</p:sldLayout>
+</file>
+
+<file path=ppt/slideLayouts/slideLayout15.xml><?xml version="1.0" encoding="utf-8"?>
+<p:sldLayout xmlns:a="http://schemas.openxmlformats.org/drawingml/2006/main" xmlns:r="http://schemas.openxmlformats.org/officeDocument/2006/relationships" xmlns:p="http://schemas.openxmlformats.org/presentationml/2006/main" preserve="1">
+  <p:cSld name="3 Picture Column">
+    <p:spTree>
+      <p:nvGrpSpPr>
+        <p:cNvPr id="1" name=""/>
+        <p:cNvGrpSpPr/>
+        <p:nvPr/>
+      </p:nvGrpSpPr>
+      <p:grpSpPr>
+        <a:xfrm>
+          <a:off x="0" y="0"/>
+          <a:ext cx="0" cy="0"/>
+          <a:chOff x="0" y="0"/>
+          <a:chExt cx="0" cy="0"/>
+        </a:xfrm>
+      </p:grpSpPr>
+      <p:pic>
+        <p:nvPicPr>
+          <p:cNvPr id="2" name="Picture 1" descr="Slate-V2-HD-3colPhotoInset.png"/>
+          <p:cNvPicPr>
+            <a:picLocks noChangeAspect="1"/>
+          </p:cNvPicPr>
+          <p:nvPr/>
+        </p:nvPicPr>
+        <p:blipFill>
+          <a:blip r:embed="rId2">
+            <a:extLst>
+              <a:ext uri="{28A0092B-C50C-407E-A947-70E740481C1C}">
+                <a14:useLocalDpi xmlns:a14="http://schemas.microsoft.com/office/drawing/2010/main" val="0"/>
+              </a:ext>
+            </a:extLst>
+          </a:blip>
+          <a:stretch>
+            <a:fillRect/>
+          </a:stretch>
+        </p:blipFill>
+        <p:spPr>
+          <a:xfrm>
+            <a:off x="897962" y="1818214"/>
+            <a:ext cx="3339972" cy="1847851"/>
+          </a:xfrm>
+          <a:prstGeom prst="rect">
+            <a:avLst/>
+          </a:prstGeom>
+        </p:spPr>
+      </p:pic>
+      <p:pic>
+        <p:nvPicPr>
+          <p:cNvPr id="36" name="Picture 35" descr="Slate-V2-HD-3colPhotoInset.png"/>
+          <p:cNvPicPr>
+            <a:picLocks noChangeAspect="1"/>
+          </p:cNvPicPr>
+          <p:nvPr/>
+        </p:nvPicPr>
+        <p:blipFill>
+          <a:blip r:embed="rId2">
+            <a:extLst>
+              <a:ext uri="{28A0092B-C50C-407E-A947-70E740481C1C}">
+                <a14:useLocalDpi xmlns:a14="http://schemas.microsoft.com/office/drawing/2010/main" val="0"/>
+              </a:ext>
+            </a:extLst>
+          </a:blip>
+          <a:stretch>
+            <a:fillRect/>
+          </a:stretch>
+        </p:blipFill>
+        <p:spPr>
+          <a:xfrm>
+            <a:off x="4403800" y="1818214"/>
+            <a:ext cx="3339972" cy="1847851"/>
+          </a:xfrm>
+          <a:prstGeom prst="rect">
+            <a:avLst/>
+          </a:prstGeom>
+        </p:spPr>
+      </p:pic>
+      <p:pic>
+        <p:nvPicPr>
+          <p:cNvPr id="37" name="Picture 36" descr="Slate-V2-HD-3colPhotoInset.png"/>
+          <p:cNvPicPr>
+            <a:picLocks noChangeAspect="1"/>
+          </p:cNvPicPr>
+          <p:nvPr/>
+        </p:nvPicPr>
+        <p:blipFill>
+          <a:blip r:embed="rId2">
+            <a:extLst>
+              <a:ext uri="{28A0092B-C50C-407E-A947-70E740481C1C}">
+                <a14:useLocalDpi xmlns:a14="http://schemas.microsoft.com/office/drawing/2010/main" val="0"/>
+              </a:ext>
+            </a:extLst>
+          </a:blip>
+          <a:stretch>
+            <a:fillRect/>
+          </a:stretch>
+        </p:blipFill>
+        <p:spPr>
+          <a:xfrm>
+            <a:off x="7936051" y="1818214"/>
+            <a:ext cx="3339972" cy="1847851"/>
+          </a:xfrm>
+          <a:prstGeom prst="rect">
+            <a:avLst/>
+          </a:prstGeom>
+        </p:spPr>
+      </p:pic>
+      <p:sp>
+        <p:nvSpPr>
+          <p:cNvPr id="30" name="Title 1"/>
+          <p:cNvSpPr>
+            <a:spLocks noGrp="1"/>
+          </p:cNvSpPr>
+          <p:nvPr>
+            <p:ph type="title"/>
+          </p:nvPr>
+        </p:nvSpPr>
+        <p:spPr>
+          <a:xfrm>
+            <a:off x="913794" y="609600"/>
+            <a:ext cx="10353763" cy="970450"/>
+          </a:xfrm>
+        </p:spPr>
+        <p:txBody>
+          <a:bodyPr/>
+          <a:lstStyle/>
+          <a:p>
+            <a:r>
+              <a:rPr lang="en-US"/>
+              <a:t>Click to edit Master title style</a:t>
+            </a:r>
+            <a:endParaRPr lang="en-US" dirty="0"/>
+          </a:p>
+        </p:txBody>
+      </p:sp>
+      <p:sp>
+        <p:nvSpPr>
+          <p:cNvPr id="19" name="Text Placeholder 2"/>
+          <p:cNvSpPr>
+            <a:spLocks noGrp="1"/>
+          </p:cNvSpPr>
+          <p:nvPr>
+            <p:ph type="body" idx="1"/>
+          </p:nvPr>
+        </p:nvSpPr>
+        <p:spPr>
+          <a:xfrm>
+            <a:off x="913795" y="3904106"/>
+            <a:ext cx="3300984" cy="576262"/>
+          </a:xfrm>
+        </p:spPr>
+        <p:txBody>
+          <a:bodyPr anchor="b">
+            <a:noAutofit/>
+          </a:bodyPr>
+          <a:lstStyle>
+            <a:lvl1pPr marL="0" indent="0" algn="ctr">
+              <a:buNone/>
+              <a:defRPr sz="2000" b="0">
+                <a:solidFill>
+                  <a:schemeClr val="tx1"/>
+                </a:solidFill>
+              </a:defRPr>
+            </a:lvl1pPr>
+            <a:lvl2pPr marL="457200" indent="0">
+              <a:buNone/>
+              <a:defRPr sz="2000" b="1"/>
+            </a:lvl2pPr>
+            <a:lvl3pPr marL="914400" indent="0">
+              <a:buNone/>
+              <a:defRPr sz="1800" b="1"/>
+            </a:lvl3pPr>
+            <a:lvl4pPr marL="1371600" indent="0">
+              <a:buNone/>
+              <a:defRPr sz="1600" b="1"/>
+            </a:lvl4pPr>
+            <a:lvl5pPr marL="1828800" indent="0">
+              <a:buNone/>
+              <a:defRPr sz="1600" b="1"/>
+            </a:lvl5pPr>
+            <a:lvl6pPr marL="2286000" indent="0">
+              <a:buNone/>
+              <a:defRPr sz="1600" b="1"/>
+            </a:lvl6pPr>
+            <a:lvl7pPr marL="2743200" indent="0">
+              <a:buNone/>
+              <a:defRPr sz="1600" b="1"/>
+            </a:lvl7pPr>
+            <a:lvl8pPr marL="3200400" indent="0">
+              <a:buNone/>
+              <a:defRPr sz="1600" b="1"/>
+            </a:lvl8pPr>
+            <a:lvl9pPr marL="3657600" indent="0">
+              <a:buNone/>
+              <a:defRPr sz="1600" b="1"/>
+            </a:lvl9pPr>
+          </a:lstStyle>
+          <a:p>
+            <a:pPr lvl="0"/>
+            <a:r>
+              <a:rPr lang="en-US"/>
+              <a:t>Click to edit Master text styles</a:t>
+            </a:r>
+          </a:p>
+        </p:txBody>
+      </p:sp>
+      <p:sp>
+        <p:nvSpPr>
+          <p:cNvPr id="20" name="Picture Placeholder 2"/>
+          <p:cNvSpPr>
+            <a:spLocks noGrp="1" noChangeAspect="1"/>
+          </p:cNvSpPr>
+          <p:nvPr>
+            <p:ph type="pic" idx="15"/>
+          </p:nvPr>
+        </p:nvSpPr>
+        <p:spPr>
+          <a:xfrm>
+            <a:off x="1018102" y="1938918"/>
+            <a:ext cx="3092368" cy="1602954"/>
+          </a:xfrm>
+          <a:prstGeom prst="roundRect">
+            <a:avLst>
+              <a:gd name="adj" fmla="val 1858"/>
+            </a:avLst>
+          </a:prstGeom>
+          <a:effectLst>
+            <a:outerShdw blurRad="38100" dist="25400" dir="4440000">
+              <a:srgbClr val="000000">
+                <a:alpha val="36000"/>
+              </a:srgbClr>
+            </a:outerShdw>
+          </a:effectLst>
+        </p:spPr>
+        <p:txBody>
+          <a:bodyPr anchor="t">
+            <a:normAutofit/>
+          </a:bodyPr>
+          <a:lstStyle>
+            <a:lvl1pPr marL="0" indent="0" algn="ctr">
+              <a:buNone/>
+              <a:defRPr sz="1600"/>
+            </a:lvl1pPr>
+            <a:lvl2pPr marL="457200" indent="0">
+              <a:buNone/>
+              <a:defRPr sz="1600"/>
+            </a:lvl2pPr>
+            <a:lvl3pPr marL="914400" indent="0">
+              <a:buNone/>
+              <a:defRPr sz="1600"/>
+            </a:lvl3pPr>
+            <a:lvl4pPr marL="1371600" indent="0">
+              <a:buNone/>
+              <a:defRPr sz="1600"/>
+            </a:lvl4pPr>
+            <a:lvl5pPr marL="1828800" indent="0">
+              <a:buNone/>
+              <a:defRPr sz="1600"/>
+            </a:lvl5pPr>
+            <a:lvl6pPr marL="2286000" indent="0">
+              <a:buNone/>
+              <a:defRPr sz="1600"/>
+            </a:lvl6pPr>
+            <a:lvl7pPr marL="2743200" indent="0">
+              <a:buNone/>
+              <a:defRPr sz="1600"/>
+            </a:lvl7pPr>
+            <a:lvl8pPr marL="3200400" indent="0">
+              <a:buNone/>
+              <a:defRPr sz="1600"/>
+            </a:lvl8pPr>
+            <a:lvl9pPr marL="3657600" indent="0">
+              <a:buNone/>
+              <a:defRPr sz="1600"/>
+            </a:lvl9pPr>
+          </a:lstStyle>
+          <a:p>
+            <a:r>
+              <a:rPr lang="en-US"/>
+              <a:t>Click icon to add picture</a:t>
+            </a:r>
+            <a:endParaRPr lang="en-US" dirty="0"/>
+          </a:p>
+        </p:txBody>
+      </p:sp>
+      <p:sp>
+        <p:nvSpPr>
+          <p:cNvPr id="21" name="Text Placeholder 3"/>
+          <p:cNvSpPr>
+            <a:spLocks noGrp="1"/>
+          </p:cNvSpPr>
+          <p:nvPr>
+            <p:ph type="body" sz="half" idx="18"/>
+          </p:nvPr>
+        </p:nvSpPr>
+        <p:spPr>
+          <a:xfrm>
+            <a:off x="913795" y="4480368"/>
+            <a:ext cx="3300984" cy="1310833"/>
+          </a:xfrm>
+        </p:spPr>
+        <p:txBody>
+          <a:bodyPr anchor="t">
+            <a:normAutofit/>
+          </a:bodyPr>
+          <a:lstStyle>
+            <a:lvl1pPr marL="0" indent="0" algn="ctr">
+              <a:buNone/>
+              <a:defRPr sz="1400"/>
+            </a:lvl1pPr>
+            <a:lvl2pPr marL="457200" indent="0">
+              <a:buNone/>
+              <a:defRPr sz="1200"/>
+            </a:lvl2pPr>
+            <a:lvl3pPr marL="914400" indent="0">
+              <a:buNone/>
+              <a:defRPr sz="1000"/>
+            </a:lvl3pPr>
+            <a:lvl4pPr marL="1371600" indent="0">
+              <a:buNone/>
+              <a:defRPr sz="900"/>
+            </a:lvl4pPr>
+            <a:lvl5pPr marL="1828800" indent="0">
+              <a:buNone/>
+              <a:defRPr sz="900"/>
+            </a:lvl5pPr>
+            <a:lvl6pPr marL="2286000" indent="0">
+              <a:buNone/>
+              <a:defRPr sz="900"/>
+            </a:lvl6pPr>
+            <a:lvl7pPr marL="2743200" indent="0">
+              <a:buNone/>
+              <a:defRPr sz="900"/>
+            </a:lvl7pPr>
+            <a:lvl8pPr marL="3200400" indent="0">
+              <a:buNone/>
+              <a:defRPr sz="900"/>
+            </a:lvl8pPr>
+            <a:lvl9pPr marL="3657600" indent="0">
+              <a:buNone/>
+              <a:defRPr sz="900"/>
+            </a:lvl9pPr>
+          </a:lstStyle>
+          <a:p>
+            <a:pPr lvl="0"/>
+            <a:r>
+              <a:rPr lang="en-US"/>
+              <a:t>Click to edit Master text styles</a:t>
+            </a:r>
+          </a:p>
+        </p:txBody>
+      </p:sp>
+      <p:sp>
+        <p:nvSpPr>
+          <p:cNvPr id="22" name="Text Placeholder 4"/>
+          <p:cNvSpPr>
+            <a:spLocks noGrp="1"/>
+          </p:cNvSpPr>
+          <p:nvPr>
+            <p:ph type="body" sz="quarter" idx="3"/>
+          </p:nvPr>
+        </p:nvSpPr>
+        <p:spPr>
+          <a:xfrm>
+            <a:off x="4442788" y="3904106"/>
+            <a:ext cx="3300984" cy="576262"/>
+          </a:xfrm>
+        </p:spPr>
+        <p:txBody>
+          <a:bodyPr anchor="b">
+            <a:noAutofit/>
+          </a:bodyPr>
+          <a:lstStyle>
+            <a:lvl1pPr marL="0" indent="0" algn="ctr">
+              <a:buNone/>
+              <a:defRPr sz="2000" b="0">
+                <a:solidFill>
+                  <a:schemeClr val="tx1"/>
+                </a:solidFill>
+              </a:defRPr>
+            </a:lvl1pPr>
+            <a:lvl2pPr marL="457200" indent="0">
+              <a:buNone/>
+              <a:defRPr sz="2000" b="1"/>
+            </a:lvl2pPr>
+            <a:lvl3pPr marL="914400" indent="0">
+              <a:buNone/>
+              <a:defRPr sz="1800" b="1"/>
+            </a:lvl3pPr>
+            <a:lvl4pPr marL="1371600" indent="0">
+              <a:buNone/>
+              <a:defRPr sz="1600" b="1"/>
+            </a:lvl4pPr>
+            <a:lvl5pPr marL="1828800" indent="0">
+              <a:buNone/>
+              <a:defRPr sz="1600" b="1"/>
+            </a:lvl5pPr>
+            <a:lvl6pPr marL="2286000" indent="0">
+              <a:buNone/>
+              <a:defRPr sz="1600" b="1"/>
+            </a:lvl6pPr>
+            <a:lvl7pPr marL="2743200" indent="0">
+              <a:buNone/>
+              <a:defRPr sz="1600" b="1"/>
+            </a:lvl7pPr>
+            <a:lvl8pPr marL="3200400" indent="0">
+              <a:buNone/>
+              <a:defRPr sz="1600" b="1"/>
+            </a:lvl8pPr>
+            <a:lvl9pPr marL="3657600" indent="0">
+              <a:buNone/>
+              <a:defRPr sz="1600" b="1"/>
+            </a:lvl9pPr>
+          </a:lstStyle>
+          <a:p>
+            <a:pPr lvl="0"/>
+            <a:r>
+              <a:rPr lang="en-US"/>
+              <a:t>Click to edit Master text styles</a:t>
+            </a:r>
+          </a:p>
+        </p:txBody>
+      </p:sp>
+      <p:sp>
+        <p:nvSpPr>
+          <p:cNvPr id="23" name="Picture Placeholder 2"/>
+          <p:cNvSpPr>
+            <a:spLocks noGrp="1" noChangeAspect="1"/>
+          </p:cNvSpPr>
+          <p:nvPr>
+            <p:ph type="pic" idx="21"/>
+          </p:nvPr>
+        </p:nvSpPr>
+        <p:spPr>
+          <a:xfrm>
+            <a:off x="4545743" y="1939094"/>
+            <a:ext cx="3092368" cy="1608164"/>
+          </a:xfrm>
+          <a:prstGeom prst="roundRect">
+            <a:avLst>
+              <a:gd name="adj" fmla="val 1858"/>
+            </a:avLst>
+          </a:prstGeom>
+          <a:effectLst>
+            <a:outerShdw blurRad="38100" dist="25400" dir="4440000">
+              <a:srgbClr val="000000">
+                <a:alpha val="36000"/>
+              </a:srgbClr>
+            </a:outerShdw>
+          </a:effectLst>
+        </p:spPr>
+        <p:txBody>
+          <a:bodyPr anchor="t">
+            <a:normAutofit/>
+          </a:bodyPr>
+          <a:lstStyle>
+            <a:lvl1pPr marL="0" indent="0" algn="ctr">
+              <a:buNone/>
+              <a:defRPr sz="1600"/>
+            </a:lvl1pPr>
+            <a:lvl2pPr marL="457200" indent="0">
+              <a:buNone/>
+              <a:defRPr sz="1600"/>
+            </a:lvl2pPr>
+            <a:lvl3pPr marL="914400" indent="0">
+              <a:buNone/>
+              <a:defRPr sz="1600"/>
+            </a:lvl3pPr>
+            <a:lvl4pPr marL="1371600" indent="0">
+              <a:buNone/>
+              <a:defRPr sz="1600"/>
+            </a:lvl4pPr>
+            <a:lvl5pPr marL="1828800" indent="0">
+              <a:buNone/>
+              <a:defRPr sz="1600"/>
+            </a:lvl5pPr>
+            <a:lvl6pPr marL="2286000" indent="0">
+              <a:buNone/>
+              <a:defRPr sz="1600"/>
+            </a:lvl6pPr>
+            <a:lvl7pPr marL="2743200" indent="0">
+              <a:buNone/>
+              <a:defRPr sz="1600"/>
+            </a:lvl7pPr>
+            <a:lvl8pPr marL="3200400" indent="0">
+              <a:buNone/>
+              <a:defRPr sz="1600"/>
+            </a:lvl8pPr>
+            <a:lvl9pPr marL="3657600" indent="0">
+              <a:buNone/>
+              <a:defRPr sz="1600"/>
+            </a:lvl9pPr>
+          </a:lstStyle>
+          <a:p>
+            <a:r>
+              <a:rPr lang="en-US"/>
+              <a:t>Click icon to add picture</a:t>
+            </a:r>
+            <a:endParaRPr lang="en-US" dirty="0"/>
+          </a:p>
+        </p:txBody>
+      </p:sp>
+      <p:sp>
+        <p:nvSpPr>
+          <p:cNvPr id="24" name="Text Placeholder 3"/>
+          <p:cNvSpPr>
+            <a:spLocks noGrp="1"/>
+          </p:cNvSpPr>
+          <p:nvPr>
+            <p:ph type="body" sz="half" idx="19"/>
+          </p:nvPr>
+        </p:nvSpPr>
+        <p:spPr>
+          <a:xfrm>
+            <a:off x="4441435" y="4480367"/>
+            <a:ext cx="3300984" cy="1310833"/>
+          </a:xfrm>
+        </p:spPr>
+        <p:txBody>
+          <a:bodyPr anchor="t">
+            <a:normAutofit/>
+          </a:bodyPr>
+          <a:lstStyle>
+            <a:lvl1pPr marL="0" indent="0" algn="ctr">
+              <a:buNone/>
+              <a:defRPr sz="1400"/>
+            </a:lvl1pPr>
+            <a:lvl2pPr marL="457200" indent="0">
+              <a:buNone/>
+              <a:defRPr sz="1200"/>
+            </a:lvl2pPr>
+            <a:lvl3pPr marL="914400" indent="0">
+              <a:buNone/>
+              <a:defRPr sz="1000"/>
+            </a:lvl3pPr>
+            <a:lvl4pPr marL="1371600" indent="0">
+              <a:buNone/>
+              <a:defRPr sz="900"/>
+            </a:lvl4pPr>
+            <a:lvl5pPr marL="1828800" indent="0">
+              <a:buNone/>
+              <a:defRPr sz="900"/>
+            </a:lvl5pPr>
+            <a:lvl6pPr marL="2286000" indent="0">
+              <a:buNone/>
+              <a:defRPr sz="900"/>
+            </a:lvl6pPr>
+            <a:lvl7pPr marL="2743200" indent="0">
+              <a:buNone/>
+              <a:defRPr sz="900"/>
+            </a:lvl7pPr>
+            <a:lvl8pPr marL="3200400" indent="0">
+              <a:buNone/>
+              <a:defRPr sz="900"/>
+            </a:lvl8pPr>
+            <a:lvl9pPr marL="3657600" indent="0">
+              <a:buNone/>
+              <a:defRPr sz="900"/>
+            </a:lvl9pPr>
+          </a:lstStyle>
+          <a:p>
+            <a:pPr lvl="0"/>
+            <a:r>
+              <a:rPr lang="en-US"/>
+              <a:t>Click to edit Master text styles</a:t>
+            </a:r>
+          </a:p>
+        </p:txBody>
+      </p:sp>
+      <p:sp>
+        <p:nvSpPr>
+          <p:cNvPr id="25" name="Text Placeholder 4"/>
+          <p:cNvSpPr>
+            <a:spLocks noGrp="1"/>
+          </p:cNvSpPr>
+          <p:nvPr>
+            <p:ph type="body" sz="quarter" idx="13"/>
+          </p:nvPr>
+        </p:nvSpPr>
+        <p:spPr>
+          <a:xfrm>
+            <a:off x="7966697" y="3904106"/>
+            <a:ext cx="3300984" cy="576262"/>
+          </a:xfrm>
+        </p:spPr>
+        <p:txBody>
+          <a:bodyPr anchor="b">
+            <a:noAutofit/>
+          </a:bodyPr>
+          <a:lstStyle>
+            <a:lvl1pPr marL="0" indent="0" algn="ctr">
+              <a:buNone/>
+              <a:defRPr sz="2000" b="0">
+                <a:solidFill>
+                  <a:schemeClr val="tx1"/>
+                </a:solidFill>
+              </a:defRPr>
+            </a:lvl1pPr>
+            <a:lvl2pPr marL="457200" indent="0">
+              <a:buNone/>
+              <a:defRPr sz="2000" b="1"/>
+            </a:lvl2pPr>
+            <a:lvl3pPr marL="914400" indent="0">
+              <a:buNone/>
+              <a:defRPr sz="1800" b="1"/>
+            </a:lvl3pPr>
+            <a:lvl4pPr marL="1371600" indent="0">
+              <a:buNone/>
+              <a:defRPr sz="1600" b="1"/>
+            </a:lvl4pPr>
+            <a:lvl5pPr marL="1828800" indent="0">
+              <a:buNone/>
+              <a:defRPr sz="1600" b="1"/>
+            </a:lvl5pPr>
+            <a:lvl6pPr marL="2286000" indent="0">
+              <a:buNone/>
+              <a:defRPr sz="1600" b="1"/>
+            </a:lvl6pPr>
+            <a:lvl7pPr marL="2743200" indent="0">
+              <a:buNone/>
+              <a:defRPr sz="1600" b="1"/>
+            </a:lvl7pPr>
+            <a:lvl8pPr marL="3200400" indent="0">
+              <a:buNone/>
+              <a:defRPr sz="1600" b="1"/>
+            </a:lvl8pPr>
+            <a:lvl9pPr marL="3657600" indent="0">
+              <a:buNone/>
+              <a:defRPr sz="1600" b="1"/>
+            </a:lvl9pPr>
+          </a:lstStyle>
+          <a:p>
+            <a:pPr lvl="0"/>
+            <a:r>
+              <a:rPr lang="en-US"/>
+              <a:t>Click to edit Master text styles</a:t>
+            </a:r>
+          </a:p>
+        </p:txBody>
+      </p:sp>
+      <p:sp>
+        <p:nvSpPr>
+          <p:cNvPr id="26" name="Picture Placeholder 2"/>
+          <p:cNvSpPr>
+            <a:spLocks noGrp="1" noChangeAspect="1"/>
+          </p:cNvSpPr>
+          <p:nvPr>
+            <p:ph type="pic" idx="22"/>
+          </p:nvPr>
+        </p:nvSpPr>
+        <p:spPr>
+          <a:xfrm>
+            <a:off x="8075698" y="1934432"/>
+            <a:ext cx="3092368" cy="1607294"/>
+          </a:xfrm>
+          <a:prstGeom prst="roundRect">
+            <a:avLst>
+              <a:gd name="adj" fmla="val 1858"/>
+            </a:avLst>
+          </a:prstGeom>
+          <a:effectLst>
+            <a:outerShdw blurRad="38100" dist="25400" dir="4440000">
+              <a:srgbClr val="000000">
+                <a:alpha val="36000"/>
+              </a:srgbClr>
+            </a:outerShdw>
+          </a:effectLst>
+        </p:spPr>
+        <p:txBody>
+          <a:bodyPr anchor="t">
+            <a:normAutofit/>
+          </a:bodyPr>
+          <a:lstStyle>
+            <a:lvl1pPr marL="0" indent="0" algn="ctr">
+              <a:buNone/>
+              <a:defRPr sz="1600"/>
+            </a:lvl1pPr>
+            <a:lvl2pPr marL="457200" indent="0">
+              <a:buNone/>
+              <a:defRPr sz="1600"/>
+            </a:lvl2pPr>
+            <a:lvl3pPr marL="914400" indent="0">
+              <a:buNone/>
+              <a:defRPr sz="1600"/>
+            </a:lvl3pPr>
+            <a:lvl4pPr marL="1371600" indent="0">
+              <a:buNone/>
+              <a:defRPr sz="1600"/>
+            </a:lvl4pPr>
+            <a:lvl5pPr marL="1828800" indent="0">
+              <a:buNone/>
+              <a:defRPr sz="1600"/>
+            </a:lvl5pPr>
+            <a:lvl6pPr marL="2286000" indent="0">
+              <a:buNone/>
+              <a:defRPr sz="1600"/>
+            </a:lvl6pPr>
+            <a:lvl7pPr marL="2743200" indent="0">
+              <a:buNone/>
+              <a:defRPr sz="1600"/>
+            </a:lvl7pPr>
+            <a:lvl8pPr marL="3200400" indent="0">
+              <a:buNone/>
+              <a:defRPr sz="1600"/>
+            </a:lvl8pPr>
+            <a:lvl9pPr marL="3657600" indent="0">
+              <a:buNone/>
+              <a:defRPr sz="1600"/>
+            </a:lvl9pPr>
+          </a:lstStyle>
+          <a:p>
+            <a:r>
+              <a:rPr lang="en-US"/>
+              <a:t>Click icon to add picture</a:t>
+            </a:r>
+            <a:endParaRPr lang="en-US" dirty="0"/>
+          </a:p>
+        </p:txBody>
+      </p:sp>
+      <p:sp>
+        <p:nvSpPr>
+          <p:cNvPr id="27" name="Text Placeholder 3"/>
+          <p:cNvSpPr>
+            <a:spLocks noGrp="1"/>
+          </p:cNvSpPr>
+          <p:nvPr>
+            <p:ph type="body" sz="half" idx="20"/>
+          </p:nvPr>
+        </p:nvSpPr>
+        <p:spPr>
+          <a:xfrm>
+            <a:off x="7966572" y="4480365"/>
+            <a:ext cx="3300984" cy="1310835"/>
+          </a:xfrm>
+        </p:spPr>
+        <p:txBody>
+          <a:bodyPr anchor="t">
+            <a:normAutofit/>
+          </a:bodyPr>
+          <a:lstStyle>
+            <a:lvl1pPr marL="0" indent="0" algn="ctr">
+              <a:buNone/>
+              <a:defRPr sz="1400"/>
+            </a:lvl1pPr>
+            <a:lvl2pPr marL="457200" indent="0">
+              <a:buNone/>
+              <a:defRPr sz="1200"/>
+            </a:lvl2pPr>
+            <a:lvl3pPr marL="914400" indent="0">
+              <a:buNone/>
+              <a:defRPr sz="1000"/>
+            </a:lvl3pPr>
+            <a:lvl4pPr marL="1371600" indent="0">
+              <a:buNone/>
+              <a:defRPr sz="900"/>
+            </a:lvl4pPr>
+            <a:lvl5pPr marL="1828800" indent="0">
+              <a:buNone/>
+              <a:defRPr sz="900"/>
+            </a:lvl5pPr>
+            <a:lvl6pPr marL="2286000" indent="0">
+              <a:buNone/>
+              <a:defRPr sz="900"/>
+            </a:lvl6pPr>
+            <a:lvl7pPr marL="2743200" indent="0">
+              <a:buNone/>
+              <a:defRPr sz="900"/>
+            </a:lvl7pPr>
+            <a:lvl8pPr marL="3200400" indent="0">
+              <a:buNone/>
+              <a:defRPr sz="900"/>
+            </a:lvl8pPr>
+            <a:lvl9pPr marL="3657600" indent="0">
+              <a:buNone/>
+              <a:defRPr sz="900"/>
+            </a:lvl9pPr>
+          </a:lstStyle>
+          <a:p>
+            <a:pPr lvl="0"/>
+            <a:r>
+              <a:rPr lang="en-US"/>
+              <a:t>Click to edit Master text styles</a:t>
+            </a:r>
+          </a:p>
+        </p:txBody>
+      </p:sp>
+      <p:sp>
+        <p:nvSpPr>
+          <p:cNvPr id="3" name="Date Placeholder 2"/>
+          <p:cNvSpPr>
+            <a:spLocks noGrp="1"/>
+          </p:cNvSpPr>
+          <p:nvPr>
+            <p:ph type="dt" sz="half" idx="10"/>
+          </p:nvPr>
+        </p:nvSpPr>
+        <p:spPr/>
+        <p:txBody>
+          <a:bodyPr/>
+          <a:lstStyle/>
+          <a:p>
+            <a:fld id="{DF2C5CE9-FC82-43C4-AB67-94CB854A9CC6}" type="datetimeFigureOut">
+              <a:rPr lang="en-IN" smtClean="0"/>
+              <a:t>25-01-2024</a:t>
+            </a:fld>
+            <a:endParaRPr lang="en-IN"/>
+          </a:p>
+        </p:txBody>
+      </p:sp>
+      <p:sp>
+        <p:nvSpPr>
+          <p:cNvPr id="4" name="Footer Placeholder 3"/>
+          <p:cNvSpPr>
+            <a:spLocks noGrp="1"/>
+          </p:cNvSpPr>
+          <p:nvPr>
+            <p:ph type="ftr" sz="quarter" idx="11"/>
+          </p:nvPr>
+        </p:nvSpPr>
+        <p:spPr/>
+        <p:txBody>
+          <a:bodyPr/>
+          <a:lstStyle/>
+          <a:p>
+            <a:endParaRPr lang="en-IN"/>
+          </a:p>
+        </p:txBody>
+      </p:sp>
+      <p:sp>
+        <p:nvSpPr>
+          <p:cNvPr id="5" name="Slide Number Placeholder 4"/>
+          <p:cNvSpPr>
+            <a:spLocks noGrp="1"/>
+          </p:cNvSpPr>
+          <p:nvPr>
+            <p:ph type="sldNum" sz="quarter" idx="12"/>
+          </p:nvPr>
+        </p:nvSpPr>
+        <p:spPr/>
+        <p:txBody>
+          <a:bodyPr/>
+          <a:lstStyle/>
+          <a:p>
+            <a:fld id="{E0957C80-ADB8-41FC-A0B7-D106D053B21A}" type="slidenum">
+              <a:rPr lang="en-IN" smtClean="0"/>
+              <a:t>‹#›</a:t>
+            </a:fld>
+            <a:endParaRPr lang="en-IN"/>
+          </a:p>
+        </p:txBody>
+      </p:sp>
+    </p:spTree>
+    <p:extLst>
+      <p:ext uri="{BB962C8B-B14F-4D97-AF65-F5344CB8AC3E}">
+        <p14:creationId xmlns:p14="http://schemas.microsoft.com/office/powerpoint/2010/main" val="1347184909"/>
+      </p:ext>
+    </p:extLst>
+  </p:cSld>
+  <p:clrMapOvr>
+    <a:masterClrMapping/>
+  </p:clrMapOvr>
+</p:sldLayout>
+</file>
+
+<file path=ppt/slideLayouts/slideLayout16.xml><?xml version="1.0" encoding="utf-8"?>
 <p:sldLayout xmlns:a="http://schemas.openxmlformats.org/drawingml/2006/main" xmlns:r="http://schemas.openxmlformats.org/officeDocument/2006/relationships" xmlns:p="http://schemas.openxmlformats.org/presentationml/2006/main" type="vertTx" preserve="1">
   <p:cSld name="Title and Vertical Text">
     <p:spTree>
@@ -362,13 +2963,7 @@
       </p:grpSpPr>
       <p:sp>
         <p:nvSpPr>
-          <p:cNvPr id="2" name="Title 1">
-            <a:extLst>
-              <a:ext uri="{FF2B5EF4-FFF2-40B4-BE49-F238E27FC236}">
-                <a16:creationId xmlns:a16="http://schemas.microsoft.com/office/drawing/2014/main" id="{9B007663-0027-4A4A-9E2F-5FD3A19E7546}"/>
-              </a:ext>
-            </a:extLst>
-          </p:cNvPr>
+          <p:cNvPr id="2" name="Title 1"/>
           <p:cNvSpPr>
             <a:spLocks noGrp="1"/>
           </p:cNvSpPr>
@@ -385,19 +2980,13 @@
               <a:rPr lang="en-US"/>
               <a:t>Click to edit Master title style</a:t>
             </a:r>
-            <a:endParaRPr lang="en-IN"/>
-          </a:p>
-        </p:txBody>
-      </p:sp>
-      <p:sp>
-        <p:nvSpPr>
-          <p:cNvPr id="3" name="Vertical Text Placeholder 2">
-            <a:extLst>
-              <a:ext uri="{FF2B5EF4-FFF2-40B4-BE49-F238E27FC236}">
-                <a16:creationId xmlns:a16="http://schemas.microsoft.com/office/drawing/2014/main" id="{1F72A1DC-A818-4FC3-845E-7C3EA6889770}"/>
-              </a:ext>
-            </a:extLst>
-          </p:cNvPr>
+            <a:endParaRPr lang="en-US" dirty="0"/>
+          </a:p>
+        </p:txBody>
+      </p:sp>
+      <p:sp>
+        <p:nvSpPr>
+          <p:cNvPr id="3" name="Vertical Text Placeholder 2"/>
           <p:cNvSpPr>
             <a:spLocks noGrp="1"/>
           </p:cNvSpPr>
@@ -407,7 +2996,7 @@
         </p:nvSpPr>
         <p:spPr/>
         <p:txBody>
-          <a:bodyPr vert="eaVert"/>
+          <a:bodyPr vert="eaVert" anchor="t"/>
           <a:lstStyle/>
           <a:p>
             <a:pPr lvl="0"/>
@@ -443,19 +3032,13 @@
               <a:rPr lang="en-US"/>
               <a:t>Fifth level</a:t>
             </a:r>
-            <a:endParaRPr lang="en-IN"/>
-          </a:p>
-        </p:txBody>
-      </p:sp>
-      <p:sp>
-        <p:nvSpPr>
-          <p:cNvPr id="4" name="Date Placeholder 3">
-            <a:extLst>
-              <a:ext uri="{FF2B5EF4-FFF2-40B4-BE49-F238E27FC236}">
-                <a16:creationId xmlns:a16="http://schemas.microsoft.com/office/drawing/2014/main" id="{DCD2D34E-241A-4CD6-8989-13D9978686C6}"/>
-              </a:ext>
-            </a:extLst>
-          </p:cNvPr>
+            <a:endParaRPr lang="en-US" dirty="0"/>
+          </a:p>
+        </p:txBody>
+      </p:sp>
+      <p:sp>
+        <p:nvSpPr>
+          <p:cNvPr id="4" name="Date Placeholder 3"/>
           <p:cNvSpPr>
             <a:spLocks noGrp="1"/>
           </p:cNvSpPr>
@@ -470,7 +3053,7 @@
           <a:p>
             <a:fld id="{DF2C5CE9-FC82-43C4-AB67-94CB854A9CC6}" type="datetimeFigureOut">
               <a:rPr lang="en-IN" smtClean="0"/>
-              <a:t>24-01-2024</a:t>
+              <a:t>25-01-2024</a:t>
             </a:fld>
             <a:endParaRPr lang="en-IN"/>
           </a:p>
@@ -478,13 +3061,7 @@
       </p:sp>
       <p:sp>
         <p:nvSpPr>
-          <p:cNvPr id="5" name="Footer Placeholder 4">
-            <a:extLst>
-              <a:ext uri="{FF2B5EF4-FFF2-40B4-BE49-F238E27FC236}">
-                <a16:creationId xmlns:a16="http://schemas.microsoft.com/office/drawing/2014/main" id="{9DBEBC16-14E1-47FD-B2CE-76D57E48A9BD}"/>
-              </a:ext>
-            </a:extLst>
-          </p:cNvPr>
+          <p:cNvPr id="5" name="Footer Placeholder 4"/>
           <p:cNvSpPr>
             <a:spLocks noGrp="1"/>
           </p:cNvSpPr>
@@ -503,13 +3080,7 @@
       </p:sp>
       <p:sp>
         <p:nvSpPr>
-          <p:cNvPr id="6" name="Slide Number Placeholder 5">
-            <a:extLst>
-              <a:ext uri="{FF2B5EF4-FFF2-40B4-BE49-F238E27FC236}">
-                <a16:creationId xmlns:a16="http://schemas.microsoft.com/office/drawing/2014/main" id="{BBCD28EB-4A8D-4807-B355-DB4156748303}"/>
-              </a:ext>
-            </a:extLst>
-          </p:cNvPr>
+          <p:cNvPr id="6" name="Slide Number Placeholder 5"/>
           <p:cNvSpPr>
             <a:spLocks noGrp="1"/>
           </p:cNvSpPr>
@@ -533,7 +3104,7 @@
     </p:spTree>
     <p:extLst>
       <p:ext uri="{BB962C8B-B14F-4D97-AF65-F5344CB8AC3E}">
-        <p14:creationId xmlns:p14="http://schemas.microsoft.com/office/powerpoint/2010/main" val="2145095436"/>
+        <p14:creationId xmlns:p14="http://schemas.microsoft.com/office/powerpoint/2010/main" val="3631060153"/>
       </p:ext>
     </p:extLst>
   </p:cSld>
@@ -543,7 +3114,7 @@
 </p:sldLayout>
 </file>
 
-<file path=ppt/slideLayouts/slideLayout11.xml><?xml version="1.0" encoding="utf-8"?>
+<file path=ppt/slideLayouts/slideLayout17.xml><?xml version="1.0" encoding="utf-8"?>
 <p:sldLayout xmlns:a="http://schemas.openxmlformats.org/drawingml/2006/main" xmlns:r="http://schemas.openxmlformats.org/officeDocument/2006/relationships" xmlns:p="http://schemas.openxmlformats.org/presentationml/2006/main" type="vertTitleAndTx" preserve="1">
   <p:cSld name="Vertical Title and Text">
     <p:spTree>
@@ -562,13 +3133,7 @@
       </p:grpSpPr>
       <p:sp>
         <p:nvSpPr>
-          <p:cNvPr id="2" name="Vertical Title 1">
-            <a:extLst>
-              <a:ext uri="{FF2B5EF4-FFF2-40B4-BE49-F238E27FC236}">
-                <a16:creationId xmlns:a16="http://schemas.microsoft.com/office/drawing/2014/main" id="{4F7AF81B-394B-45D8-9C57-FD3837CC85F7}"/>
-              </a:ext>
-            </a:extLst>
-          </p:cNvPr>
+          <p:cNvPr id="2" name="Vertical Title 1"/>
           <p:cNvSpPr>
             <a:spLocks noGrp="1"/>
           </p:cNvSpPr>
@@ -578,31 +3143,29 @@
         </p:nvSpPr>
         <p:spPr>
           <a:xfrm>
-            <a:off x="8724900" y="365125"/>
-            <a:ext cx="2628900" cy="5811838"/>
+            <a:off x="8983068" y="609599"/>
+            <a:ext cx="2284487" cy="5181601"/>
           </a:xfrm>
         </p:spPr>
         <p:txBody>
           <a:bodyPr vert="eaVert"/>
-          <a:lstStyle/>
+          <a:lstStyle>
+            <a:lvl1pPr algn="l">
+              <a:defRPr/>
+            </a:lvl1pPr>
+          </a:lstStyle>
           <a:p>
             <a:r>
               <a:rPr lang="en-US"/>
               <a:t>Click to edit Master title style</a:t>
             </a:r>
-            <a:endParaRPr lang="en-IN"/>
-          </a:p>
-        </p:txBody>
-      </p:sp>
-      <p:sp>
-        <p:nvSpPr>
-          <p:cNvPr id="3" name="Vertical Text Placeholder 2">
-            <a:extLst>
-              <a:ext uri="{FF2B5EF4-FFF2-40B4-BE49-F238E27FC236}">
-                <a16:creationId xmlns:a16="http://schemas.microsoft.com/office/drawing/2014/main" id="{B3609246-6A01-4E00-8874-B1DA012DF190}"/>
-              </a:ext>
-            </a:extLst>
-          </p:cNvPr>
+            <a:endParaRPr lang="en-US" dirty="0"/>
+          </a:p>
+        </p:txBody>
+      </p:sp>
+      <p:sp>
+        <p:nvSpPr>
+          <p:cNvPr id="3" name="Vertical Text Placeholder 2"/>
           <p:cNvSpPr>
             <a:spLocks noGrp="1"/>
           </p:cNvSpPr>
@@ -612,12 +3175,12 @@
         </p:nvSpPr>
         <p:spPr>
           <a:xfrm>
-            <a:off x="838200" y="365125"/>
-            <a:ext cx="7734300" cy="5811838"/>
+            <a:off x="913796" y="609599"/>
+            <a:ext cx="7916872" cy="5181601"/>
           </a:xfrm>
         </p:spPr>
         <p:txBody>
-          <a:bodyPr vert="eaVert"/>
+          <a:bodyPr vert="eaVert" anchor="t"/>
           <a:lstStyle/>
           <a:p>
             <a:pPr lvl="0"/>
@@ -653,19 +3216,13 @@
               <a:rPr lang="en-US"/>
               <a:t>Fifth level</a:t>
             </a:r>
-            <a:endParaRPr lang="en-IN"/>
-          </a:p>
-        </p:txBody>
-      </p:sp>
-      <p:sp>
-        <p:nvSpPr>
-          <p:cNvPr id="4" name="Date Placeholder 3">
-            <a:extLst>
-              <a:ext uri="{FF2B5EF4-FFF2-40B4-BE49-F238E27FC236}">
-                <a16:creationId xmlns:a16="http://schemas.microsoft.com/office/drawing/2014/main" id="{11390940-3BD9-4870-A678-D1F425905DD8}"/>
-              </a:ext>
-            </a:extLst>
-          </p:cNvPr>
+            <a:endParaRPr lang="en-US" dirty="0"/>
+          </a:p>
+        </p:txBody>
+      </p:sp>
+      <p:sp>
+        <p:nvSpPr>
+          <p:cNvPr id="4" name="Date Placeholder 3"/>
           <p:cNvSpPr>
             <a:spLocks noGrp="1"/>
           </p:cNvSpPr>
@@ -680,7 +3237,7 @@
           <a:p>
             <a:fld id="{DF2C5CE9-FC82-43C4-AB67-94CB854A9CC6}" type="datetimeFigureOut">
               <a:rPr lang="en-IN" smtClean="0"/>
-              <a:t>24-01-2024</a:t>
+              <a:t>25-01-2024</a:t>
             </a:fld>
             <a:endParaRPr lang="en-IN"/>
           </a:p>
@@ -688,13 +3245,7 @@
       </p:sp>
       <p:sp>
         <p:nvSpPr>
-          <p:cNvPr id="5" name="Footer Placeholder 4">
-            <a:extLst>
-              <a:ext uri="{FF2B5EF4-FFF2-40B4-BE49-F238E27FC236}">
-                <a16:creationId xmlns:a16="http://schemas.microsoft.com/office/drawing/2014/main" id="{5A85939F-C2BB-48C5-AE28-A9AC001D25A3}"/>
-              </a:ext>
-            </a:extLst>
-          </p:cNvPr>
+          <p:cNvPr id="5" name="Footer Placeholder 4"/>
           <p:cNvSpPr>
             <a:spLocks noGrp="1"/>
           </p:cNvSpPr>
@@ -713,13 +3264,7 @@
       </p:sp>
       <p:sp>
         <p:nvSpPr>
-          <p:cNvPr id="6" name="Slide Number Placeholder 5">
-            <a:extLst>
-              <a:ext uri="{FF2B5EF4-FFF2-40B4-BE49-F238E27FC236}">
-                <a16:creationId xmlns:a16="http://schemas.microsoft.com/office/drawing/2014/main" id="{7FF453B4-A957-4333-B1EF-D81CA8BC488C}"/>
-              </a:ext>
-            </a:extLst>
-          </p:cNvPr>
+          <p:cNvPr id="6" name="Slide Number Placeholder 5"/>
           <p:cNvSpPr>
             <a:spLocks noGrp="1"/>
           </p:cNvSpPr>
@@ -743,7 +3288,7 @@
     </p:spTree>
     <p:extLst>
       <p:ext uri="{BB962C8B-B14F-4D97-AF65-F5344CB8AC3E}">
-        <p14:creationId xmlns:p14="http://schemas.microsoft.com/office/powerpoint/2010/main" val="163372014"/>
+        <p14:creationId xmlns:p14="http://schemas.microsoft.com/office/powerpoint/2010/main" val="608799009"/>
       </p:ext>
     </p:extLst>
   </p:cSld>
@@ -772,13 +3317,7 @@
       </p:grpSpPr>
       <p:sp>
         <p:nvSpPr>
-          <p:cNvPr id="2" name="Title 1">
-            <a:extLst>
-              <a:ext uri="{FF2B5EF4-FFF2-40B4-BE49-F238E27FC236}">
-                <a16:creationId xmlns:a16="http://schemas.microsoft.com/office/drawing/2014/main" id="{35B6A809-8BDC-4705-9D98-E03672FEE5B8}"/>
-              </a:ext>
-            </a:extLst>
-          </p:cNvPr>
+          <p:cNvPr id="2" name="Title 1"/>
           <p:cNvSpPr>
             <a:spLocks noGrp="1"/>
           </p:cNvSpPr>
@@ -795,19 +3334,13 @@
               <a:rPr lang="en-US"/>
               <a:t>Click to edit Master title style</a:t>
             </a:r>
-            <a:endParaRPr lang="en-IN"/>
-          </a:p>
-        </p:txBody>
-      </p:sp>
-      <p:sp>
-        <p:nvSpPr>
-          <p:cNvPr id="3" name="Content Placeholder 2">
-            <a:extLst>
-              <a:ext uri="{FF2B5EF4-FFF2-40B4-BE49-F238E27FC236}">
-                <a16:creationId xmlns:a16="http://schemas.microsoft.com/office/drawing/2014/main" id="{CB9E21CD-28D4-430A-8A2E-98E1177E5BB4}"/>
-              </a:ext>
-            </a:extLst>
-          </p:cNvPr>
+            <a:endParaRPr lang="en-US" dirty="0"/>
+          </a:p>
+        </p:txBody>
+      </p:sp>
+      <p:sp>
+        <p:nvSpPr>
+          <p:cNvPr id="3" name="Content Placeholder 2"/>
           <p:cNvSpPr>
             <a:spLocks noGrp="1"/>
           </p:cNvSpPr>
@@ -853,19 +3386,13 @@
               <a:rPr lang="en-US"/>
               <a:t>Fifth level</a:t>
             </a:r>
-            <a:endParaRPr lang="en-IN"/>
-          </a:p>
-        </p:txBody>
-      </p:sp>
-      <p:sp>
-        <p:nvSpPr>
-          <p:cNvPr id="4" name="Date Placeholder 3">
-            <a:extLst>
-              <a:ext uri="{FF2B5EF4-FFF2-40B4-BE49-F238E27FC236}">
-                <a16:creationId xmlns:a16="http://schemas.microsoft.com/office/drawing/2014/main" id="{45D8014A-DCD1-40C8-A732-E7C7692B9CF7}"/>
-              </a:ext>
-            </a:extLst>
-          </p:cNvPr>
+            <a:endParaRPr lang="en-US" dirty="0"/>
+          </a:p>
+        </p:txBody>
+      </p:sp>
+      <p:sp>
+        <p:nvSpPr>
+          <p:cNvPr id="4" name="Date Placeholder 3"/>
           <p:cNvSpPr>
             <a:spLocks noGrp="1"/>
           </p:cNvSpPr>
@@ -880,7 +3407,7 @@
           <a:p>
             <a:fld id="{DF2C5CE9-FC82-43C4-AB67-94CB854A9CC6}" type="datetimeFigureOut">
               <a:rPr lang="en-IN" smtClean="0"/>
-              <a:t>24-01-2024</a:t>
+              <a:t>25-01-2024</a:t>
             </a:fld>
             <a:endParaRPr lang="en-IN"/>
           </a:p>
@@ -888,13 +3415,7 @@
       </p:sp>
       <p:sp>
         <p:nvSpPr>
-          <p:cNvPr id="5" name="Footer Placeholder 4">
-            <a:extLst>
-              <a:ext uri="{FF2B5EF4-FFF2-40B4-BE49-F238E27FC236}">
-                <a16:creationId xmlns:a16="http://schemas.microsoft.com/office/drawing/2014/main" id="{682D3006-689F-449D-ABCC-92FB361AACBD}"/>
-              </a:ext>
-            </a:extLst>
-          </p:cNvPr>
+          <p:cNvPr id="5" name="Footer Placeholder 4"/>
           <p:cNvSpPr>
             <a:spLocks noGrp="1"/>
           </p:cNvSpPr>
@@ -913,13 +3434,7 @@
       </p:sp>
       <p:sp>
         <p:nvSpPr>
-          <p:cNvPr id="6" name="Slide Number Placeholder 5">
-            <a:extLst>
-              <a:ext uri="{FF2B5EF4-FFF2-40B4-BE49-F238E27FC236}">
-                <a16:creationId xmlns:a16="http://schemas.microsoft.com/office/drawing/2014/main" id="{44E67BED-EAE6-4A20-A5C3-DD4F33D59AFD}"/>
-              </a:ext>
-            </a:extLst>
-          </p:cNvPr>
+          <p:cNvPr id="6" name="Slide Number Placeholder 5"/>
           <p:cNvSpPr>
             <a:spLocks noGrp="1"/>
           </p:cNvSpPr>
@@ -943,7 +3458,7 @@
     </p:spTree>
     <p:extLst>
       <p:ext uri="{BB962C8B-B14F-4D97-AF65-F5344CB8AC3E}">
-        <p14:creationId xmlns:p14="http://schemas.microsoft.com/office/powerpoint/2010/main" val="3980182323"/>
+        <p14:creationId xmlns:p14="http://schemas.microsoft.com/office/powerpoint/2010/main" val="995760242"/>
       </p:ext>
     </p:extLst>
   </p:cSld>
@@ -972,13 +3487,7 @@
       </p:grpSpPr>
       <p:sp>
         <p:nvSpPr>
-          <p:cNvPr id="2" name="Title 1">
-            <a:extLst>
-              <a:ext uri="{FF2B5EF4-FFF2-40B4-BE49-F238E27FC236}">
-                <a16:creationId xmlns:a16="http://schemas.microsoft.com/office/drawing/2014/main" id="{2886F0F2-FB1D-460F-920F-3900F7DF9CB2}"/>
-              </a:ext>
-            </a:extLst>
-          </p:cNvPr>
+          <p:cNvPr id="2" name="Title 1"/>
           <p:cNvSpPr>
             <a:spLocks noGrp="1"/>
           </p:cNvSpPr>
@@ -988,15 +3497,15 @@
         </p:nvSpPr>
         <p:spPr>
           <a:xfrm>
-            <a:off x="831850" y="1709738"/>
-            <a:ext cx="10515600" cy="2852737"/>
+            <a:off x="1295401" y="1761067"/>
+            <a:ext cx="9590550" cy="1828813"/>
           </a:xfrm>
         </p:spPr>
         <p:txBody>
           <a:bodyPr anchor="b"/>
           <a:lstStyle>
-            <a:lvl1pPr>
-              <a:defRPr sz="6000"/>
+            <a:lvl1pPr algn="ctr">
+              <a:defRPr sz="4000" b="0" cap="none"/>
             </a:lvl1pPr>
           </a:lstStyle>
           <a:p>
@@ -1004,19 +3513,13 @@
               <a:rPr lang="en-US"/>
               <a:t>Click to edit Master title style</a:t>
             </a:r>
-            <a:endParaRPr lang="en-IN"/>
-          </a:p>
-        </p:txBody>
-      </p:sp>
-      <p:sp>
-        <p:nvSpPr>
-          <p:cNvPr id="3" name="Text Placeholder 2">
-            <a:extLst>
-              <a:ext uri="{FF2B5EF4-FFF2-40B4-BE49-F238E27FC236}">
-                <a16:creationId xmlns:a16="http://schemas.microsoft.com/office/drawing/2014/main" id="{C1566851-F082-4E31-9BA2-91155F513A29}"/>
-              </a:ext>
-            </a:extLst>
-          </p:cNvPr>
+            <a:endParaRPr lang="en-US" dirty="0"/>
+          </a:p>
+        </p:txBody>
+      </p:sp>
+      <p:sp>
+        <p:nvSpPr>
+          <p:cNvPr id="3" name="Text Placeholder 2"/>
           <p:cNvSpPr>
             <a:spLocks noGrp="1"/>
           </p:cNvSpPr>
@@ -1026,26 +3529,24 @@
         </p:nvSpPr>
         <p:spPr>
           <a:xfrm>
-            <a:off x="831850" y="4589463"/>
-            <a:ext cx="10515600" cy="1500187"/>
+            <a:off x="1295401" y="3589879"/>
+            <a:ext cx="9590550" cy="1507054"/>
           </a:xfrm>
         </p:spPr>
         <p:txBody>
-          <a:bodyPr/>
+          <a:bodyPr anchor="t"/>
           <a:lstStyle>
-            <a:lvl1pPr marL="0" indent="0">
-              <a:buNone/>
-              <a:defRPr sz="2400">
+            <a:lvl1pPr marL="0" indent="0" algn="ctr">
+              <a:buNone/>
+              <a:defRPr sz="2000">
                 <a:solidFill>
-                  <a:schemeClr val="tx1">
-                    <a:tint val="75000"/>
-                  </a:schemeClr>
+                  <a:schemeClr val="tx1"/>
                 </a:solidFill>
               </a:defRPr>
             </a:lvl1pPr>
             <a:lvl2pPr marL="457200" indent="0">
               <a:buNone/>
-              <a:defRPr sz="2000">
+              <a:defRPr sz="1800">
                 <a:solidFill>
                   <a:schemeClr val="tx1">
                     <a:tint val="75000"/>
@@ -1055,7 +3556,7 @@
             </a:lvl2pPr>
             <a:lvl3pPr marL="914400" indent="0">
               <a:buNone/>
-              <a:defRPr sz="1800">
+              <a:defRPr sz="1600">
                 <a:solidFill>
                   <a:schemeClr val="tx1">
                     <a:tint val="75000"/>
@@ -1065,7 +3566,7 @@
             </a:lvl3pPr>
             <a:lvl4pPr marL="1371600" indent="0">
               <a:buNone/>
-              <a:defRPr sz="1600">
+              <a:defRPr sz="1400">
                 <a:solidFill>
                   <a:schemeClr val="tx1">
                     <a:tint val="75000"/>
@@ -1075,7 +3576,7 @@
             </a:lvl4pPr>
             <a:lvl5pPr marL="1828800" indent="0">
               <a:buNone/>
-              <a:defRPr sz="1600">
+              <a:defRPr sz="1400">
                 <a:solidFill>
                   <a:schemeClr val="tx1">
                     <a:tint val="75000"/>
@@ -1085,7 +3586,7 @@
             </a:lvl5pPr>
             <a:lvl6pPr marL="2286000" indent="0">
               <a:buNone/>
-              <a:defRPr sz="1600">
+              <a:defRPr sz="1400">
                 <a:solidFill>
                   <a:schemeClr val="tx1">
                     <a:tint val="75000"/>
@@ -1095,7 +3596,7 @@
             </a:lvl6pPr>
             <a:lvl7pPr marL="2743200" indent="0">
               <a:buNone/>
-              <a:defRPr sz="1600">
+              <a:defRPr sz="1400">
                 <a:solidFill>
                   <a:schemeClr val="tx1">
                     <a:tint val="75000"/>
@@ -1105,7 +3606,7 @@
             </a:lvl7pPr>
             <a:lvl8pPr marL="3200400" indent="0">
               <a:buNone/>
-              <a:defRPr sz="1600">
+              <a:defRPr sz="1400">
                 <a:solidFill>
                   <a:schemeClr val="tx1">
                     <a:tint val="75000"/>
@@ -1115,7 +3616,7 @@
             </a:lvl8pPr>
             <a:lvl9pPr marL="3657600" indent="0">
               <a:buNone/>
-              <a:defRPr sz="1600">
+              <a:defRPr sz="1400">
                 <a:solidFill>
                   <a:schemeClr val="tx1">
                     <a:tint val="75000"/>
@@ -1135,13 +3636,7 @@
       </p:sp>
       <p:sp>
         <p:nvSpPr>
-          <p:cNvPr id="4" name="Date Placeholder 3">
-            <a:extLst>
-              <a:ext uri="{FF2B5EF4-FFF2-40B4-BE49-F238E27FC236}">
-                <a16:creationId xmlns:a16="http://schemas.microsoft.com/office/drawing/2014/main" id="{8345B436-F79A-4D67-A6C4-818C66095A1F}"/>
-              </a:ext>
-            </a:extLst>
-          </p:cNvPr>
+          <p:cNvPr id="4" name="Date Placeholder 3"/>
           <p:cNvSpPr>
             <a:spLocks noGrp="1"/>
           </p:cNvSpPr>
@@ -1156,7 +3651,7 @@
           <a:p>
             <a:fld id="{DF2C5CE9-FC82-43C4-AB67-94CB854A9CC6}" type="datetimeFigureOut">
               <a:rPr lang="en-IN" smtClean="0"/>
-              <a:t>24-01-2024</a:t>
+              <a:t>25-01-2024</a:t>
             </a:fld>
             <a:endParaRPr lang="en-IN"/>
           </a:p>
@@ -1164,13 +3659,7 @@
       </p:sp>
       <p:sp>
         <p:nvSpPr>
-          <p:cNvPr id="5" name="Footer Placeholder 4">
-            <a:extLst>
-              <a:ext uri="{FF2B5EF4-FFF2-40B4-BE49-F238E27FC236}">
-                <a16:creationId xmlns:a16="http://schemas.microsoft.com/office/drawing/2014/main" id="{A1399101-9B16-486D-B257-B120EC89324C}"/>
-              </a:ext>
-            </a:extLst>
-          </p:cNvPr>
+          <p:cNvPr id="5" name="Footer Placeholder 4"/>
           <p:cNvSpPr>
             <a:spLocks noGrp="1"/>
           </p:cNvSpPr>
@@ -1189,13 +3678,7 @@
       </p:sp>
       <p:sp>
         <p:nvSpPr>
-          <p:cNvPr id="6" name="Slide Number Placeholder 5">
-            <a:extLst>
-              <a:ext uri="{FF2B5EF4-FFF2-40B4-BE49-F238E27FC236}">
-                <a16:creationId xmlns:a16="http://schemas.microsoft.com/office/drawing/2014/main" id="{3166E1AE-EB47-429E-B7D1-67C444B8F15D}"/>
-              </a:ext>
-            </a:extLst>
-          </p:cNvPr>
+          <p:cNvPr id="6" name="Slide Number Placeholder 5"/>
           <p:cNvSpPr>
             <a:spLocks noGrp="1"/>
           </p:cNvSpPr>
@@ -1219,7 +3702,7 @@
     </p:spTree>
     <p:extLst>
       <p:ext uri="{BB962C8B-B14F-4D97-AF65-F5344CB8AC3E}">
-        <p14:creationId xmlns:p14="http://schemas.microsoft.com/office/powerpoint/2010/main" val="3337797734"/>
+        <p14:creationId xmlns:p14="http://schemas.microsoft.com/office/powerpoint/2010/main" val="1804800213"/>
       </p:ext>
     </p:extLst>
   </p:cSld>
@@ -1248,13 +3731,7 @@
       </p:grpSpPr>
       <p:sp>
         <p:nvSpPr>
-          <p:cNvPr id="2" name="Title 1">
-            <a:extLst>
-              <a:ext uri="{FF2B5EF4-FFF2-40B4-BE49-F238E27FC236}">
-                <a16:creationId xmlns:a16="http://schemas.microsoft.com/office/drawing/2014/main" id="{B81041CA-1AD0-47E4-B5E9-4233264AC122}"/>
-              </a:ext>
-            </a:extLst>
-          </p:cNvPr>
+          <p:cNvPr id="2" name="Title 1"/>
           <p:cNvSpPr>
             <a:spLocks noGrp="1"/>
           </p:cNvSpPr>
@@ -1271,19 +3748,13 @@
               <a:rPr lang="en-US"/>
               <a:t>Click to edit Master title style</a:t>
             </a:r>
-            <a:endParaRPr lang="en-IN"/>
-          </a:p>
-        </p:txBody>
-      </p:sp>
-      <p:sp>
-        <p:nvSpPr>
-          <p:cNvPr id="3" name="Content Placeholder 2">
-            <a:extLst>
-              <a:ext uri="{FF2B5EF4-FFF2-40B4-BE49-F238E27FC236}">
-                <a16:creationId xmlns:a16="http://schemas.microsoft.com/office/drawing/2014/main" id="{F66EC006-4B3C-4F82-8514-108B9EBAB9D8}"/>
-              </a:ext>
-            </a:extLst>
-          </p:cNvPr>
+            <a:endParaRPr lang="en-US" dirty="0"/>
+          </a:p>
+        </p:txBody>
+      </p:sp>
+      <p:sp>
+        <p:nvSpPr>
+          <p:cNvPr id="3" name="Content Placeholder 2"/>
           <p:cNvSpPr>
             <a:spLocks noGrp="1"/>
           </p:cNvSpPr>
@@ -1293,177 +3764,157 @@
         </p:nvSpPr>
         <p:spPr>
           <a:xfrm>
-            <a:off x="838200" y="1825625"/>
-            <a:ext cx="5181600" cy="4351338"/>
+            <a:off x="913795" y="1732449"/>
+            <a:ext cx="5060497" cy="4058750"/>
           </a:xfrm>
         </p:spPr>
         <p:txBody>
+          <a:bodyPr anchor="t">
+            <a:normAutofit/>
+          </a:bodyPr>
+          <a:lstStyle/>
+          <a:p>
+            <a:pPr lvl="0"/>
+            <a:r>
+              <a:rPr lang="en-US"/>
+              <a:t>Click to edit Master text styles</a:t>
+            </a:r>
+          </a:p>
+          <a:p>
+            <a:pPr lvl="1"/>
+            <a:r>
+              <a:rPr lang="en-US"/>
+              <a:t>Second level</a:t>
+            </a:r>
+          </a:p>
+          <a:p>
+            <a:pPr lvl="2"/>
+            <a:r>
+              <a:rPr lang="en-US"/>
+              <a:t>Third level</a:t>
+            </a:r>
+          </a:p>
+          <a:p>
+            <a:pPr lvl="3"/>
+            <a:r>
+              <a:rPr lang="en-US"/>
+              <a:t>Fourth level</a:t>
+            </a:r>
+          </a:p>
+          <a:p>
+            <a:pPr lvl="4"/>
+            <a:r>
+              <a:rPr lang="en-US"/>
+              <a:t>Fifth level</a:t>
+            </a:r>
+            <a:endParaRPr lang="en-US" dirty="0"/>
+          </a:p>
+        </p:txBody>
+      </p:sp>
+      <p:sp>
+        <p:nvSpPr>
+          <p:cNvPr id="4" name="Content Placeholder 3"/>
+          <p:cNvSpPr>
+            <a:spLocks noGrp="1"/>
+          </p:cNvSpPr>
+          <p:nvPr>
+            <p:ph sz="half" idx="2"/>
+          </p:nvPr>
+        </p:nvSpPr>
+        <p:spPr>
+          <a:xfrm>
+            <a:off x="6202892" y="1732449"/>
+            <a:ext cx="5064665" cy="4058751"/>
+          </a:xfrm>
+        </p:spPr>
+        <p:txBody>
+          <a:bodyPr anchor="t">
+            <a:normAutofit/>
+          </a:bodyPr>
+          <a:lstStyle/>
+          <a:p>
+            <a:pPr lvl="0"/>
+            <a:r>
+              <a:rPr lang="en-US"/>
+              <a:t>Click to edit Master text styles</a:t>
+            </a:r>
+          </a:p>
+          <a:p>
+            <a:pPr lvl="1"/>
+            <a:r>
+              <a:rPr lang="en-US"/>
+              <a:t>Second level</a:t>
+            </a:r>
+          </a:p>
+          <a:p>
+            <a:pPr lvl="2"/>
+            <a:r>
+              <a:rPr lang="en-US"/>
+              <a:t>Third level</a:t>
+            </a:r>
+          </a:p>
+          <a:p>
+            <a:pPr lvl="3"/>
+            <a:r>
+              <a:rPr lang="en-US"/>
+              <a:t>Fourth level</a:t>
+            </a:r>
+          </a:p>
+          <a:p>
+            <a:pPr lvl="4"/>
+            <a:r>
+              <a:rPr lang="en-US"/>
+              <a:t>Fifth level</a:t>
+            </a:r>
+            <a:endParaRPr lang="en-US" dirty="0"/>
+          </a:p>
+        </p:txBody>
+      </p:sp>
+      <p:sp>
+        <p:nvSpPr>
+          <p:cNvPr id="5" name="Date Placeholder 4"/>
+          <p:cNvSpPr>
+            <a:spLocks noGrp="1"/>
+          </p:cNvSpPr>
+          <p:nvPr>
+            <p:ph type="dt" sz="half" idx="10"/>
+          </p:nvPr>
+        </p:nvSpPr>
+        <p:spPr/>
+        <p:txBody>
           <a:bodyPr/>
           <a:lstStyle/>
           <a:p>
-            <a:pPr lvl="0"/>
-            <a:r>
-              <a:rPr lang="en-US"/>
-              <a:t>Click to edit Master text styles</a:t>
-            </a:r>
-          </a:p>
-          <a:p>
-            <a:pPr lvl="1"/>
-            <a:r>
-              <a:rPr lang="en-US"/>
-              <a:t>Second level</a:t>
-            </a:r>
-          </a:p>
-          <a:p>
-            <a:pPr lvl="2"/>
-            <a:r>
-              <a:rPr lang="en-US"/>
-              <a:t>Third level</a:t>
-            </a:r>
-          </a:p>
-          <a:p>
-            <a:pPr lvl="3"/>
-            <a:r>
-              <a:rPr lang="en-US"/>
-              <a:t>Fourth level</a:t>
-            </a:r>
-          </a:p>
-          <a:p>
-            <a:pPr lvl="4"/>
-            <a:r>
-              <a:rPr lang="en-US"/>
-              <a:t>Fifth level</a:t>
-            </a:r>
+            <a:fld id="{DF2C5CE9-FC82-43C4-AB67-94CB854A9CC6}" type="datetimeFigureOut">
+              <a:rPr lang="en-IN" smtClean="0"/>
+              <a:t>25-01-2024</a:t>
+            </a:fld>
             <a:endParaRPr lang="en-IN"/>
           </a:p>
         </p:txBody>
       </p:sp>
       <p:sp>
         <p:nvSpPr>
-          <p:cNvPr id="4" name="Content Placeholder 3">
-            <a:extLst>
-              <a:ext uri="{FF2B5EF4-FFF2-40B4-BE49-F238E27FC236}">
-                <a16:creationId xmlns:a16="http://schemas.microsoft.com/office/drawing/2014/main" id="{F4A9BE88-EEDB-40A0-BE99-DEE501C9C5E1}"/>
-              </a:ext>
-            </a:extLst>
-          </p:cNvPr>
-          <p:cNvSpPr>
-            <a:spLocks noGrp="1"/>
-          </p:cNvSpPr>
-          <p:nvPr>
-            <p:ph sz="half" idx="2"/>
-          </p:nvPr>
-        </p:nvSpPr>
-        <p:spPr>
-          <a:xfrm>
-            <a:off x="6172200" y="1825625"/>
-            <a:ext cx="5181600" cy="4351338"/>
-          </a:xfrm>
-        </p:spPr>
+          <p:cNvPr id="6" name="Footer Placeholder 5"/>
+          <p:cNvSpPr>
+            <a:spLocks noGrp="1"/>
+          </p:cNvSpPr>
+          <p:nvPr>
+            <p:ph type="ftr" sz="quarter" idx="11"/>
+          </p:nvPr>
+        </p:nvSpPr>
+        <p:spPr/>
         <p:txBody>
           <a:bodyPr/>
           <a:lstStyle/>
           <a:p>
-            <a:pPr lvl="0"/>
-            <a:r>
-              <a:rPr lang="en-US"/>
-              <a:t>Click to edit Master text styles</a:t>
-            </a:r>
-          </a:p>
-          <a:p>
-            <a:pPr lvl="1"/>
-            <a:r>
-              <a:rPr lang="en-US"/>
-              <a:t>Second level</a:t>
-            </a:r>
-          </a:p>
-          <a:p>
-            <a:pPr lvl="2"/>
-            <a:r>
-              <a:rPr lang="en-US"/>
-              <a:t>Third level</a:t>
-            </a:r>
-          </a:p>
-          <a:p>
-            <a:pPr lvl="3"/>
-            <a:r>
-              <a:rPr lang="en-US"/>
-              <a:t>Fourth level</a:t>
-            </a:r>
-          </a:p>
-          <a:p>
-            <a:pPr lvl="4"/>
-            <a:r>
-              <a:rPr lang="en-US"/>
-              <a:t>Fifth level</a:t>
-            </a:r>
             <a:endParaRPr lang="en-IN"/>
           </a:p>
         </p:txBody>
       </p:sp>
       <p:sp>
         <p:nvSpPr>
-          <p:cNvPr id="5" name="Date Placeholder 4">
-            <a:extLst>
-              <a:ext uri="{FF2B5EF4-FFF2-40B4-BE49-F238E27FC236}">
-                <a16:creationId xmlns:a16="http://schemas.microsoft.com/office/drawing/2014/main" id="{5177E165-1C4D-4CF3-ABA3-CCEA38EEAFCA}"/>
-              </a:ext>
-            </a:extLst>
-          </p:cNvPr>
-          <p:cNvSpPr>
-            <a:spLocks noGrp="1"/>
-          </p:cNvSpPr>
-          <p:nvPr>
-            <p:ph type="dt" sz="half" idx="10"/>
-          </p:nvPr>
-        </p:nvSpPr>
-        <p:spPr/>
-        <p:txBody>
-          <a:bodyPr/>
-          <a:lstStyle/>
-          <a:p>
-            <a:fld id="{DF2C5CE9-FC82-43C4-AB67-94CB854A9CC6}" type="datetimeFigureOut">
-              <a:rPr lang="en-IN" smtClean="0"/>
-              <a:t>24-01-2024</a:t>
-            </a:fld>
-            <a:endParaRPr lang="en-IN"/>
-          </a:p>
-        </p:txBody>
-      </p:sp>
-      <p:sp>
-        <p:nvSpPr>
-          <p:cNvPr id="6" name="Footer Placeholder 5">
-            <a:extLst>
-              <a:ext uri="{FF2B5EF4-FFF2-40B4-BE49-F238E27FC236}">
-                <a16:creationId xmlns:a16="http://schemas.microsoft.com/office/drawing/2014/main" id="{13B7A768-12BC-4953-A24A-7C39089E222C}"/>
-              </a:ext>
-            </a:extLst>
-          </p:cNvPr>
-          <p:cNvSpPr>
-            <a:spLocks noGrp="1"/>
-          </p:cNvSpPr>
-          <p:nvPr>
-            <p:ph type="ftr" sz="quarter" idx="11"/>
-          </p:nvPr>
-        </p:nvSpPr>
-        <p:spPr/>
-        <p:txBody>
-          <a:bodyPr/>
-          <a:lstStyle/>
-          <a:p>
-            <a:endParaRPr lang="en-IN"/>
-          </a:p>
-        </p:txBody>
-      </p:sp>
-      <p:sp>
-        <p:nvSpPr>
-          <p:cNvPr id="7" name="Slide Number Placeholder 6">
-            <a:extLst>
-              <a:ext uri="{FF2B5EF4-FFF2-40B4-BE49-F238E27FC236}">
-                <a16:creationId xmlns:a16="http://schemas.microsoft.com/office/drawing/2014/main" id="{E8C4B168-D7DF-4CFC-B826-1E4610123A17}"/>
-              </a:ext>
-            </a:extLst>
-          </p:cNvPr>
+          <p:cNvPr id="7" name="Slide Number Placeholder 6"/>
           <p:cNvSpPr>
             <a:spLocks noGrp="1"/>
           </p:cNvSpPr>
@@ -1487,7 +3938,7 @@
     </p:spTree>
     <p:extLst>
       <p:ext uri="{BB962C8B-B14F-4D97-AF65-F5344CB8AC3E}">
-        <p14:creationId xmlns:p14="http://schemas.microsoft.com/office/powerpoint/2010/main" val="1895492"/>
+        <p14:creationId xmlns:p14="http://schemas.microsoft.com/office/powerpoint/2010/main" val="1365982936"/>
       </p:ext>
     </p:extLst>
   </p:cSld>
@@ -1514,68 +3965,117 @@
           <a:chExt cx="0" cy="0"/>
         </a:xfrm>
       </p:grpSpPr>
-      <p:sp>
-        <p:nvSpPr>
-          <p:cNvPr id="2" name="Title 1">
+      <p:pic>
+        <p:nvPicPr>
+          <p:cNvPr id="20" name="Picture 19" descr="Slate-V2-HD-compPhotoInset.png"/>
+          <p:cNvPicPr>
+            <a:picLocks noChangeAspect="1"/>
+          </p:cNvPicPr>
+          <p:nvPr/>
+        </p:nvPicPr>
+        <p:blipFill>
+          <a:blip r:embed="rId2">
             <a:extLst>
-              <a:ext uri="{FF2B5EF4-FFF2-40B4-BE49-F238E27FC236}">
-                <a16:creationId xmlns:a16="http://schemas.microsoft.com/office/drawing/2014/main" id="{960927A8-FA7F-4569-A2BF-069C960C1C55}"/>
+              <a:ext uri="{28A0092B-C50C-407E-A947-70E740481C1C}">
+                <a14:useLocalDpi xmlns:a14="http://schemas.microsoft.com/office/drawing/2010/main" val="0"/>
               </a:ext>
             </a:extLst>
-          </p:cNvPr>
-          <p:cNvSpPr>
-            <a:spLocks noGrp="1"/>
-          </p:cNvSpPr>
-          <p:nvPr>
-            <p:ph type="title"/>
-          </p:nvPr>
-        </p:nvSpPr>
+          </a:blip>
+          <a:stretch>
+            <a:fillRect/>
+          </a:stretch>
+        </p:blipFill>
         <p:spPr>
           <a:xfrm>
-            <a:off x="839788" y="365125"/>
-            <a:ext cx="10515600" cy="1325563"/>
+            <a:off x="913795" y="1734506"/>
+            <a:ext cx="5089072" cy="4148769"/>
+          </a:xfrm>
+          <a:prstGeom prst="rect">
+            <a:avLst/>
+          </a:prstGeom>
+        </p:spPr>
+      </p:pic>
+      <p:pic>
+        <p:nvPicPr>
+          <p:cNvPr id="21" name="Picture 20" descr="Slate-V2-HD-compPhotoInset.png"/>
+          <p:cNvPicPr>
+            <a:picLocks noChangeAspect="1"/>
+          </p:cNvPicPr>
+          <p:nvPr/>
+        </p:nvPicPr>
+        <p:blipFill>
+          <a:blip r:embed="rId2">
+            <a:extLst>
+              <a:ext uri="{28A0092B-C50C-407E-A947-70E740481C1C}">
+                <a14:useLocalDpi xmlns:a14="http://schemas.microsoft.com/office/drawing/2010/main" val="0"/>
+              </a:ext>
+            </a:extLst>
+          </a:blip>
+          <a:stretch>
+            <a:fillRect/>
+          </a:stretch>
+        </p:blipFill>
+        <p:spPr>
+          <a:xfrm>
+            <a:off x="6178485" y="1734506"/>
+            <a:ext cx="5089072" cy="4148769"/>
+          </a:xfrm>
+          <a:prstGeom prst="rect">
+            <a:avLst/>
+          </a:prstGeom>
+        </p:spPr>
+      </p:pic>
+      <p:sp>
+        <p:nvSpPr>
+          <p:cNvPr id="2" name="Title 1"/>
+          <p:cNvSpPr>
+            <a:spLocks noGrp="1"/>
+          </p:cNvSpPr>
+          <p:nvPr>
+            <p:ph type="title"/>
+          </p:nvPr>
+        </p:nvSpPr>
+        <p:spPr/>
+        <p:txBody>
+          <a:bodyPr/>
+          <a:lstStyle>
+            <a:lvl1pPr>
+              <a:defRPr/>
+            </a:lvl1pPr>
+          </a:lstStyle>
+          <a:p>
+            <a:r>
+              <a:rPr lang="en-US"/>
+              <a:t>Click to edit Master title style</a:t>
+            </a:r>
+            <a:endParaRPr lang="en-US" dirty="0"/>
+          </a:p>
+        </p:txBody>
+      </p:sp>
+      <p:sp>
+        <p:nvSpPr>
+          <p:cNvPr id="3" name="Text Placeholder 2"/>
+          <p:cNvSpPr>
+            <a:spLocks noGrp="1"/>
+          </p:cNvSpPr>
+          <p:nvPr>
+            <p:ph type="body" idx="1"/>
+          </p:nvPr>
+        </p:nvSpPr>
+        <p:spPr>
+          <a:xfrm>
+            <a:off x="1005872" y="1835254"/>
+            <a:ext cx="4876344" cy="544884"/>
           </a:xfrm>
         </p:spPr>
         <p:txBody>
-          <a:bodyPr/>
-          <a:lstStyle/>
-          <a:p>
-            <a:r>
-              <a:rPr lang="en-US"/>
-              <a:t>Click to edit Master title style</a:t>
-            </a:r>
-            <a:endParaRPr lang="en-IN"/>
-          </a:p>
-        </p:txBody>
-      </p:sp>
-      <p:sp>
-        <p:nvSpPr>
-          <p:cNvPr id="3" name="Text Placeholder 2">
-            <a:extLst>
-              <a:ext uri="{FF2B5EF4-FFF2-40B4-BE49-F238E27FC236}">
-                <a16:creationId xmlns:a16="http://schemas.microsoft.com/office/drawing/2014/main" id="{5872F154-614A-4A6F-8011-09791A0D8BD2}"/>
-              </a:ext>
-            </a:extLst>
-          </p:cNvPr>
-          <p:cNvSpPr>
-            <a:spLocks noGrp="1"/>
-          </p:cNvSpPr>
-          <p:nvPr>
-            <p:ph type="body" idx="1"/>
-          </p:nvPr>
-        </p:nvSpPr>
-        <p:spPr>
-          <a:xfrm>
-            <a:off x="839788" y="1681163"/>
-            <a:ext cx="5157787" cy="823912"/>
-          </a:xfrm>
-        </p:spPr>
-        <p:txBody>
-          <a:bodyPr anchor="b"/>
+          <a:bodyPr anchor="b">
+            <a:noAutofit/>
+          </a:bodyPr>
           <a:lstStyle>
-            <a:lvl1pPr marL="0" indent="0">
-              <a:buNone/>
-              <a:defRPr sz="2400" b="1"/>
+            <a:lvl1pPr marL="0" indent="0" algn="ctr">
+              <a:buNone/>
+              <a:defRPr sz="2400" b="0"/>
             </a:lvl1pPr>
             <a:lvl2pPr marL="457200" indent="0">
               <a:buNone/>
@@ -1621,13 +4121,7 @@
       </p:sp>
       <p:sp>
         <p:nvSpPr>
-          <p:cNvPr id="4" name="Content Placeholder 3">
-            <a:extLst>
-              <a:ext uri="{FF2B5EF4-FFF2-40B4-BE49-F238E27FC236}">
-                <a16:creationId xmlns:a16="http://schemas.microsoft.com/office/drawing/2014/main" id="{2E479A3F-1738-4547-9B65-B6B3AB2526E4}"/>
-              </a:ext>
-            </a:extLst>
-          </p:cNvPr>
+          <p:cNvPr id="4" name="Content Placeholder 3"/>
           <p:cNvSpPr>
             <a:spLocks noGrp="1"/>
           </p:cNvSpPr>
@@ -1637,13 +4131,31 @@
         </p:nvSpPr>
         <p:spPr>
           <a:xfrm>
-            <a:off x="839788" y="2505075"/>
-            <a:ext cx="5157787" cy="3684588"/>
+            <a:off x="1005872" y="2380137"/>
+            <a:ext cx="4876344" cy="3411063"/>
           </a:xfrm>
         </p:spPr>
         <p:txBody>
-          <a:bodyPr/>
-          <a:lstStyle/>
+          <a:bodyPr anchor="t">
+            <a:normAutofit/>
+          </a:bodyPr>
+          <a:lstStyle>
+            <a:lvl1pPr>
+              <a:defRPr sz="1800"/>
+            </a:lvl1pPr>
+            <a:lvl2pPr>
+              <a:defRPr sz="1600"/>
+            </a:lvl2pPr>
+            <a:lvl3pPr>
+              <a:defRPr sz="1400"/>
+            </a:lvl3pPr>
+            <a:lvl4pPr>
+              <a:defRPr sz="1200"/>
+            </a:lvl4pPr>
+            <a:lvl5pPr>
+              <a:defRPr sz="1200"/>
+            </a:lvl5pPr>
+          </a:lstStyle>
           <a:p>
             <a:pPr lvl="0"/>
             <a:r>
@@ -1678,19 +4190,13 @@
               <a:rPr lang="en-US"/>
               <a:t>Fifth level</a:t>
             </a:r>
-            <a:endParaRPr lang="en-IN"/>
-          </a:p>
-        </p:txBody>
-      </p:sp>
-      <p:sp>
-        <p:nvSpPr>
-          <p:cNvPr id="5" name="Text Placeholder 4">
-            <a:extLst>
-              <a:ext uri="{FF2B5EF4-FFF2-40B4-BE49-F238E27FC236}">
-                <a16:creationId xmlns:a16="http://schemas.microsoft.com/office/drawing/2014/main" id="{53AAE1D2-7239-4300-8F6C-67934A140219}"/>
-              </a:ext>
-            </a:extLst>
-          </p:cNvPr>
+            <a:endParaRPr lang="en-US" dirty="0"/>
+          </a:p>
+        </p:txBody>
+      </p:sp>
+      <p:sp>
+        <p:nvSpPr>
+          <p:cNvPr id="5" name="Text Placeholder 4"/>
           <p:cNvSpPr>
             <a:spLocks noGrp="1"/>
           </p:cNvSpPr>
@@ -1700,16 +4206,18 @@
         </p:nvSpPr>
         <p:spPr>
           <a:xfrm>
-            <a:off x="6172200" y="1681163"/>
-            <a:ext cx="5183188" cy="823912"/>
+            <a:off x="6294967" y="1835254"/>
+            <a:ext cx="4895330" cy="544883"/>
           </a:xfrm>
         </p:spPr>
         <p:txBody>
-          <a:bodyPr anchor="b"/>
+          <a:bodyPr anchor="b">
+            <a:noAutofit/>
+          </a:bodyPr>
           <a:lstStyle>
-            <a:lvl1pPr marL="0" indent="0">
-              <a:buNone/>
-              <a:defRPr sz="2400" b="1"/>
+            <a:lvl1pPr marL="0" indent="0" algn="ctr">
+              <a:buNone/>
+              <a:defRPr sz="2400" b="0"/>
             </a:lvl1pPr>
             <a:lvl2pPr marL="457200" indent="0">
               <a:buNone/>
@@ -1755,13 +4263,7 @@
       </p:sp>
       <p:sp>
         <p:nvSpPr>
-          <p:cNvPr id="6" name="Content Placeholder 5">
-            <a:extLst>
-              <a:ext uri="{FF2B5EF4-FFF2-40B4-BE49-F238E27FC236}">
-                <a16:creationId xmlns:a16="http://schemas.microsoft.com/office/drawing/2014/main" id="{B1B13FD7-F609-4495-BB92-B7166033E5E1}"/>
-              </a:ext>
-            </a:extLst>
-          </p:cNvPr>
+          <p:cNvPr id="6" name="Content Placeholder 5"/>
           <p:cNvSpPr>
             <a:spLocks noGrp="1"/>
           </p:cNvSpPr>
@@ -1771,65 +4273,100 @@
         </p:nvSpPr>
         <p:spPr>
           <a:xfrm>
-            <a:off x="6172200" y="2505075"/>
-            <a:ext cx="5183188" cy="3684588"/>
+            <a:off x="6294967" y="2380137"/>
+            <a:ext cx="4895330" cy="3411063"/>
           </a:xfrm>
         </p:spPr>
         <p:txBody>
+          <a:bodyPr anchor="t">
+            <a:normAutofit/>
+          </a:bodyPr>
+          <a:lstStyle>
+            <a:lvl1pPr>
+              <a:defRPr sz="1800"/>
+            </a:lvl1pPr>
+            <a:lvl2pPr>
+              <a:defRPr sz="1600"/>
+            </a:lvl2pPr>
+            <a:lvl3pPr>
+              <a:defRPr sz="1400"/>
+            </a:lvl3pPr>
+            <a:lvl4pPr>
+              <a:defRPr sz="1200"/>
+            </a:lvl4pPr>
+            <a:lvl5pPr>
+              <a:defRPr sz="1200"/>
+            </a:lvl5pPr>
+          </a:lstStyle>
+          <a:p>
+            <a:pPr lvl="0"/>
+            <a:r>
+              <a:rPr lang="en-US"/>
+              <a:t>Click to edit Master text styles</a:t>
+            </a:r>
+          </a:p>
+          <a:p>
+            <a:pPr lvl="1"/>
+            <a:r>
+              <a:rPr lang="en-US"/>
+              <a:t>Second level</a:t>
+            </a:r>
+          </a:p>
+          <a:p>
+            <a:pPr lvl="2"/>
+            <a:r>
+              <a:rPr lang="en-US"/>
+              <a:t>Third level</a:t>
+            </a:r>
+          </a:p>
+          <a:p>
+            <a:pPr lvl="3"/>
+            <a:r>
+              <a:rPr lang="en-US"/>
+              <a:t>Fourth level</a:t>
+            </a:r>
+          </a:p>
+          <a:p>
+            <a:pPr lvl="4"/>
+            <a:r>
+              <a:rPr lang="en-US"/>
+              <a:t>Fifth level</a:t>
+            </a:r>
+            <a:endParaRPr lang="en-US" dirty="0"/>
+          </a:p>
+        </p:txBody>
+      </p:sp>
+      <p:sp>
+        <p:nvSpPr>
+          <p:cNvPr id="7" name="Date Placeholder 6"/>
+          <p:cNvSpPr>
+            <a:spLocks noGrp="1"/>
+          </p:cNvSpPr>
+          <p:nvPr>
+            <p:ph type="dt" sz="half" idx="10"/>
+          </p:nvPr>
+        </p:nvSpPr>
+        <p:spPr/>
+        <p:txBody>
           <a:bodyPr/>
           <a:lstStyle/>
           <a:p>
-            <a:pPr lvl="0"/>
-            <a:r>
-              <a:rPr lang="en-US"/>
-              <a:t>Click to edit Master text styles</a:t>
-            </a:r>
-          </a:p>
-          <a:p>
-            <a:pPr lvl="1"/>
-            <a:r>
-              <a:rPr lang="en-US"/>
-              <a:t>Second level</a:t>
-            </a:r>
-          </a:p>
-          <a:p>
-            <a:pPr lvl="2"/>
-            <a:r>
-              <a:rPr lang="en-US"/>
-              <a:t>Third level</a:t>
-            </a:r>
-          </a:p>
-          <a:p>
-            <a:pPr lvl="3"/>
-            <a:r>
-              <a:rPr lang="en-US"/>
-              <a:t>Fourth level</a:t>
-            </a:r>
-          </a:p>
-          <a:p>
-            <a:pPr lvl="4"/>
-            <a:r>
-              <a:rPr lang="en-US"/>
-              <a:t>Fifth level</a:t>
-            </a:r>
+            <a:fld id="{DF2C5CE9-FC82-43C4-AB67-94CB854A9CC6}" type="datetimeFigureOut">
+              <a:rPr lang="en-IN" smtClean="0"/>
+              <a:t>25-01-2024</a:t>
+            </a:fld>
             <a:endParaRPr lang="en-IN"/>
           </a:p>
         </p:txBody>
       </p:sp>
       <p:sp>
         <p:nvSpPr>
-          <p:cNvPr id="7" name="Date Placeholder 6">
-            <a:extLst>
-              <a:ext uri="{FF2B5EF4-FFF2-40B4-BE49-F238E27FC236}">
-                <a16:creationId xmlns:a16="http://schemas.microsoft.com/office/drawing/2014/main" id="{23CBEC5C-2A16-4F81-B058-653C73B3AF08}"/>
-              </a:ext>
-            </a:extLst>
-          </p:cNvPr>
-          <p:cNvSpPr>
-            <a:spLocks noGrp="1"/>
-          </p:cNvSpPr>
-          <p:nvPr>
-            <p:ph type="dt" sz="half" idx="10"/>
+          <p:cNvPr id="8" name="Footer Placeholder 7"/>
+          <p:cNvSpPr>
+            <a:spLocks noGrp="1"/>
+          </p:cNvSpPr>
+          <p:nvPr>
+            <p:ph type="ftr" sz="quarter" idx="11"/>
           </p:nvPr>
         </p:nvSpPr>
         <p:spPr/>
@@ -1837,48 +4374,13 @@
           <a:bodyPr/>
           <a:lstStyle/>
           <a:p>
-            <a:fld id="{DF2C5CE9-FC82-43C4-AB67-94CB854A9CC6}" type="datetimeFigureOut">
-              <a:rPr lang="en-IN" smtClean="0"/>
-              <a:t>24-01-2024</a:t>
-            </a:fld>
             <a:endParaRPr lang="en-IN"/>
           </a:p>
         </p:txBody>
       </p:sp>
       <p:sp>
         <p:nvSpPr>
-          <p:cNvPr id="8" name="Footer Placeholder 7">
-            <a:extLst>
-              <a:ext uri="{FF2B5EF4-FFF2-40B4-BE49-F238E27FC236}">
-                <a16:creationId xmlns:a16="http://schemas.microsoft.com/office/drawing/2014/main" id="{491B2C7C-DCE7-47A2-930C-FD7F23948EF2}"/>
-              </a:ext>
-            </a:extLst>
-          </p:cNvPr>
-          <p:cNvSpPr>
-            <a:spLocks noGrp="1"/>
-          </p:cNvSpPr>
-          <p:nvPr>
-            <p:ph type="ftr" sz="quarter" idx="11"/>
-          </p:nvPr>
-        </p:nvSpPr>
-        <p:spPr/>
-        <p:txBody>
-          <a:bodyPr/>
-          <a:lstStyle/>
-          <a:p>
-            <a:endParaRPr lang="en-IN"/>
-          </a:p>
-        </p:txBody>
-      </p:sp>
-      <p:sp>
-        <p:nvSpPr>
-          <p:cNvPr id="9" name="Slide Number Placeholder 8">
-            <a:extLst>
-              <a:ext uri="{FF2B5EF4-FFF2-40B4-BE49-F238E27FC236}">
-                <a16:creationId xmlns:a16="http://schemas.microsoft.com/office/drawing/2014/main" id="{D3EF0819-A880-4812-988D-081DAAA2F856}"/>
-              </a:ext>
-            </a:extLst>
-          </p:cNvPr>
+          <p:cNvPr id="9" name="Slide Number Placeholder 8"/>
           <p:cNvSpPr>
             <a:spLocks noGrp="1"/>
           </p:cNvSpPr>
@@ -1902,7 +4404,7 @@
     </p:spTree>
     <p:extLst>
       <p:ext uri="{BB962C8B-B14F-4D97-AF65-F5344CB8AC3E}">
-        <p14:creationId xmlns:p14="http://schemas.microsoft.com/office/powerpoint/2010/main" val="606456345"/>
+        <p14:creationId xmlns:p14="http://schemas.microsoft.com/office/powerpoint/2010/main" val="3259214815"/>
       </p:ext>
     </p:extLst>
   </p:cSld>
@@ -1931,13 +4433,7 @@
       </p:grpSpPr>
       <p:sp>
         <p:nvSpPr>
-          <p:cNvPr id="2" name="Title 1">
-            <a:extLst>
-              <a:ext uri="{FF2B5EF4-FFF2-40B4-BE49-F238E27FC236}">
-                <a16:creationId xmlns:a16="http://schemas.microsoft.com/office/drawing/2014/main" id="{3CB86E65-CB18-4779-8111-70BF0FF6755C}"/>
-              </a:ext>
-            </a:extLst>
-          </p:cNvPr>
+          <p:cNvPr id="2" name="Title 1"/>
           <p:cNvSpPr>
             <a:spLocks noGrp="1"/>
           </p:cNvSpPr>
@@ -1954,19 +4450,13 @@
               <a:rPr lang="en-US"/>
               <a:t>Click to edit Master title style</a:t>
             </a:r>
-            <a:endParaRPr lang="en-IN"/>
-          </a:p>
-        </p:txBody>
-      </p:sp>
-      <p:sp>
-        <p:nvSpPr>
-          <p:cNvPr id="3" name="Date Placeholder 2">
-            <a:extLst>
-              <a:ext uri="{FF2B5EF4-FFF2-40B4-BE49-F238E27FC236}">
-                <a16:creationId xmlns:a16="http://schemas.microsoft.com/office/drawing/2014/main" id="{6DE350DA-D37B-49DF-93F0-6086F3DA9601}"/>
-              </a:ext>
-            </a:extLst>
-          </p:cNvPr>
+            <a:endParaRPr lang="en-US" dirty="0"/>
+          </a:p>
+        </p:txBody>
+      </p:sp>
+      <p:sp>
+        <p:nvSpPr>
+          <p:cNvPr id="3" name="Date Placeholder 2"/>
           <p:cNvSpPr>
             <a:spLocks noGrp="1"/>
           </p:cNvSpPr>
@@ -1981,7 +4471,7 @@
           <a:p>
             <a:fld id="{DF2C5CE9-FC82-43C4-AB67-94CB854A9CC6}" type="datetimeFigureOut">
               <a:rPr lang="en-IN" smtClean="0"/>
-              <a:t>24-01-2024</a:t>
+              <a:t>25-01-2024</a:t>
             </a:fld>
             <a:endParaRPr lang="en-IN"/>
           </a:p>
@@ -1989,13 +4479,7 @@
       </p:sp>
       <p:sp>
         <p:nvSpPr>
-          <p:cNvPr id="4" name="Footer Placeholder 3">
-            <a:extLst>
-              <a:ext uri="{FF2B5EF4-FFF2-40B4-BE49-F238E27FC236}">
-                <a16:creationId xmlns:a16="http://schemas.microsoft.com/office/drawing/2014/main" id="{2115FB61-8255-4BCF-B3AD-9D3CABDB71B7}"/>
-              </a:ext>
-            </a:extLst>
-          </p:cNvPr>
+          <p:cNvPr id="4" name="Footer Placeholder 3"/>
           <p:cNvSpPr>
             <a:spLocks noGrp="1"/>
           </p:cNvSpPr>
@@ -2014,13 +4498,7 @@
       </p:sp>
       <p:sp>
         <p:nvSpPr>
-          <p:cNvPr id="5" name="Slide Number Placeholder 4">
-            <a:extLst>
-              <a:ext uri="{FF2B5EF4-FFF2-40B4-BE49-F238E27FC236}">
-                <a16:creationId xmlns:a16="http://schemas.microsoft.com/office/drawing/2014/main" id="{5D7C632D-53D9-43B7-B7C0-1541D3F0BDC9}"/>
-              </a:ext>
-            </a:extLst>
-          </p:cNvPr>
+          <p:cNvPr id="5" name="Slide Number Placeholder 4"/>
           <p:cNvSpPr>
             <a:spLocks noGrp="1"/>
           </p:cNvSpPr>
@@ -2044,7 +4522,7 @@
     </p:spTree>
     <p:extLst>
       <p:ext uri="{BB962C8B-B14F-4D97-AF65-F5344CB8AC3E}">
-        <p14:creationId xmlns:p14="http://schemas.microsoft.com/office/powerpoint/2010/main" val="1093724748"/>
+        <p14:creationId xmlns:p14="http://schemas.microsoft.com/office/powerpoint/2010/main" val="1749160944"/>
       </p:ext>
     </p:extLst>
   </p:cSld>
@@ -2073,13 +4551,7 @@
       </p:grpSpPr>
       <p:sp>
         <p:nvSpPr>
-          <p:cNvPr id="2" name="Date Placeholder 1">
-            <a:extLst>
-              <a:ext uri="{FF2B5EF4-FFF2-40B4-BE49-F238E27FC236}">
-                <a16:creationId xmlns:a16="http://schemas.microsoft.com/office/drawing/2014/main" id="{4538BB35-A427-4CC8-941B-E7EE211E1AA3}"/>
-              </a:ext>
-            </a:extLst>
-          </p:cNvPr>
+          <p:cNvPr id="2" name="Date Placeholder 1"/>
           <p:cNvSpPr>
             <a:spLocks noGrp="1"/>
           </p:cNvSpPr>
@@ -2094,7 +4566,7 @@
           <a:p>
             <a:fld id="{DF2C5CE9-FC82-43C4-AB67-94CB854A9CC6}" type="datetimeFigureOut">
               <a:rPr lang="en-IN" smtClean="0"/>
-              <a:t>24-01-2024</a:t>
+              <a:t>25-01-2024</a:t>
             </a:fld>
             <a:endParaRPr lang="en-IN"/>
           </a:p>
@@ -2102,13 +4574,7 @@
       </p:sp>
       <p:sp>
         <p:nvSpPr>
-          <p:cNvPr id="3" name="Footer Placeholder 2">
-            <a:extLst>
-              <a:ext uri="{FF2B5EF4-FFF2-40B4-BE49-F238E27FC236}">
-                <a16:creationId xmlns:a16="http://schemas.microsoft.com/office/drawing/2014/main" id="{898F9C21-7D4B-4816-97E9-3183AD5D5D2C}"/>
-              </a:ext>
-            </a:extLst>
-          </p:cNvPr>
+          <p:cNvPr id="3" name="Footer Placeholder 2"/>
           <p:cNvSpPr>
             <a:spLocks noGrp="1"/>
           </p:cNvSpPr>
@@ -2127,13 +4593,7 @@
       </p:sp>
       <p:sp>
         <p:nvSpPr>
-          <p:cNvPr id="4" name="Slide Number Placeholder 3">
-            <a:extLst>
-              <a:ext uri="{FF2B5EF4-FFF2-40B4-BE49-F238E27FC236}">
-                <a16:creationId xmlns:a16="http://schemas.microsoft.com/office/drawing/2014/main" id="{40BDEA75-5322-4D5B-871C-2C7C9CE4C36C}"/>
-              </a:ext>
-            </a:extLst>
-          </p:cNvPr>
+          <p:cNvPr id="4" name="Slide Number Placeholder 3"/>
           <p:cNvSpPr>
             <a:spLocks noGrp="1"/>
           </p:cNvSpPr>
@@ -2157,7 +4617,7 @@
     </p:spTree>
     <p:extLst>
       <p:ext uri="{BB962C8B-B14F-4D97-AF65-F5344CB8AC3E}">
-        <p14:creationId xmlns:p14="http://schemas.microsoft.com/office/powerpoint/2010/main" val="3461736908"/>
+        <p14:creationId xmlns:p14="http://schemas.microsoft.com/office/powerpoint/2010/main" val="2338698664"/>
       </p:ext>
     </p:extLst>
   </p:cSld>
@@ -2186,13 +4646,7 @@
       </p:grpSpPr>
       <p:sp>
         <p:nvSpPr>
-          <p:cNvPr id="2" name="Title 1">
-            <a:extLst>
-              <a:ext uri="{FF2B5EF4-FFF2-40B4-BE49-F238E27FC236}">
-                <a16:creationId xmlns:a16="http://schemas.microsoft.com/office/drawing/2014/main" id="{07DFE827-36DD-4AF6-BA59-7E4AF7E372B6}"/>
-              </a:ext>
-            </a:extLst>
-          </p:cNvPr>
+          <p:cNvPr id="2" name="Title 1"/>
           <p:cNvSpPr>
             <a:spLocks noGrp="1"/>
           </p:cNvSpPr>
@@ -2202,15 +4656,17 @@
         </p:nvSpPr>
         <p:spPr>
           <a:xfrm>
-            <a:off x="839788" y="457200"/>
-            <a:ext cx="3932237" cy="1600200"/>
+            <a:off x="913795" y="609600"/>
+            <a:ext cx="3706889" cy="1821918"/>
           </a:xfrm>
         </p:spPr>
         <p:txBody>
-          <a:bodyPr anchor="b"/>
+          <a:bodyPr anchor="b">
+            <a:normAutofit/>
+          </a:bodyPr>
           <a:lstStyle>
-            <a:lvl1pPr>
-              <a:defRPr sz="3200"/>
+            <a:lvl1pPr algn="ctr">
+              <a:defRPr sz="2400" b="0"/>
             </a:lvl1pPr>
           </a:lstStyle>
           <a:p>
@@ -2218,19 +4674,13 @@
               <a:rPr lang="en-US"/>
               <a:t>Click to edit Master title style</a:t>
             </a:r>
-            <a:endParaRPr lang="en-IN"/>
-          </a:p>
-        </p:txBody>
-      </p:sp>
-      <p:sp>
-        <p:nvSpPr>
-          <p:cNvPr id="3" name="Content Placeholder 2">
-            <a:extLst>
-              <a:ext uri="{FF2B5EF4-FFF2-40B4-BE49-F238E27FC236}">
-                <a16:creationId xmlns:a16="http://schemas.microsoft.com/office/drawing/2014/main" id="{86310E6B-26B9-49E2-92D4-22AC7A6BFFB9}"/>
-              </a:ext>
-            </a:extLst>
-          </p:cNvPr>
+            <a:endParaRPr lang="en-US" dirty="0"/>
+          </a:p>
+        </p:txBody>
+      </p:sp>
+      <p:sp>
+        <p:nvSpPr>
+          <p:cNvPr id="3" name="Content Placeholder 2"/>
           <p:cNvSpPr>
             <a:spLocks noGrp="1"/>
           </p:cNvSpPr>
@@ -2240,41 +4690,15 @@
         </p:nvSpPr>
         <p:spPr>
           <a:xfrm>
-            <a:off x="5183188" y="987425"/>
-            <a:ext cx="6172200" cy="4873625"/>
+            <a:off x="4855633" y="609600"/>
+            <a:ext cx="6411924" cy="5181600"/>
           </a:xfrm>
         </p:spPr>
         <p:txBody>
-          <a:bodyPr/>
-          <a:lstStyle>
-            <a:lvl1pPr>
-              <a:defRPr sz="3200"/>
-            </a:lvl1pPr>
-            <a:lvl2pPr>
-              <a:defRPr sz="2800"/>
-            </a:lvl2pPr>
-            <a:lvl3pPr>
-              <a:defRPr sz="2400"/>
-            </a:lvl3pPr>
-            <a:lvl4pPr>
-              <a:defRPr sz="2000"/>
-            </a:lvl4pPr>
-            <a:lvl5pPr>
-              <a:defRPr sz="2000"/>
-            </a:lvl5pPr>
-            <a:lvl6pPr>
-              <a:defRPr sz="2000"/>
-            </a:lvl6pPr>
-            <a:lvl7pPr>
-              <a:defRPr sz="2000"/>
-            </a:lvl7pPr>
-            <a:lvl8pPr>
-              <a:defRPr sz="2000"/>
-            </a:lvl8pPr>
-            <a:lvl9pPr>
-              <a:defRPr sz="2000"/>
-            </a:lvl9pPr>
-          </a:lstStyle>
+          <a:bodyPr>
+            <a:normAutofit/>
+          </a:bodyPr>
+          <a:lstStyle/>
           <a:p>
             <a:pPr lvl="0"/>
             <a:r>
@@ -2309,19 +4733,13 @@
               <a:rPr lang="en-US"/>
               <a:t>Fifth level</a:t>
             </a:r>
-            <a:endParaRPr lang="en-IN"/>
-          </a:p>
-        </p:txBody>
-      </p:sp>
-      <p:sp>
-        <p:nvSpPr>
-          <p:cNvPr id="4" name="Text Placeholder 3">
-            <a:extLst>
-              <a:ext uri="{FF2B5EF4-FFF2-40B4-BE49-F238E27FC236}">
-                <a16:creationId xmlns:a16="http://schemas.microsoft.com/office/drawing/2014/main" id="{5559ACF5-FB14-4710-801D-493C8FCA272E}"/>
-              </a:ext>
-            </a:extLst>
-          </p:cNvPr>
+            <a:endParaRPr lang="en-US" dirty="0"/>
+          </a:p>
+        </p:txBody>
+      </p:sp>
+      <p:sp>
+        <p:nvSpPr>
+          <p:cNvPr id="4" name="Text Placeholder 3"/>
           <p:cNvSpPr>
             <a:spLocks noGrp="1"/>
           </p:cNvSpPr>
@@ -2331,48 +4749,50 @@
         </p:nvSpPr>
         <p:spPr>
           <a:xfrm>
-            <a:off x="839788" y="2057400"/>
-            <a:ext cx="3932237" cy="3811588"/>
+            <a:off x="913795" y="2431518"/>
+            <a:ext cx="3706889" cy="3359681"/>
           </a:xfrm>
         </p:spPr>
         <p:txBody>
-          <a:bodyPr/>
+          <a:bodyPr anchor="t">
+            <a:normAutofit/>
+          </a:bodyPr>
           <a:lstStyle>
-            <a:lvl1pPr marL="0" indent="0">
+            <a:lvl1pPr marL="0" indent="0" algn="ctr">
               <a:buNone/>
               <a:defRPr sz="1600"/>
             </a:lvl1pPr>
             <a:lvl2pPr marL="457200" indent="0">
               <a:buNone/>
-              <a:defRPr sz="1400"/>
+              <a:defRPr sz="1200"/>
             </a:lvl2pPr>
             <a:lvl3pPr marL="914400" indent="0">
               <a:buNone/>
-              <a:defRPr sz="1200"/>
+              <a:defRPr sz="1000"/>
             </a:lvl3pPr>
             <a:lvl4pPr marL="1371600" indent="0">
               <a:buNone/>
-              <a:defRPr sz="1000"/>
+              <a:defRPr sz="900"/>
             </a:lvl4pPr>
             <a:lvl5pPr marL="1828800" indent="0">
               <a:buNone/>
-              <a:defRPr sz="1000"/>
+              <a:defRPr sz="900"/>
             </a:lvl5pPr>
             <a:lvl6pPr marL="2286000" indent="0">
               <a:buNone/>
-              <a:defRPr sz="1000"/>
+              <a:defRPr sz="900"/>
             </a:lvl6pPr>
             <a:lvl7pPr marL="2743200" indent="0">
               <a:buNone/>
-              <a:defRPr sz="1000"/>
+              <a:defRPr sz="900"/>
             </a:lvl7pPr>
             <a:lvl8pPr marL="3200400" indent="0">
               <a:buNone/>
-              <a:defRPr sz="1000"/>
+              <a:defRPr sz="900"/>
             </a:lvl8pPr>
             <a:lvl9pPr marL="3657600" indent="0">
               <a:buNone/>
-              <a:defRPr sz="1000"/>
+              <a:defRPr sz="900"/>
             </a:lvl9pPr>
           </a:lstStyle>
           <a:p>
@@ -2386,13 +4806,7 @@
       </p:sp>
       <p:sp>
         <p:nvSpPr>
-          <p:cNvPr id="5" name="Date Placeholder 4">
-            <a:extLst>
-              <a:ext uri="{FF2B5EF4-FFF2-40B4-BE49-F238E27FC236}">
-                <a16:creationId xmlns:a16="http://schemas.microsoft.com/office/drawing/2014/main" id="{70F64B5E-34CE-440D-A0B1-B23B4DF4C2C1}"/>
-              </a:ext>
-            </a:extLst>
-          </p:cNvPr>
+          <p:cNvPr id="5" name="Date Placeholder 4"/>
           <p:cNvSpPr>
             <a:spLocks noGrp="1"/>
           </p:cNvSpPr>
@@ -2407,7 +4821,7 @@
           <a:p>
             <a:fld id="{DF2C5CE9-FC82-43C4-AB67-94CB854A9CC6}" type="datetimeFigureOut">
               <a:rPr lang="en-IN" smtClean="0"/>
-              <a:t>24-01-2024</a:t>
+              <a:t>25-01-2024</a:t>
             </a:fld>
             <a:endParaRPr lang="en-IN"/>
           </a:p>
@@ -2415,13 +4829,7 @@
       </p:sp>
       <p:sp>
         <p:nvSpPr>
-          <p:cNvPr id="6" name="Footer Placeholder 5">
-            <a:extLst>
-              <a:ext uri="{FF2B5EF4-FFF2-40B4-BE49-F238E27FC236}">
-                <a16:creationId xmlns:a16="http://schemas.microsoft.com/office/drawing/2014/main" id="{C04B0B07-81E2-4660-85F7-BFC17FC84761}"/>
-              </a:ext>
-            </a:extLst>
-          </p:cNvPr>
+          <p:cNvPr id="6" name="Footer Placeholder 5"/>
           <p:cNvSpPr>
             <a:spLocks noGrp="1"/>
           </p:cNvSpPr>
@@ -2440,13 +4848,7 @@
       </p:sp>
       <p:sp>
         <p:nvSpPr>
-          <p:cNvPr id="7" name="Slide Number Placeholder 6">
-            <a:extLst>
-              <a:ext uri="{FF2B5EF4-FFF2-40B4-BE49-F238E27FC236}">
-                <a16:creationId xmlns:a16="http://schemas.microsoft.com/office/drawing/2014/main" id="{30C3699F-C450-492A-9C65-E1F6F3E0CAD7}"/>
-              </a:ext>
-            </a:extLst>
-          </p:cNvPr>
+          <p:cNvPr id="7" name="Slide Number Placeholder 6"/>
           <p:cNvSpPr>
             <a:spLocks noGrp="1"/>
           </p:cNvSpPr>
@@ -2470,7 +4872,7 @@
     </p:spTree>
     <p:extLst>
       <p:ext uri="{BB962C8B-B14F-4D97-AF65-F5344CB8AC3E}">
-        <p14:creationId xmlns:p14="http://schemas.microsoft.com/office/powerpoint/2010/main" val="2613419236"/>
+        <p14:creationId xmlns:p14="http://schemas.microsoft.com/office/powerpoint/2010/main" val="4199684775"/>
       </p:ext>
     </p:extLst>
   </p:cSld>
@@ -2497,33 +4899,59 @@
           <a:chExt cx="0" cy="0"/>
         </a:xfrm>
       </p:grpSpPr>
-      <p:sp>
-        <p:nvSpPr>
-          <p:cNvPr id="2" name="Title 1">
+      <p:pic>
+        <p:nvPicPr>
+          <p:cNvPr id="22" name="Picture 21" descr="Slate-V2-HD-vertPhotoInset.png"/>
+          <p:cNvPicPr>
+            <a:picLocks noChangeAspect="1"/>
+          </p:cNvPicPr>
+          <p:nvPr/>
+        </p:nvPicPr>
+        <p:blipFill>
+          <a:blip r:embed="rId2">
             <a:extLst>
-              <a:ext uri="{FF2B5EF4-FFF2-40B4-BE49-F238E27FC236}">
-                <a16:creationId xmlns:a16="http://schemas.microsoft.com/office/drawing/2014/main" id="{5456A439-B109-45F7-A686-6A5FE08115AB}"/>
+              <a:ext uri="{28A0092B-C50C-407E-A947-70E740481C1C}">
+                <a14:useLocalDpi xmlns:a14="http://schemas.microsoft.com/office/drawing/2010/main" val="0"/>
               </a:ext>
             </a:extLst>
-          </p:cNvPr>
-          <p:cNvSpPr>
-            <a:spLocks noGrp="1"/>
-          </p:cNvSpPr>
-          <p:nvPr>
-            <p:ph type="title"/>
-          </p:nvPr>
-        </p:nvSpPr>
+          </a:blip>
+          <a:stretch>
+            <a:fillRect/>
+          </a:stretch>
+        </p:blipFill>
         <p:spPr>
           <a:xfrm>
-            <a:off x="839788" y="457200"/>
-            <a:ext cx="3932237" cy="1600200"/>
+            <a:off x="7293665" y="609600"/>
+            <a:ext cx="3584166" cy="5204832"/>
+          </a:xfrm>
+          <a:prstGeom prst="rect">
+            <a:avLst/>
+          </a:prstGeom>
+        </p:spPr>
+      </p:pic>
+      <p:sp>
+        <p:nvSpPr>
+          <p:cNvPr id="2" name="Title 1"/>
+          <p:cNvSpPr>
+            <a:spLocks noGrp="1"/>
+          </p:cNvSpPr>
+          <p:nvPr>
+            <p:ph type="title"/>
+          </p:nvPr>
+        </p:nvSpPr>
+        <p:spPr>
+          <a:xfrm>
+            <a:off x="913795" y="609923"/>
+            <a:ext cx="5934949" cy="1829338"/>
           </a:xfrm>
         </p:spPr>
         <p:txBody>
-          <a:bodyPr anchor="b"/>
+          <a:bodyPr anchor="b">
+            <a:noAutofit/>
+          </a:bodyPr>
           <a:lstStyle>
-            <a:lvl1pPr>
-              <a:defRPr sz="3200"/>
+            <a:lvl1pPr algn="ctr">
+              <a:defRPr sz="3200" b="0"/>
             </a:lvl1pPr>
           </a:lstStyle>
           <a:p>
@@ -2531,21 +4959,15 @@
               <a:rPr lang="en-US"/>
               <a:t>Click to edit Master title style</a:t>
             </a:r>
-            <a:endParaRPr lang="en-IN"/>
-          </a:p>
-        </p:txBody>
-      </p:sp>
-      <p:sp>
-        <p:nvSpPr>
-          <p:cNvPr id="3" name="Picture Placeholder 2">
-            <a:extLst>
-              <a:ext uri="{FF2B5EF4-FFF2-40B4-BE49-F238E27FC236}">
-                <a16:creationId xmlns:a16="http://schemas.microsoft.com/office/drawing/2014/main" id="{144493AF-2DA7-4143-98AF-4EC898BE9787}"/>
-              </a:ext>
-            </a:extLst>
-          </p:cNvPr>
-          <p:cNvSpPr>
-            <a:spLocks noGrp="1"/>
+            <a:endParaRPr lang="en-US" dirty="0"/>
+          </a:p>
+        </p:txBody>
+      </p:sp>
+      <p:sp>
+        <p:nvSpPr>
+          <p:cNvPr id="3" name="Picture Placeholder 2"/>
+          <p:cNvSpPr>
+            <a:spLocks noGrp="1" noChangeAspect="1"/>
           </p:cNvSpPr>
           <p:nvPr>
             <p:ph type="pic" idx="1"/>
@@ -2553,118 +4975,127 @@
         </p:nvSpPr>
         <p:spPr>
           <a:xfrm>
-            <a:off x="5183188" y="987425"/>
-            <a:ext cx="6172200" cy="4873625"/>
+            <a:off x="7442551" y="763702"/>
+            <a:ext cx="3275751" cy="4912822"/>
           </a:xfrm>
+          <a:effectLst>
+            <a:outerShdw blurRad="38100" dist="25400" dir="4440000">
+              <a:srgbClr val="000000">
+                <a:alpha val="36000"/>
+              </a:srgbClr>
+            </a:outerShdw>
+          </a:effectLst>
         </p:spPr>
         <p:txBody>
-          <a:bodyPr/>
+          <a:bodyPr anchor="t">
+            <a:normAutofit/>
+          </a:bodyPr>
           <a:lstStyle>
-            <a:lvl1pPr marL="0" indent="0">
-              <a:buNone/>
-              <a:defRPr sz="3200"/>
-            </a:lvl1pPr>
-            <a:lvl2pPr marL="457200" indent="0">
-              <a:buNone/>
-              <a:defRPr sz="2800"/>
-            </a:lvl2pPr>
-            <a:lvl3pPr marL="914400" indent="0">
-              <a:buNone/>
-              <a:defRPr sz="2400"/>
-            </a:lvl3pPr>
-            <a:lvl4pPr marL="1371600" indent="0">
-              <a:buNone/>
-              <a:defRPr sz="2000"/>
-            </a:lvl4pPr>
-            <a:lvl5pPr marL="1828800" indent="0">
-              <a:buNone/>
-              <a:defRPr sz="2000"/>
-            </a:lvl5pPr>
-            <a:lvl6pPr marL="2286000" indent="0">
-              <a:buNone/>
-              <a:defRPr sz="2000"/>
-            </a:lvl6pPr>
-            <a:lvl7pPr marL="2743200" indent="0">
-              <a:buNone/>
-              <a:defRPr sz="2000"/>
-            </a:lvl7pPr>
-            <a:lvl8pPr marL="3200400" indent="0">
-              <a:buNone/>
-              <a:defRPr sz="2000"/>
-            </a:lvl8pPr>
-            <a:lvl9pPr marL="3657600" indent="0">
-              <a:buNone/>
-              <a:defRPr sz="2000"/>
-            </a:lvl9pPr>
-          </a:lstStyle>
-          <a:p>
-            <a:endParaRPr lang="en-IN"/>
-          </a:p>
-        </p:txBody>
-      </p:sp>
-      <p:sp>
-        <p:nvSpPr>
-          <p:cNvPr id="4" name="Text Placeholder 3">
-            <a:extLst>
-              <a:ext uri="{FF2B5EF4-FFF2-40B4-BE49-F238E27FC236}">
-                <a16:creationId xmlns:a16="http://schemas.microsoft.com/office/drawing/2014/main" id="{F152C16E-28E7-44B6-A163-D7CFBA724219}"/>
-              </a:ext>
-            </a:extLst>
-          </p:cNvPr>
-          <p:cNvSpPr>
-            <a:spLocks noGrp="1"/>
-          </p:cNvSpPr>
-          <p:nvPr>
-            <p:ph type="body" sz="half" idx="2"/>
-          </p:nvPr>
-        </p:nvSpPr>
-        <p:spPr>
-          <a:xfrm>
-            <a:off x="839788" y="2057400"/>
-            <a:ext cx="3932237" cy="3811588"/>
-          </a:xfrm>
-        </p:spPr>
-        <p:txBody>
-          <a:bodyPr/>
-          <a:lstStyle>
-            <a:lvl1pPr marL="0" indent="0">
+            <a:lvl1pPr marL="0" indent="0" algn="ctr">
               <a:buNone/>
               <a:defRPr sz="1600"/>
             </a:lvl1pPr>
             <a:lvl2pPr marL="457200" indent="0">
               <a:buNone/>
-              <a:defRPr sz="1400"/>
+              <a:defRPr sz="1600"/>
             </a:lvl2pPr>
             <a:lvl3pPr marL="914400" indent="0">
               <a:buNone/>
-              <a:defRPr sz="1200"/>
+              <a:defRPr sz="1600"/>
             </a:lvl3pPr>
             <a:lvl4pPr marL="1371600" indent="0">
               <a:buNone/>
-              <a:defRPr sz="1000"/>
+              <a:defRPr sz="1600"/>
             </a:lvl4pPr>
             <a:lvl5pPr marL="1828800" indent="0">
               <a:buNone/>
-              <a:defRPr sz="1000"/>
+              <a:defRPr sz="1600"/>
             </a:lvl5pPr>
             <a:lvl6pPr marL="2286000" indent="0">
               <a:buNone/>
-              <a:defRPr sz="1000"/>
+              <a:defRPr sz="1600"/>
             </a:lvl6pPr>
             <a:lvl7pPr marL="2743200" indent="0">
               <a:buNone/>
-              <a:defRPr sz="1000"/>
+              <a:defRPr sz="1600"/>
             </a:lvl7pPr>
             <a:lvl8pPr marL="3200400" indent="0">
               <a:buNone/>
-              <a:defRPr sz="1000"/>
+              <a:defRPr sz="1600"/>
             </a:lvl8pPr>
             <a:lvl9pPr marL="3657600" indent="0">
               <a:buNone/>
-              <a:defRPr sz="1000"/>
+              <a:defRPr sz="1600"/>
             </a:lvl9pPr>
           </a:lstStyle>
           <a:p>
+            <a:r>
+              <a:rPr lang="en-US"/>
+              <a:t>Click icon to add picture</a:t>
+            </a:r>
+            <a:endParaRPr lang="en-US" dirty="0"/>
+          </a:p>
+        </p:txBody>
+      </p:sp>
+      <p:sp>
+        <p:nvSpPr>
+          <p:cNvPr id="4" name="Text Placeholder 3"/>
+          <p:cNvSpPr>
+            <a:spLocks noGrp="1"/>
+          </p:cNvSpPr>
+          <p:nvPr>
+            <p:ph type="body" sz="half" idx="2"/>
+          </p:nvPr>
+        </p:nvSpPr>
+        <p:spPr>
+          <a:xfrm>
+            <a:off x="913795" y="2439261"/>
+            <a:ext cx="5934949" cy="3376134"/>
+          </a:xfrm>
+        </p:spPr>
+        <p:txBody>
+          <a:bodyPr anchor="t">
+            <a:normAutofit/>
+          </a:bodyPr>
+          <a:lstStyle>
+            <a:lvl1pPr marL="0" indent="0" algn="ctr">
+              <a:buNone/>
+              <a:defRPr sz="1600"/>
+            </a:lvl1pPr>
+            <a:lvl2pPr marL="457200" indent="0">
+              <a:buNone/>
+              <a:defRPr sz="1200"/>
+            </a:lvl2pPr>
+            <a:lvl3pPr marL="914400" indent="0">
+              <a:buNone/>
+              <a:defRPr sz="1000"/>
+            </a:lvl3pPr>
+            <a:lvl4pPr marL="1371600" indent="0">
+              <a:buNone/>
+              <a:defRPr sz="900"/>
+            </a:lvl4pPr>
+            <a:lvl5pPr marL="1828800" indent="0">
+              <a:buNone/>
+              <a:defRPr sz="900"/>
+            </a:lvl5pPr>
+            <a:lvl6pPr marL="2286000" indent="0">
+              <a:buNone/>
+              <a:defRPr sz="900"/>
+            </a:lvl6pPr>
+            <a:lvl7pPr marL="2743200" indent="0">
+              <a:buNone/>
+              <a:defRPr sz="900"/>
+            </a:lvl7pPr>
+            <a:lvl8pPr marL="3200400" indent="0">
+              <a:buNone/>
+              <a:defRPr sz="900"/>
+            </a:lvl8pPr>
+            <a:lvl9pPr marL="3657600" indent="0">
+              <a:buNone/>
+              <a:defRPr sz="900"/>
+            </a:lvl9pPr>
+          </a:lstStyle>
+          <a:p>
             <a:pPr lvl="0"/>
             <a:r>
               <a:rPr lang="en-US"/>
@@ -2675,13 +5106,7 @@
       </p:sp>
       <p:sp>
         <p:nvSpPr>
-          <p:cNvPr id="5" name="Date Placeholder 4">
-            <a:extLst>
-              <a:ext uri="{FF2B5EF4-FFF2-40B4-BE49-F238E27FC236}">
-                <a16:creationId xmlns:a16="http://schemas.microsoft.com/office/drawing/2014/main" id="{D02C859B-DC10-4F22-8ED1-8009E1848636}"/>
-              </a:ext>
-            </a:extLst>
-          </p:cNvPr>
+          <p:cNvPr id="5" name="Date Placeholder 4"/>
           <p:cNvSpPr>
             <a:spLocks noGrp="1"/>
           </p:cNvSpPr>
@@ -2696,7 +5121,7 @@
           <a:p>
             <a:fld id="{DF2C5CE9-FC82-43C4-AB67-94CB854A9CC6}" type="datetimeFigureOut">
               <a:rPr lang="en-IN" smtClean="0"/>
-              <a:t>24-01-2024</a:t>
+              <a:t>25-01-2024</a:t>
             </a:fld>
             <a:endParaRPr lang="en-IN"/>
           </a:p>
@@ -2704,13 +5129,7 @@
       </p:sp>
       <p:sp>
         <p:nvSpPr>
-          <p:cNvPr id="6" name="Footer Placeholder 5">
-            <a:extLst>
-              <a:ext uri="{FF2B5EF4-FFF2-40B4-BE49-F238E27FC236}">
-                <a16:creationId xmlns:a16="http://schemas.microsoft.com/office/drawing/2014/main" id="{C95455F2-02BE-43B5-97C1-11EEA82A41F2}"/>
-              </a:ext>
-            </a:extLst>
-          </p:cNvPr>
+          <p:cNvPr id="6" name="Footer Placeholder 5"/>
           <p:cNvSpPr>
             <a:spLocks noGrp="1"/>
           </p:cNvSpPr>
@@ -2723,19 +5142,13 @@
           <a:bodyPr/>
           <a:lstStyle/>
           <a:p>
-            <a:endParaRPr lang="en-IN"/>
-          </a:p>
-        </p:txBody>
-      </p:sp>
-      <p:sp>
-        <p:nvSpPr>
-          <p:cNvPr id="7" name="Slide Number Placeholder 6">
-            <a:extLst>
-              <a:ext uri="{FF2B5EF4-FFF2-40B4-BE49-F238E27FC236}">
-                <a16:creationId xmlns:a16="http://schemas.microsoft.com/office/drawing/2014/main" id="{87AD3D28-0C4F-498B-85AA-D4A29DC39AF3}"/>
-              </a:ext>
-            </a:extLst>
-          </p:cNvPr>
+            <a:endParaRPr lang="en-US" dirty="0"/>
+          </a:p>
+        </p:txBody>
+      </p:sp>
+      <p:sp>
+        <p:nvSpPr>
+          <p:cNvPr id="7" name="Slide Number Placeholder 6"/>
           <p:cNvSpPr>
             <a:spLocks noGrp="1"/>
           </p:cNvSpPr>
@@ -2759,7 +5172,7 @@
     </p:spTree>
     <p:extLst>
       <p:ext uri="{BB962C8B-B14F-4D97-AF65-F5344CB8AC3E}">
-        <p14:creationId xmlns:p14="http://schemas.microsoft.com/office/powerpoint/2010/main" val="2989898978"/>
+        <p14:creationId xmlns:p14="http://schemas.microsoft.com/office/powerpoint/2010/main" val="951259391"/>
       </p:ext>
     </p:extLst>
   </p:cSld>
@@ -2773,8 +5186,8 @@
 <p:sldMaster xmlns:a="http://schemas.openxmlformats.org/drawingml/2006/main" xmlns:r="http://schemas.openxmlformats.org/officeDocument/2006/relationships" xmlns:p="http://schemas.openxmlformats.org/presentationml/2006/main">
   <p:cSld>
     <p:bg>
-      <p:bgRef idx="1001">
-        <a:schemeClr val="bg1"/>
+      <p:bgRef idx="1003">
+        <a:schemeClr val="bg2"/>
       </p:bgRef>
     </p:bg>
     <p:spTree>
@@ -2793,13 +5206,7 @@
       </p:grpSpPr>
       <p:sp>
         <p:nvSpPr>
-          <p:cNvPr id="2" name="Title Placeholder 1">
-            <a:extLst>
-              <a:ext uri="{FF2B5EF4-FFF2-40B4-BE49-F238E27FC236}">
-                <a16:creationId xmlns:a16="http://schemas.microsoft.com/office/drawing/2014/main" id="{8502F3EC-13D0-4F2B-B274-683DD26608CF}"/>
-              </a:ext>
-            </a:extLst>
-          </p:cNvPr>
+          <p:cNvPr id="2" name="Title Placeholder 1"/>
           <p:cNvSpPr>
             <a:spLocks noGrp="1"/>
           </p:cNvSpPr>
@@ -2809,12 +5216,19 @@
         </p:nvSpPr>
         <p:spPr>
           <a:xfrm>
-            <a:off x="838200" y="365125"/>
-            <a:ext cx="10515600" cy="1325563"/>
+            <a:off x="913795" y="609600"/>
+            <a:ext cx="10353762" cy="970450"/>
           </a:xfrm>
           <a:prstGeom prst="rect">
             <a:avLst/>
           </a:prstGeom>
+          <a:effectLst>
+            <a:outerShdw blurRad="25400" dir="17880000">
+              <a:srgbClr val="000000">
+                <a:alpha val="46000"/>
+              </a:srgbClr>
+            </a:outerShdw>
+          </a:effectLst>
         </p:spPr>
         <p:txBody>
           <a:bodyPr vert="horz" lIns="91440" tIns="45720" rIns="91440" bIns="45720" rtlCol="0" anchor="ctr">
@@ -2826,19 +5240,13 @@
               <a:rPr lang="en-US"/>
               <a:t>Click to edit Master title style</a:t>
             </a:r>
-            <a:endParaRPr lang="en-IN"/>
-          </a:p>
-        </p:txBody>
-      </p:sp>
-      <p:sp>
-        <p:nvSpPr>
-          <p:cNvPr id="3" name="Text Placeholder 2">
-            <a:extLst>
-              <a:ext uri="{FF2B5EF4-FFF2-40B4-BE49-F238E27FC236}">
-                <a16:creationId xmlns:a16="http://schemas.microsoft.com/office/drawing/2014/main" id="{DD4ED455-D0B3-4F00-9FFE-F0BBF8703F2E}"/>
-              </a:ext>
-            </a:extLst>
-          </p:cNvPr>
+            <a:endParaRPr lang="en-US" dirty="0"/>
+          </a:p>
+        </p:txBody>
+      </p:sp>
+      <p:sp>
+        <p:nvSpPr>
+          <p:cNvPr id="3" name="Text Placeholder 2"/>
           <p:cNvSpPr>
             <a:spLocks noGrp="1"/>
           </p:cNvSpPr>
@@ -2848,15 +5256,22 @@
         </p:nvSpPr>
         <p:spPr>
           <a:xfrm>
-            <a:off x="838200" y="1825625"/>
-            <a:ext cx="10515600" cy="4351338"/>
+            <a:off x="913795" y="1732449"/>
+            <a:ext cx="10353762" cy="4058751"/>
           </a:xfrm>
           <a:prstGeom prst="rect">
             <a:avLst/>
           </a:prstGeom>
+          <a:effectLst>
+            <a:outerShdw blurRad="25400" dir="17880000">
+              <a:srgbClr val="000000">
+                <a:alpha val="46000"/>
+              </a:srgbClr>
+            </a:outerShdw>
+          </a:effectLst>
         </p:spPr>
         <p:txBody>
-          <a:bodyPr vert="horz" lIns="91440" tIns="45720" rIns="91440" bIns="45720" rtlCol="0">
+          <a:bodyPr vert="horz" lIns="91440" tIns="45720" rIns="91440" bIns="45720" rtlCol="0" anchor="t">
             <a:normAutofit/>
           </a:bodyPr>
           <a:lstStyle/>
@@ -2894,19 +5309,13 @@
               <a:rPr lang="en-US"/>
               <a:t>Fifth level</a:t>
             </a:r>
-            <a:endParaRPr lang="en-IN"/>
-          </a:p>
-        </p:txBody>
-      </p:sp>
-      <p:sp>
-        <p:nvSpPr>
-          <p:cNvPr id="4" name="Date Placeholder 3">
-            <a:extLst>
-              <a:ext uri="{FF2B5EF4-FFF2-40B4-BE49-F238E27FC236}">
-                <a16:creationId xmlns:a16="http://schemas.microsoft.com/office/drawing/2014/main" id="{2CE2982E-12EC-4983-80B6-6F684886CF49}"/>
-              </a:ext>
-            </a:extLst>
-          </p:cNvPr>
+            <a:endParaRPr lang="en-US" dirty="0"/>
+          </a:p>
+        </p:txBody>
+      </p:sp>
+      <p:sp>
+        <p:nvSpPr>
+          <p:cNvPr id="4" name="Date Placeholder 3"/>
           <p:cNvSpPr>
             <a:spLocks noGrp="1"/>
           </p:cNvSpPr>
@@ -2916,7 +5325,7 @@
         </p:nvSpPr>
         <p:spPr>
           <a:xfrm>
-            <a:off x="838200" y="6356350"/>
+            <a:off x="7678736" y="5883275"/>
             <a:ext cx="2743200" cy="365125"/>
           </a:xfrm>
           <a:prstGeom prst="rect">
@@ -2926,20 +5335,27 @@
         <p:txBody>
           <a:bodyPr vert="horz" lIns="91440" tIns="45720" rIns="91440" bIns="45720" rtlCol="0" anchor="ctr"/>
           <a:lstStyle>
-            <a:lvl1pPr algn="l">
-              <a:defRPr sz="1200">
+            <a:lvl1pPr algn="r">
+              <a:defRPr sz="1000">
                 <a:solidFill>
                   <a:schemeClr val="tx1">
-                    <a:tint val="75000"/>
+                    <a:lumMod val="95000"/>
                   </a:schemeClr>
                 </a:solidFill>
+                <a:effectLst>
+                  <a:outerShdw blurRad="50800" dist="38100" dir="2700000" algn="tl" rotWithShape="0">
+                    <a:schemeClr val="bg1">
+                      <a:alpha val="43000"/>
+                    </a:schemeClr>
+                  </a:outerShdw>
+                </a:effectLst>
               </a:defRPr>
             </a:lvl1pPr>
           </a:lstStyle>
           <a:p>
             <a:fld id="{DF2C5CE9-FC82-43C4-AB67-94CB854A9CC6}" type="datetimeFigureOut">
               <a:rPr lang="en-IN" smtClean="0"/>
-              <a:t>24-01-2024</a:t>
+              <a:t>25-01-2024</a:t>
             </a:fld>
             <a:endParaRPr lang="en-IN"/>
           </a:p>
@@ -2947,13 +5363,7 @@
       </p:sp>
       <p:sp>
         <p:nvSpPr>
-          <p:cNvPr id="5" name="Footer Placeholder 4">
-            <a:extLst>
-              <a:ext uri="{FF2B5EF4-FFF2-40B4-BE49-F238E27FC236}">
-                <a16:creationId xmlns:a16="http://schemas.microsoft.com/office/drawing/2014/main" id="{F02F8EA9-C7C9-4AF7-9030-6762E1421F65}"/>
-              </a:ext>
-            </a:extLst>
-          </p:cNvPr>
+          <p:cNvPr id="5" name="Footer Placeholder 4"/>
           <p:cNvSpPr>
             <a:spLocks noGrp="1"/>
           </p:cNvSpPr>
@@ -2963,8 +5373,8 @@
         </p:nvSpPr>
         <p:spPr>
           <a:xfrm>
-            <a:off x="4038600" y="6356350"/>
-            <a:ext cx="4114800" cy="365125"/>
+            <a:off x="913795" y="5883275"/>
+            <a:ext cx="6672865" cy="365125"/>
           </a:xfrm>
           <a:prstGeom prst="rect">
             <a:avLst/>
@@ -2973,13 +5383,20 @@
         <p:txBody>
           <a:bodyPr vert="horz" lIns="91440" tIns="45720" rIns="91440" bIns="45720" rtlCol="0" anchor="ctr"/>
           <a:lstStyle>
-            <a:lvl1pPr algn="ctr">
-              <a:defRPr sz="1200">
+            <a:lvl1pPr algn="l">
+              <a:defRPr sz="1000">
                 <a:solidFill>
                   <a:schemeClr val="tx1">
-                    <a:tint val="75000"/>
+                    <a:lumMod val="95000"/>
                   </a:schemeClr>
                 </a:solidFill>
+                <a:effectLst>
+                  <a:outerShdw blurRad="50800" dist="38100" dir="2700000" algn="tl" rotWithShape="0">
+                    <a:schemeClr val="bg1">
+                      <a:alpha val="43000"/>
+                    </a:schemeClr>
+                  </a:outerShdw>
+                </a:effectLst>
               </a:defRPr>
             </a:lvl1pPr>
           </a:lstStyle>
@@ -2990,13 +5407,7 @@
       </p:sp>
       <p:sp>
         <p:nvSpPr>
-          <p:cNvPr id="6" name="Slide Number Placeholder 5">
-            <a:extLst>
-              <a:ext uri="{FF2B5EF4-FFF2-40B4-BE49-F238E27FC236}">
-                <a16:creationId xmlns:a16="http://schemas.microsoft.com/office/drawing/2014/main" id="{EC37A963-46B8-41D3-A42B-7B7319B13DEA}"/>
-              </a:ext>
-            </a:extLst>
-          </p:cNvPr>
+          <p:cNvPr id="6" name="Slide Number Placeholder 5"/>
           <p:cNvSpPr>
             <a:spLocks noGrp="1"/>
           </p:cNvSpPr>
@@ -3006,8 +5417,8 @@
         </p:nvSpPr>
         <p:spPr>
           <a:xfrm>
-            <a:off x="8610600" y="6356350"/>
-            <a:ext cx="2743200" cy="365125"/>
+            <a:off x="10514011" y="5883275"/>
+            <a:ext cx="753545" cy="365125"/>
           </a:xfrm>
           <a:prstGeom prst="rect">
             <a:avLst/>
@@ -3017,12 +5428,19 @@
           <a:bodyPr vert="horz" lIns="91440" tIns="45720" rIns="91440" bIns="45720" rtlCol="0" anchor="ctr"/>
           <a:lstStyle>
             <a:lvl1pPr algn="r">
-              <a:defRPr sz="1200">
+              <a:defRPr sz="1000">
                 <a:solidFill>
                   <a:schemeClr val="tx1">
-                    <a:tint val="75000"/>
+                    <a:lumMod val="95000"/>
                   </a:schemeClr>
                 </a:solidFill>
+                <a:effectLst>
+                  <a:outerShdw blurRad="50800" dist="38100" dir="2700000" algn="tl" rotWithShape="0">
+                    <a:schemeClr val="bg1">
+                      <a:alpha val="43000"/>
+                    </a:schemeClr>
+                  </a:outerShdw>
+                </a:effectLst>
               </a:defRPr>
             </a:lvl1pPr>
           </a:lstStyle>
@@ -3038,202 +5456,457 @@
     </p:spTree>
     <p:extLst>
       <p:ext uri="{BB962C8B-B14F-4D97-AF65-F5344CB8AC3E}">
-        <p14:creationId xmlns:p14="http://schemas.microsoft.com/office/powerpoint/2010/main" val="1455524112"/>
+        <p14:creationId xmlns:p14="http://schemas.microsoft.com/office/powerpoint/2010/main" val="3476596910"/>
       </p:ext>
     </p:extLst>
   </p:cSld>
-  <p:clrMap bg1="lt1" tx1="dk1" bg2="lt2" tx2="dk2" accent1="accent1" accent2="accent2" accent3="accent3" accent4="accent4" accent5="accent5" accent6="accent6" hlink="hlink" folHlink="folHlink"/>
+  <p:clrMap bg1="dk1" tx1="lt1" bg2="dk2" tx2="lt2" accent1="accent1" accent2="accent2" accent3="accent3" accent4="accent4" accent5="accent5" accent6="accent6" hlink="hlink" folHlink="folHlink"/>
   <p:sldLayoutIdLst>
-    <p:sldLayoutId id="2147483649" r:id="rId1"/>
-    <p:sldLayoutId id="2147483650" r:id="rId2"/>
-    <p:sldLayoutId id="2147483651" r:id="rId3"/>
-    <p:sldLayoutId id="2147483652" r:id="rId4"/>
-    <p:sldLayoutId id="2147483653" r:id="rId5"/>
-    <p:sldLayoutId id="2147483654" r:id="rId6"/>
-    <p:sldLayoutId id="2147483655" r:id="rId7"/>
-    <p:sldLayoutId id="2147483656" r:id="rId8"/>
-    <p:sldLayoutId id="2147483657" r:id="rId9"/>
-    <p:sldLayoutId id="2147483658" r:id="rId10"/>
-    <p:sldLayoutId id="2147483659" r:id="rId11"/>
+    <p:sldLayoutId id="2147483774" r:id="rId1"/>
+    <p:sldLayoutId id="2147483775" r:id="rId2"/>
+    <p:sldLayoutId id="2147483776" r:id="rId3"/>
+    <p:sldLayoutId id="2147483777" r:id="rId4"/>
+    <p:sldLayoutId id="2147483778" r:id="rId5"/>
+    <p:sldLayoutId id="2147483779" r:id="rId6"/>
+    <p:sldLayoutId id="2147483780" r:id="rId7"/>
+    <p:sldLayoutId id="2147483781" r:id="rId8"/>
+    <p:sldLayoutId id="2147483782" r:id="rId9"/>
+    <p:sldLayoutId id="2147483783" r:id="rId10"/>
+    <p:sldLayoutId id="2147483784" r:id="rId11"/>
+    <p:sldLayoutId id="2147483785" r:id="rId12"/>
+    <p:sldLayoutId id="2147483786" r:id="rId13"/>
+    <p:sldLayoutId id="2147483787" r:id="rId14"/>
+    <p:sldLayoutId id="2147483788" r:id="rId15"/>
+    <p:sldLayoutId id="2147483789" r:id="rId16"/>
+    <p:sldLayoutId id="2147483790" r:id="rId17"/>
   </p:sldLayoutIdLst>
   <p:txStyles>
     <p:titleStyle>
-      <a:lvl1pPr algn="l" defTabSz="914400" rtl="0" eaLnBrk="1" latinLnBrk="0" hangingPunct="1">
-        <a:lnSpc>
-          <a:spcPct val="90000"/>
-        </a:lnSpc>
+      <a:lvl1pPr algn="ctr" defTabSz="457200" rtl="0" eaLnBrk="1" latinLnBrk="0" hangingPunct="1">
         <a:spcBef>
           <a:spcPct val="0"/>
         </a:spcBef>
         <a:buNone/>
-        <a:defRPr sz="4400" kern="1200">
+        <a:defRPr sz="4000" kern="1200">
+          <a:ln>
+            <a:solidFill>
+              <a:schemeClr val="bg1">
+                <a:lumMod val="75000"/>
+                <a:lumOff val="25000"/>
+                <a:alpha val="10000"/>
+              </a:schemeClr>
+            </a:solidFill>
+          </a:ln>
           <a:solidFill>
-            <a:schemeClr val="tx1"/>
+            <a:schemeClr val="tx2"/>
           </a:solidFill>
+          <a:effectLst>
+            <a:outerShdw blurRad="9525" dist="25400" dir="14640000" algn="tl" rotWithShape="0">
+              <a:schemeClr val="bg1">
+                <a:alpha val="30000"/>
+              </a:schemeClr>
+            </a:outerShdw>
+          </a:effectLst>
           <a:latin typeface="+mj-lt"/>
           <a:ea typeface="+mj-ea"/>
-          <a:cs typeface="+mj-cs"/>
+          <a:cs typeface="Trebuchet MS"/>
         </a:defRPr>
       </a:lvl1pPr>
+      <a:lvl2pPr eaLnBrk="1" hangingPunct="1">
+        <a:defRPr>
+          <a:solidFill>
+            <a:schemeClr val="tx2"/>
+          </a:solidFill>
+        </a:defRPr>
+      </a:lvl2pPr>
+      <a:lvl3pPr eaLnBrk="1" hangingPunct="1">
+        <a:defRPr>
+          <a:solidFill>
+            <a:schemeClr val="tx2"/>
+          </a:solidFill>
+        </a:defRPr>
+      </a:lvl3pPr>
+      <a:lvl4pPr eaLnBrk="1" hangingPunct="1">
+        <a:defRPr>
+          <a:solidFill>
+            <a:schemeClr val="tx2"/>
+          </a:solidFill>
+        </a:defRPr>
+      </a:lvl4pPr>
+      <a:lvl5pPr eaLnBrk="1" hangingPunct="1">
+        <a:defRPr>
+          <a:solidFill>
+            <a:schemeClr val="tx2"/>
+          </a:solidFill>
+        </a:defRPr>
+      </a:lvl5pPr>
+      <a:lvl6pPr eaLnBrk="1" hangingPunct="1">
+        <a:defRPr>
+          <a:solidFill>
+            <a:schemeClr val="tx2"/>
+          </a:solidFill>
+        </a:defRPr>
+      </a:lvl6pPr>
+      <a:lvl7pPr eaLnBrk="1" hangingPunct="1">
+        <a:defRPr>
+          <a:solidFill>
+            <a:schemeClr val="tx2"/>
+          </a:solidFill>
+        </a:defRPr>
+      </a:lvl7pPr>
+      <a:lvl8pPr eaLnBrk="1" hangingPunct="1">
+        <a:defRPr>
+          <a:solidFill>
+            <a:schemeClr val="tx2"/>
+          </a:solidFill>
+        </a:defRPr>
+      </a:lvl8pPr>
+      <a:lvl9pPr eaLnBrk="1" hangingPunct="1">
+        <a:defRPr>
+          <a:solidFill>
+            <a:schemeClr val="tx2"/>
+          </a:solidFill>
+        </a:defRPr>
+      </a:lvl9pPr>
     </p:titleStyle>
     <p:bodyStyle>
-      <a:lvl1pPr marL="228600" indent="-228600" algn="l" defTabSz="914400" rtl="0" eaLnBrk="1" latinLnBrk="0" hangingPunct="1">
-        <a:lnSpc>
-          <a:spcPct val="90000"/>
-        </a:lnSpc>
+      <a:lvl1pPr marL="342900" indent="-306000" algn="l" defTabSz="457200" rtl="0" eaLnBrk="1" latinLnBrk="0" hangingPunct="1">
         <a:spcBef>
-          <a:spcPts val="1000"/>
+          <a:spcPct val="20000"/>
         </a:spcBef>
-        <a:buFont typeface="Arial" panose="020B0604020202020204" pitchFamily="34" charset="0"/>
-        <a:buChar char="•"/>
-        <a:defRPr sz="2800" kern="1200">
+        <a:spcAft>
+          <a:spcPts val="600"/>
+        </a:spcAft>
+        <a:buClr>
+          <a:schemeClr val="tx2"/>
+        </a:buClr>
+        <a:buSzPct val="70000"/>
+        <a:buFont typeface="Wingdings 2" charset="2"/>
+        <a:buChar char=""/>
+        <a:defRPr sz="2000" kern="1200">
+          <a:ln>
+            <a:solidFill>
+              <a:schemeClr val="bg1">
+                <a:lumMod val="75000"/>
+                <a:lumOff val="25000"/>
+                <a:alpha val="10000"/>
+              </a:schemeClr>
+            </a:solidFill>
+          </a:ln>
           <a:solidFill>
-            <a:schemeClr val="tx1"/>
+            <a:schemeClr val="tx2"/>
           </a:solidFill>
+          <a:effectLst>
+            <a:outerShdw blurRad="9525" dist="25400" dir="14640000" algn="tl" rotWithShape="0">
+              <a:schemeClr val="bg1">
+                <a:alpha val="30000"/>
+              </a:schemeClr>
+            </a:outerShdw>
+          </a:effectLst>
           <a:latin typeface="+mn-lt"/>
           <a:ea typeface="+mn-ea"/>
           <a:cs typeface="+mn-cs"/>
         </a:defRPr>
       </a:lvl1pPr>
-      <a:lvl2pPr marL="685800" indent="-228600" algn="l" defTabSz="914400" rtl="0" eaLnBrk="1" latinLnBrk="0" hangingPunct="1">
-        <a:lnSpc>
-          <a:spcPct val="90000"/>
-        </a:lnSpc>
+      <a:lvl2pPr marL="720000" indent="-270000" algn="l" defTabSz="457200" rtl="0" eaLnBrk="1" latinLnBrk="0" hangingPunct="1">
         <a:spcBef>
-          <a:spcPts val="500"/>
+          <a:spcPct val="20000"/>
         </a:spcBef>
-        <a:buFont typeface="Arial" panose="020B0604020202020204" pitchFamily="34" charset="0"/>
-        <a:buChar char="•"/>
-        <a:defRPr sz="2400" kern="1200">
+        <a:spcAft>
+          <a:spcPts val="600"/>
+        </a:spcAft>
+        <a:buClr>
+          <a:schemeClr val="tx2"/>
+        </a:buClr>
+        <a:buSzPct val="70000"/>
+        <a:buFont typeface="Wingdings 2" charset="2"/>
+        <a:buChar char=""/>
+        <a:defRPr sz="1800" kern="1200">
+          <a:ln>
+            <a:solidFill>
+              <a:schemeClr val="bg1">
+                <a:lumMod val="75000"/>
+                <a:lumOff val="25000"/>
+                <a:alpha val="10000"/>
+              </a:schemeClr>
+            </a:solidFill>
+          </a:ln>
           <a:solidFill>
-            <a:schemeClr val="tx1"/>
+            <a:schemeClr val="tx2"/>
           </a:solidFill>
+          <a:effectLst>
+            <a:outerShdw blurRad="9525" dist="25400" dir="14640000" algn="tl" rotWithShape="0">
+              <a:schemeClr val="bg1">
+                <a:alpha val="30000"/>
+              </a:schemeClr>
+            </a:outerShdw>
+          </a:effectLst>
           <a:latin typeface="+mn-lt"/>
           <a:ea typeface="+mn-ea"/>
           <a:cs typeface="+mn-cs"/>
         </a:defRPr>
       </a:lvl2pPr>
-      <a:lvl3pPr marL="1143000" indent="-228600" algn="l" defTabSz="914400" rtl="0" eaLnBrk="1" latinLnBrk="0" hangingPunct="1">
-        <a:lnSpc>
-          <a:spcPct val="90000"/>
-        </a:lnSpc>
+      <a:lvl3pPr marL="1026000" indent="-216000" algn="l" defTabSz="457200" rtl="0" eaLnBrk="1" latinLnBrk="0" hangingPunct="1">
         <a:spcBef>
-          <a:spcPts val="500"/>
+          <a:spcPct val="20000"/>
         </a:spcBef>
-        <a:buFont typeface="Arial" panose="020B0604020202020204" pitchFamily="34" charset="0"/>
-        <a:buChar char="•"/>
-        <a:defRPr sz="2000" kern="1200">
+        <a:spcAft>
+          <a:spcPts val="600"/>
+        </a:spcAft>
+        <a:buClr>
+          <a:schemeClr val="tx2"/>
+        </a:buClr>
+        <a:buSzPct val="70000"/>
+        <a:buFont typeface="Wingdings 2" charset="2"/>
+        <a:buChar char=""/>
+        <a:defRPr sz="1600" kern="1200">
+          <a:ln>
+            <a:solidFill>
+              <a:schemeClr val="bg1">
+                <a:lumMod val="75000"/>
+                <a:lumOff val="25000"/>
+                <a:alpha val="10000"/>
+              </a:schemeClr>
+            </a:solidFill>
+          </a:ln>
           <a:solidFill>
-            <a:schemeClr val="tx1"/>
+            <a:schemeClr val="tx2"/>
           </a:solidFill>
+          <a:effectLst>
+            <a:outerShdw blurRad="9525" dist="25400" dir="14640000" algn="tl" rotWithShape="0">
+              <a:schemeClr val="bg1">
+                <a:alpha val="30000"/>
+              </a:schemeClr>
+            </a:outerShdw>
+          </a:effectLst>
           <a:latin typeface="+mn-lt"/>
           <a:ea typeface="+mn-ea"/>
           <a:cs typeface="+mn-cs"/>
         </a:defRPr>
       </a:lvl3pPr>
-      <a:lvl4pPr marL="1600200" indent="-228600" algn="l" defTabSz="914400" rtl="0" eaLnBrk="1" latinLnBrk="0" hangingPunct="1">
-        <a:lnSpc>
-          <a:spcPct val="90000"/>
-        </a:lnSpc>
+      <a:lvl4pPr marL="1386000" indent="-216000" algn="l" defTabSz="457200" rtl="0" eaLnBrk="1" latinLnBrk="0" hangingPunct="1">
         <a:spcBef>
-          <a:spcPts val="500"/>
+          <a:spcPct val="20000"/>
         </a:spcBef>
-        <a:buFont typeface="Arial" panose="020B0604020202020204" pitchFamily="34" charset="0"/>
-        <a:buChar char="•"/>
-        <a:defRPr sz="1800" kern="1200">
+        <a:spcAft>
+          <a:spcPts val="600"/>
+        </a:spcAft>
+        <a:buClr>
+          <a:schemeClr val="tx2"/>
+        </a:buClr>
+        <a:buSzPct val="70000"/>
+        <a:buFont typeface="Wingdings 2" charset="2"/>
+        <a:buChar char=""/>
+        <a:defRPr sz="1400" kern="1200">
+          <a:ln>
+            <a:solidFill>
+              <a:schemeClr val="bg1">
+                <a:lumMod val="75000"/>
+                <a:lumOff val="25000"/>
+                <a:alpha val="10000"/>
+              </a:schemeClr>
+            </a:solidFill>
+          </a:ln>
           <a:solidFill>
-            <a:schemeClr val="tx1"/>
+            <a:schemeClr val="tx2"/>
           </a:solidFill>
+          <a:effectLst>
+            <a:outerShdw blurRad="9525" dist="25400" dir="14640000" algn="tl" rotWithShape="0">
+              <a:schemeClr val="bg1">
+                <a:alpha val="30000"/>
+              </a:schemeClr>
+            </a:outerShdw>
+          </a:effectLst>
           <a:latin typeface="+mn-lt"/>
           <a:ea typeface="+mn-ea"/>
           <a:cs typeface="+mn-cs"/>
         </a:defRPr>
       </a:lvl4pPr>
-      <a:lvl5pPr marL="2057400" indent="-228600" algn="l" defTabSz="914400" rtl="0" eaLnBrk="1" latinLnBrk="0" hangingPunct="1">
-        <a:lnSpc>
-          <a:spcPct val="90000"/>
-        </a:lnSpc>
+      <a:lvl5pPr marL="1674000" indent="-216000" algn="l" defTabSz="457200" rtl="0" eaLnBrk="1" latinLnBrk="0" hangingPunct="1">
         <a:spcBef>
-          <a:spcPts val="500"/>
+          <a:spcPct val="20000"/>
         </a:spcBef>
-        <a:buFont typeface="Arial" panose="020B0604020202020204" pitchFamily="34" charset="0"/>
-        <a:buChar char="•"/>
-        <a:defRPr sz="1800" kern="1200">
+        <a:spcAft>
+          <a:spcPts val="600"/>
+        </a:spcAft>
+        <a:buClr>
+          <a:schemeClr val="tx2"/>
+        </a:buClr>
+        <a:buSzPct val="70000"/>
+        <a:buFont typeface="Wingdings 2" charset="2"/>
+        <a:buChar char=""/>
+        <a:defRPr sz="1400" kern="1200">
+          <a:ln>
+            <a:solidFill>
+              <a:schemeClr val="bg1">
+                <a:lumMod val="75000"/>
+                <a:lumOff val="25000"/>
+                <a:alpha val="10000"/>
+              </a:schemeClr>
+            </a:solidFill>
+          </a:ln>
           <a:solidFill>
-            <a:schemeClr val="tx1"/>
+            <a:schemeClr val="tx2"/>
           </a:solidFill>
+          <a:effectLst>
+            <a:outerShdw blurRad="9525" dist="25400" dir="14640000" algn="tl" rotWithShape="0">
+              <a:schemeClr val="bg1">
+                <a:alpha val="30000"/>
+              </a:schemeClr>
+            </a:outerShdw>
+          </a:effectLst>
           <a:latin typeface="+mn-lt"/>
           <a:ea typeface="+mn-ea"/>
           <a:cs typeface="+mn-cs"/>
         </a:defRPr>
       </a:lvl5pPr>
-      <a:lvl6pPr marL="2514600" indent="-228600" algn="l" defTabSz="914400" rtl="0" eaLnBrk="1" latinLnBrk="0" hangingPunct="1">
-        <a:lnSpc>
-          <a:spcPct val="90000"/>
-        </a:lnSpc>
+      <a:lvl6pPr marL="2014600" indent="-228600" algn="l" defTabSz="457200" rtl="0" eaLnBrk="1" latinLnBrk="0" hangingPunct="1">
         <a:spcBef>
-          <a:spcPts val="500"/>
+          <a:spcPct val="20000"/>
         </a:spcBef>
-        <a:buFont typeface="Arial" panose="020B0604020202020204" pitchFamily="34" charset="0"/>
-        <a:buChar char="•"/>
-        <a:defRPr sz="1800" kern="1200">
+        <a:spcAft>
+          <a:spcPts val="600"/>
+        </a:spcAft>
+        <a:buClr>
+          <a:schemeClr val="tx2"/>
+        </a:buClr>
+        <a:buSzPct val="70000"/>
+        <a:buFont typeface="Wingdings 2" charset="2"/>
+        <a:buChar char=""/>
+        <a:defRPr sz="1400" kern="1200">
+          <a:ln>
+            <a:solidFill>
+              <a:schemeClr val="bg1">
+                <a:lumMod val="75000"/>
+                <a:lumOff val="25000"/>
+                <a:alpha val="10000"/>
+              </a:schemeClr>
+            </a:solidFill>
+          </a:ln>
           <a:solidFill>
-            <a:schemeClr val="tx1"/>
+            <a:schemeClr val="tx2"/>
           </a:solidFill>
+          <a:effectLst>
+            <a:outerShdw blurRad="9525" dist="25400" dir="14640000" algn="tl" rotWithShape="0">
+              <a:schemeClr val="bg1">
+                <a:alpha val="30000"/>
+              </a:schemeClr>
+            </a:outerShdw>
+          </a:effectLst>
           <a:latin typeface="+mn-lt"/>
           <a:ea typeface="+mn-ea"/>
           <a:cs typeface="+mn-cs"/>
         </a:defRPr>
       </a:lvl6pPr>
-      <a:lvl7pPr marL="2971800" indent="-228600" algn="l" defTabSz="914400" rtl="0" eaLnBrk="1" latinLnBrk="0" hangingPunct="1">
-        <a:lnSpc>
-          <a:spcPct val="90000"/>
-        </a:lnSpc>
+      <a:lvl7pPr marL="2401800" indent="-228600" algn="l" defTabSz="457200" rtl="0" eaLnBrk="1" latinLnBrk="0" hangingPunct="1">
         <a:spcBef>
-          <a:spcPts val="500"/>
+          <a:spcPct val="20000"/>
         </a:spcBef>
-        <a:buFont typeface="Arial" panose="020B0604020202020204" pitchFamily="34" charset="0"/>
-        <a:buChar char="•"/>
-        <a:defRPr sz="1800" kern="1200">
+        <a:spcAft>
+          <a:spcPts val="600"/>
+        </a:spcAft>
+        <a:buClr>
+          <a:schemeClr val="tx2"/>
+        </a:buClr>
+        <a:buSzPct val="70000"/>
+        <a:buFont typeface="Wingdings 2" charset="2"/>
+        <a:buChar char=""/>
+        <a:defRPr sz="1400" kern="1200">
+          <a:ln>
+            <a:solidFill>
+              <a:schemeClr val="bg1">
+                <a:lumMod val="75000"/>
+                <a:lumOff val="25000"/>
+                <a:alpha val="10000"/>
+              </a:schemeClr>
+            </a:solidFill>
+          </a:ln>
           <a:solidFill>
-            <a:schemeClr val="tx1"/>
+            <a:schemeClr val="tx2"/>
           </a:solidFill>
+          <a:effectLst>
+            <a:outerShdw blurRad="9525" dist="25400" dir="14640000" algn="tl" rotWithShape="0">
+              <a:schemeClr val="bg1">
+                <a:alpha val="30000"/>
+              </a:schemeClr>
+            </a:outerShdw>
+          </a:effectLst>
           <a:latin typeface="+mn-lt"/>
           <a:ea typeface="+mn-ea"/>
           <a:cs typeface="+mn-cs"/>
         </a:defRPr>
       </a:lvl7pPr>
-      <a:lvl8pPr marL="3429000" indent="-228600" algn="l" defTabSz="914400" rtl="0" eaLnBrk="1" latinLnBrk="0" hangingPunct="1">
-        <a:lnSpc>
-          <a:spcPct val="90000"/>
-        </a:lnSpc>
+      <a:lvl8pPr marL="2789000" indent="-228600" algn="l" defTabSz="457200" rtl="0" eaLnBrk="1" latinLnBrk="0" hangingPunct="1">
         <a:spcBef>
-          <a:spcPts val="500"/>
+          <a:spcPct val="20000"/>
         </a:spcBef>
-        <a:buFont typeface="Arial" panose="020B0604020202020204" pitchFamily="34" charset="0"/>
-        <a:buChar char="•"/>
-        <a:defRPr sz="1800" kern="1200">
+        <a:spcAft>
+          <a:spcPts val="600"/>
+        </a:spcAft>
+        <a:buClr>
+          <a:schemeClr val="tx2"/>
+        </a:buClr>
+        <a:buSzPct val="70000"/>
+        <a:buFont typeface="Wingdings 2" charset="2"/>
+        <a:buChar char=""/>
+        <a:defRPr sz="1400" kern="1200">
+          <a:ln>
+            <a:solidFill>
+              <a:schemeClr val="bg1">
+                <a:lumMod val="75000"/>
+                <a:lumOff val="25000"/>
+                <a:alpha val="10000"/>
+              </a:schemeClr>
+            </a:solidFill>
+          </a:ln>
           <a:solidFill>
-            <a:schemeClr val="tx1"/>
+            <a:schemeClr val="tx2"/>
           </a:solidFill>
+          <a:effectLst>
+            <a:outerShdw blurRad="9525" dist="25400" dir="14640000" algn="tl" rotWithShape="0">
+              <a:schemeClr val="bg1">
+                <a:alpha val="30000"/>
+              </a:schemeClr>
+            </a:outerShdw>
+          </a:effectLst>
           <a:latin typeface="+mn-lt"/>
           <a:ea typeface="+mn-ea"/>
           <a:cs typeface="+mn-cs"/>
         </a:defRPr>
       </a:lvl8pPr>
-      <a:lvl9pPr marL="3886200" indent="-228600" algn="l" defTabSz="914400" rtl="0" eaLnBrk="1" latinLnBrk="0" hangingPunct="1">
-        <a:lnSpc>
-          <a:spcPct val="90000"/>
-        </a:lnSpc>
+      <a:lvl9pPr marL="3106200" indent="-228600" algn="l" defTabSz="457200" rtl="0" eaLnBrk="1" latinLnBrk="0" hangingPunct="1">
         <a:spcBef>
-          <a:spcPts val="500"/>
+          <a:spcPct val="20000"/>
         </a:spcBef>
-        <a:buFont typeface="Arial" panose="020B0604020202020204" pitchFamily="34" charset="0"/>
-        <a:buChar char="•"/>
-        <a:defRPr sz="1800" kern="1200">
+        <a:spcAft>
+          <a:spcPts val="600"/>
+        </a:spcAft>
+        <a:buClr>
+          <a:schemeClr val="tx2"/>
+        </a:buClr>
+        <a:buSzPct val="70000"/>
+        <a:buFont typeface="Wingdings 2" charset="2"/>
+        <a:buChar char=""/>
+        <a:defRPr sz="1400" kern="1200">
+          <a:ln>
+            <a:solidFill>
+              <a:schemeClr val="bg1">
+                <a:lumMod val="75000"/>
+                <a:lumOff val="25000"/>
+                <a:alpha val="10000"/>
+              </a:schemeClr>
+            </a:solidFill>
+          </a:ln>
           <a:solidFill>
-            <a:schemeClr val="tx1"/>
+            <a:schemeClr val="tx2"/>
           </a:solidFill>
+          <a:effectLst>
+            <a:outerShdw blurRad="9525" dist="25400" dir="14640000" algn="tl" rotWithShape="0">
+              <a:schemeClr val="bg1">
+                <a:alpha val="30000"/>
+              </a:schemeClr>
+            </a:outerShdw>
+          </a:effectLst>
           <a:latin typeface="+mn-lt"/>
           <a:ea typeface="+mn-ea"/>
           <a:cs typeface="+mn-cs"/>
@@ -3244,7 +5917,7 @@
       <a:defPPr>
         <a:defRPr lang="en-US"/>
       </a:defPPr>
-      <a:lvl1pPr marL="0" algn="l" defTabSz="914400" rtl="0" eaLnBrk="1" latinLnBrk="0" hangingPunct="1">
+      <a:lvl1pPr marL="0" algn="l" defTabSz="457200" rtl="0" eaLnBrk="1" latinLnBrk="0" hangingPunct="1">
         <a:defRPr sz="1800" kern="1200">
           <a:solidFill>
             <a:schemeClr val="tx1"/>
@@ -3254,7 +5927,7 @@
           <a:cs typeface="+mn-cs"/>
         </a:defRPr>
       </a:lvl1pPr>
-      <a:lvl2pPr marL="457200" algn="l" defTabSz="914400" rtl="0" eaLnBrk="1" latinLnBrk="0" hangingPunct="1">
+      <a:lvl2pPr marL="457200" algn="l" defTabSz="457200" rtl="0" eaLnBrk="1" latinLnBrk="0" hangingPunct="1">
         <a:defRPr sz="1800" kern="1200">
           <a:solidFill>
             <a:schemeClr val="tx1"/>
@@ -3264,7 +5937,7 @@
           <a:cs typeface="+mn-cs"/>
         </a:defRPr>
       </a:lvl2pPr>
-      <a:lvl3pPr marL="914400" algn="l" defTabSz="914400" rtl="0" eaLnBrk="1" latinLnBrk="0" hangingPunct="1">
+      <a:lvl3pPr marL="914400" algn="l" defTabSz="457200" rtl="0" eaLnBrk="1" latinLnBrk="0" hangingPunct="1">
         <a:defRPr sz="1800" kern="1200">
           <a:solidFill>
             <a:schemeClr val="tx1"/>
@@ -3274,7 +5947,7 @@
           <a:cs typeface="+mn-cs"/>
         </a:defRPr>
       </a:lvl3pPr>
-      <a:lvl4pPr marL="1371600" algn="l" defTabSz="914400" rtl="0" eaLnBrk="1" latinLnBrk="0" hangingPunct="1">
+      <a:lvl4pPr marL="1371600" algn="l" defTabSz="457200" rtl="0" eaLnBrk="1" latinLnBrk="0" hangingPunct="1">
         <a:defRPr sz="1800" kern="1200">
           <a:solidFill>
             <a:schemeClr val="tx1"/>
@@ -3284,7 +5957,7 @@
           <a:cs typeface="+mn-cs"/>
         </a:defRPr>
       </a:lvl4pPr>
-      <a:lvl5pPr marL="1828800" algn="l" defTabSz="914400" rtl="0" eaLnBrk="1" latinLnBrk="0" hangingPunct="1">
+      <a:lvl5pPr marL="1828800" algn="l" defTabSz="457200" rtl="0" eaLnBrk="1" latinLnBrk="0" hangingPunct="1">
         <a:defRPr sz="1800" kern="1200">
           <a:solidFill>
             <a:schemeClr val="tx1"/>
@@ -3294,7 +5967,7 @@
           <a:cs typeface="+mn-cs"/>
         </a:defRPr>
       </a:lvl5pPr>
-      <a:lvl6pPr marL="2286000" algn="l" defTabSz="914400" rtl="0" eaLnBrk="1" latinLnBrk="0" hangingPunct="1">
+      <a:lvl6pPr marL="2286000" algn="l" defTabSz="457200" rtl="0" eaLnBrk="1" latinLnBrk="0" hangingPunct="1">
         <a:defRPr sz="1800" kern="1200">
           <a:solidFill>
             <a:schemeClr val="tx1"/>
@@ -3304,7 +5977,7 @@
           <a:cs typeface="+mn-cs"/>
         </a:defRPr>
       </a:lvl6pPr>
-      <a:lvl7pPr marL="2743200" algn="l" defTabSz="914400" rtl="0" eaLnBrk="1" latinLnBrk="0" hangingPunct="1">
+      <a:lvl7pPr marL="2743200" algn="l" defTabSz="457200" rtl="0" eaLnBrk="1" latinLnBrk="0" hangingPunct="1">
         <a:defRPr sz="1800" kern="1200">
           <a:solidFill>
             <a:schemeClr val="tx1"/>
@@ -3314,7 +5987,7 @@
           <a:cs typeface="+mn-cs"/>
         </a:defRPr>
       </a:lvl7pPr>
-      <a:lvl8pPr marL="3200400" algn="l" defTabSz="914400" rtl="0" eaLnBrk="1" latinLnBrk="0" hangingPunct="1">
+      <a:lvl8pPr marL="3200400" algn="l" defTabSz="457200" rtl="0" eaLnBrk="1" latinLnBrk="0" hangingPunct="1">
         <a:defRPr sz="1800" kern="1200">
           <a:solidFill>
             <a:schemeClr val="tx1"/>
@@ -3324,7 +5997,7 @@
           <a:cs typeface="+mn-cs"/>
         </a:defRPr>
       </a:lvl8pPr>
-      <a:lvl9pPr marL="3657600" algn="l" defTabSz="914400" rtl="0" eaLnBrk="1" latinLnBrk="0" hangingPunct="1">
+      <a:lvl9pPr marL="3657600" algn="l" defTabSz="457200" rtl="0" eaLnBrk="1" latinLnBrk="0" hangingPunct="1">
         <a:defRPr sz="1800" kern="1200">
           <a:solidFill>
             <a:schemeClr val="tx1"/>
@@ -3356,43 +6029,6 @@
           <a:chExt cx="0" cy="0"/>
         </a:xfrm>
       </p:grpSpPr>
-      <p:pic>
-        <p:nvPicPr>
-          <p:cNvPr id="5" name="Picture 4">
-            <a:extLst>
-              <a:ext uri="{FF2B5EF4-FFF2-40B4-BE49-F238E27FC236}">
-                <a16:creationId xmlns:a16="http://schemas.microsoft.com/office/drawing/2014/main" id="{CAC47756-C7E0-418C-9F2D-6C7D2C48A2BF}"/>
-              </a:ext>
-            </a:extLst>
-          </p:cNvPr>
-          <p:cNvPicPr>
-            <a:picLocks noChangeAspect="1"/>
-          </p:cNvPicPr>
-          <p:nvPr/>
-        </p:nvPicPr>
-        <p:blipFill>
-          <a:blip r:embed="rId2">
-            <a:alphaModFix/>
-            <a:extLst>
-              <a:ext uri="{28A0092B-C50C-407E-A947-70E740481C1C}">
-                <a14:useLocalDpi xmlns:a14="http://schemas.microsoft.com/office/drawing/2010/main" val="0"/>
-              </a:ext>
-            </a:extLst>
-          </a:blip>
-          <a:stretch>
-            <a:fillRect/>
-          </a:stretch>
-        </p:blipFill>
-        <p:spPr>
-          <a:xfrm>
-            <a:off x="0" y="0"/>
-            <a:ext cx="12192000" cy="6858000"/>
-          </a:xfrm>
-          <a:prstGeom prst="rect">
-            <a:avLst/>
-          </a:prstGeom>
-        </p:spPr>
-      </p:pic>
       <p:sp>
         <p:nvSpPr>
           <p:cNvPr id="6" name="Title 5">
@@ -3412,7 +6048,7 @@
         <p:spPr>
           <a:xfrm>
             <a:off x="0" y="0"/>
-            <a:ext cx="12191999" cy="726141"/>
+            <a:ext cx="12191999" cy="1452282"/>
           </a:xfrm>
         </p:spPr>
         <p:txBody>
@@ -3423,9 +6059,9 @@
           <a:p>
             <a:pPr algn="ctr"/>
             <a:r>
-              <a:rPr lang="en-GB" b="1" dirty="0">
+              <a:rPr lang="en-GB" sz="5400" b="1" dirty="0">
                 <a:solidFill>
-                  <a:schemeClr val="bg1"/>
+                  <a:schemeClr val="tx1"/>
                 </a:solidFill>
                 <a:latin typeface="Microsoft Sans Serif" panose="020B0604020202020204" pitchFamily="34" charset="0"/>
                 <a:ea typeface="Microsoft Sans Serif" panose="020B0604020202020204" pitchFamily="34" charset="0"/>
@@ -3433,9 +6069,9 @@
               </a:rPr>
               <a:t>Expense Tracker</a:t>
             </a:r>
-            <a:endParaRPr lang="en-IN" b="1" dirty="0">
+            <a:endParaRPr lang="en-IN" sz="5400" b="1" dirty="0">
               <a:solidFill>
-                <a:schemeClr val="bg1"/>
+                <a:schemeClr val="tx1"/>
               </a:solidFill>
               <a:latin typeface="Microsoft Sans Serif" panose="020B0604020202020204" pitchFamily="34" charset="0"/>
               <a:ea typeface="Microsoft Sans Serif" panose="020B0604020202020204" pitchFamily="34" charset="0"/>
@@ -3458,8 +6094,8 @@
         </p:nvSpPr>
         <p:spPr>
           <a:xfrm>
-            <a:off x="7696200" y="5903893"/>
-            <a:ext cx="4495800" cy="954107"/>
+            <a:off x="7171763" y="4905801"/>
+            <a:ext cx="4701990" cy="1384995"/>
           </a:xfrm>
           <a:prstGeom prst="rect">
             <a:avLst/>
@@ -3473,28 +6109,54 @@
           <a:lstStyle/>
           <a:p>
             <a:r>
-              <a:rPr lang="en-GB" sz="2800" dirty="0">
-                <a:solidFill>
-                  <a:schemeClr val="bg1"/>
-                </a:solidFill>
-              </a:rPr>
+              <a:rPr lang="en-GB" sz="2800" dirty="0"/>
+              <a:t>Submitted by</a:t>
+            </a:r>
+          </a:p>
+          <a:p>
+            <a:r>
+              <a:rPr lang="en-GB" sz="2800" dirty="0"/>
               <a:t>Intern Roll No: MST03-0024</a:t>
             </a:r>
           </a:p>
           <a:p>
             <a:r>
-              <a:rPr lang="en-GB" sz="2800" dirty="0">
-                <a:solidFill>
-                  <a:schemeClr val="bg1"/>
-                </a:solidFill>
-              </a:rPr>
+              <a:rPr lang="en-GB" sz="2800" dirty="0"/>
               <a:t>Name: Vijaiey Anand S</a:t>
             </a:r>
-            <a:endParaRPr lang="en-IN" sz="2800" dirty="0">
-              <a:solidFill>
-                <a:schemeClr val="bg1"/>
-              </a:solidFill>
-            </a:endParaRPr>
+            <a:endParaRPr lang="en-IN" sz="2800" dirty="0"/>
+          </a:p>
+        </p:txBody>
+      </p:sp>
+      <p:sp>
+        <p:nvSpPr>
+          <p:cNvPr id="4" name="TextBox 3">
+            <a:extLst>
+              <a:ext uri="{FF2B5EF4-FFF2-40B4-BE49-F238E27FC236}">
+                <a16:creationId xmlns:a16="http://schemas.microsoft.com/office/drawing/2014/main" id="{B7F8BDC1-809D-4348-8B05-57F697C64202}"/>
+              </a:ext>
+            </a:extLst>
+          </p:cNvPr>
+          <p:cNvSpPr txBox="1"/>
+          <p:nvPr/>
+        </p:nvSpPr>
+        <p:spPr>
+          <a:xfrm>
+            <a:off x="6095999" y="3567954"/>
+            <a:ext cx="4701990" cy="523220"/>
+          </a:xfrm>
+          <a:prstGeom prst="rect">
+            <a:avLst/>
+          </a:prstGeom>
+          <a:noFill/>
+        </p:spPr>
+        <p:txBody>
+          <a:bodyPr wrap="square" rtlCol="0">
+            <a:spAutoFit/>
+          </a:bodyPr>
+          <a:lstStyle/>
+          <a:p>
+            <a:endParaRPr lang="en-GB" sz="2800" dirty="0"/>
           </a:p>
         </p:txBody>
       </p:sp>
@@ -3533,6 +6195,157 @@
           <p:cNvPr id="2" name="Title 1">
             <a:extLst>
               <a:ext uri="{FF2B5EF4-FFF2-40B4-BE49-F238E27FC236}">
+                <a16:creationId xmlns:a16="http://schemas.microsoft.com/office/drawing/2014/main" id="{A5C495A2-A3D3-4246-923A-E17124CCD678}"/>
+              </a:ext>
+            </a:extLst>
+          </p:cNvPr>
+          <p:cNvSpPr>
+            <a:spLocks noGrp="1"/>
+          </p:cNvSpPr>
+          <p:nvPr>
+            <p:ph type="title"/>
+          </p:nvPr>
+        </p:nvSpPr>
+        <p:spPr>
+          <a:xfrm>
+            <a:off x="838200" y="365126"/>
+            <a:ext cx="10515600" cy="1019922"/>
+          </a:xfrm>
+        </p:spPr>
+        <p:txBody>
+          <a:bodyPr/>
+          <a:lstStyle/>
+          <a:p>
+            <a:pPr algn="ctr"/>
+            <a:r>
+              <a:rPr lang="en-IN" b="1" i="0" dirty="0">
+                <a:effectLst/>
+                <a:latin typeface="Microsoft Sans Serif" panose="020B0604020202020204" pitchFamily="34" charset="0"/>
+                <a:ea typeface="Microsoft Sans Serif" panose="020B0604020202020204" pitchFamily="34" charset="0"/>
+                <a:cs typeface="Microsoft Sans Serif" panose="020B0604020202020204" pitchFamily="34" charset="0"/>
+              </a:rPr>
+              <a:t>Conclusion</a:t>
+            </a:r>
+            <a:endParaRPr lang="en-IN" dirty="0">
+              <a:latin typeface="Microsoft Sans Serif" panose="020B0604020202020204" pitchFamily="34" charset="0"/>
+              <a:ea typeface="Microsoft Sans Serif" panose="020B0604020202020204" pitchFamily="34" charset="0"/>
+              <a:cs typeface="Microsoft Sans Serif" panose="020B0604020202020204" pitchFamily="34" charset="0"/>
+            </a:endParaRPr>
+          </a:p>
+        </p:txBody>
+      </p:sp>
+      <p:sp>
+        <p:nvSpPr>
+          <p:cNvPr id="3" name="Content Placeholder 2">
+            <a:extLst>
+              <a:ext uri="{FF2B5EF4-FFF2-40B4-BE49-F238E27FC236}">
+                <a16:creationId xmlns:a16="http://schemas.microsoft.com/office/drawing/2014/main" id="{F9AD96ED-D053-45CA-9135-1D21B2905B3A}"/>
+              </a:ext>
+            </a:extLst>
+          </p:cNvPr>
+          <p:cNvSpPr>
+            <a:spLocks noGrp="1"/>
+          </p:cNvSpPr>
+          <p:nvPr>
+            <p:ph idx="1"/>
+          </p:nvPr>
+        </p:nvSpPr>
+        <p:spPr>
+          <a:xfrm>
+            <a:off x="838200" y="2104464"/>
+            <a:ext cx="10515600" cy="2649071"/>
+          </a:xfrm>
+        </p:spPr>
+        <p:txBody>
+          <a:bodyPr/>
+          <a:lstStyle/>
+          <a:p>
+            <a:r>
+              <a:rPr lang="en-GB" dirty="0">
+                <a:latin typeface="Microsoft Sans Serif" panose="020B0604020202020204" pitchFamily="34" charset="0"/>
+                <a:ea typeface="Microsoft Sans Serif" panose="020B0604020202020204" pitchFamily="34" charset="0"/>
+                <a:cs typeface="Microsoft Sans Serif" panose="020B0604020202020204" pitchFamily="34" charset="0"/>
+              </a:rPr>
+              <a:t>User-friendly solution for effective financial management</a:t>
+            </a:r>
+          </a:p>
+          <a:p>
+            <a:r>
+              <a:rPr lang="en-GB" dirty="0">
+                <a:latin typeface="Microsoft Sans Serif" panose="020B0604020202020204" pitchFamily="34" charset="0"/>
+                <a:ea typeface="Microsoft Sans Serif" panose="020B0604020202020204" pitchFamily="34" charset="0"/>
+                <a:cs typeface="Microsoft Sans Serif" panose="020B0604020202020204" pitchFamily="34" charset="0"/>
+              </a:rPr>
+              <a:t>Dynamic visualization </a:t>
+            </a:r>
+          </a:p>
+          <a:p>
+            <a:r>
+              <a:rPr lang="en-GB" dirty="0">
+                <a:latin typeface="Microsoft Sans Serif" panose="020B0604020202020204" pitchFamily="34" charset="0"/>
+                <a:ea typeface="Microsoft Sans Serif" panose="020B0604020202020204" pitchFamily="34" charset="0"/>
+                <a:cs typeface="Microsoft Sans Serif" panose="020B0604020202020204" pitchFamily="34" charset="0"/>
+              </a:rPr>
+              <a:t>Key insights at your fingertips</a:t>
+            </a:r>
+          </a:p>
+          <a:p>
+            <a:r>
+              <a:rPr lang="en-GB" dirty="0">
+                <a:latin typeface="Microsoft Sans Serif" panose="020B0604020202020204" pitchFamily="34" charset="0"/>
+                <a:ea typeface="Microsoft Sans Serif" panose="020B0604020202020204" pitchFamily="34" charset="0"/>
+                <a:cs typeface="Microsoft Sans Serif" panose="020B0604020202020204" pitchFamily="34" charset="0"/>
+              </a:rPr>
+              <a:t>Informed decisions</a:t>
+            </a:r>
+          </a:p>
+          <a:p>
+            <a:r>
+              <a:rPr lang="en-GB" dirty="0">
+                <a:latin typeface="Microsoft Sans Serif" panose="020B0604020202020204" pitchFamily="34" charset="0"/>
+                <a:ea typeface="Microsoft Sans Serif" panose="020B0604020202020204" pitchFamily="34" charset="0"/>
+                <a:cs typeface="Microsoft Sans Serif" panose="020B0604020202020204" pitchFamily="34" charset="0"/>
+              </a:rPr>
+              <a:t>Know where you are spending</a:t>
+            </a:r>
+          </a:p>
+        </p:txBody>
+      </p:sp>
+    </p:spTree>
+    <p:extLst>
+      <p:ext uri="{BB962C8B-B14F-4D97-AF65-F5344CB8AC3E}">
+        <p14:creationId xmlns:p14="http://schemas.microsoft.com/office/powerpoint/2010/main" val="3548761497"/>
+      </p:ext>
+    </p:extLst>
+  </p:cSld>
+  <p:clrMapOvr>
+    <a:masterClrMapping/>
+  </p:clrMapOvr>
+</p:sld>
+</file>
+
+<file path=ppt/slides/slide11.xml><?xml version="1.0" encoding="utf-8"?>
+<p:sld xmlns:a="http://schemas.openxmlformats.org/drawingml/2006/main" xmlns:r="http://schemas.openxmlformats.org/officeDocument/2006/relationships" xmlns:p="http://schemas.openxmlformats.org/presentationml/2006/main">
+  <p:cSld>
+    <p:spTree>
+      <p:nvGrpSpPr>
+        <p:cNvPr id="1" name=""/>
+        <p:cNvGrpSpPr/>
+        <p:nvPr/>
+      </p:nvGrpSpPr>
+      <p:grpSpPr>
+        <a:xfrm>
+          <a:off x="0" y="0"/>
+          <a:ext cx="0" cy="0"/>
+          <a:chOff x="0" y="0"/>
+          <a:chExt cx="0" cy="0"/>
+        </a:xfrm>
+      </p:grpSpPr>
+      <p:sp>
+        <p:nvSpPr>
+          <p:cNvPr id="2" name="Title 1">
+            <a:extLst>
+              <a:ext uri="{FF2B5EF4-FFF2-40B4-BE49-F238E27FC236}">
                 <a16:creationId xmlns:a16="http://schemas.microsoft.com/office/drawing/2014/main" id="{EF49DB72-3DBE-4BF2-B541-0578B8DCB348}"/>
               </a:ext>
             </a:extLst>
@@ -3667,13 +6480,13 @@
         </p:nvSpPr>
         <p:spPr>
           <a:xfrm>
-            <a:off x="838200" y="1492624"/>
-            <a:ext cx="10515600" cy="4684339"/>
+            <a:off x="838200" y="2265829"/>
+            <a:ext cx="10515600" cy="2326341"/>
           </a:xfrm>
         </p:spPr>
         <p:txBody>
           <a:bodyPr>
-            <a:normAutofit/>
+            <a:normAutofit lnSpcReduction="10000"/>
           </a:bodyPr>
           <a:lstStyle/>
           <a:p>
@@ -3702,7 +6515,7 @@
                 <a:ea typeface="Microsoft Sans Serif" panose="020B0604020202020204" pitchFamily="34" charset="0"/>
                 <a:cs typeface="Microsoft Sans Serif" panose="020B0604020202020204" pitchFamily="34" charset="0"/>
               </a:rPr>
-              <a:t> Insight for better understanding</a:t>
+              <a:t> insights for better understanding</a:t>
             </a:r>
           </a:p>
           <a:p>
@@ -3713,10 +6526,16 @@
                 <a:ea typeface="Microsoft Sans Serif" panose="020B0604020202020204" pitchFamily="34" charset="0"/>
                 <a:cs typeface="Microsoft Sans Serif" panose="020B0604020202020204" pitchFamily="34" charset="0"/>
               </a:rPr>
-              <a:t>Visualize Your Expense</a:t>
-            </a:r>
-          </a:p>
-          <a:p>
+              <a:t>Visualize your </a:t>
+            </a:r>
+            <a:r>
+              <a:rPr lang="en-GB" sz="3000" dirty="0">
+                <a:latin typeface="Microsoft Sans Serif" panose="020B0604020202020204" pitchFamily="34" charset="0"/>
+                <a:ea typeface="Microsoft Sans Serif" panose="020B0604020202020204" pitchFamily="34" charset="0"/>
+                <a:cs typeface="Microsoft Sans Serif" panose="020B0604020202020204" pitchFamily="34" charset="0"/>
+              </a:rPr>
+              <a:t>e</a:t>
+            </a:r>
             <a:r>
               <a:rPr lang="en-GB" sz="3000" i="0" dirty="0">
                 <a:effectLst/>
@@ -3724,7 +6543,18 @@
                 <a:ea typeface="Microsoft Sans Serif" panose="020B0604020202020204" pitchFamily="34" charset="0"/>
                 <a:cs typeface="Microsoft Sans Serif" panose="020B0604020202020204" pitchFamily="34" charset="0"/>
               </a:rPr>
-              <a:t>Financial Empowerment</a:t>
+              <a:t>xpenses</a:t>
+            </a:r>
+          </a:p>
+          <a:p>
+            <a:r>
+              <a:rPr lang="en-GB" sz="3000" i="0" dirty="0">
+                <a:effectLst/>
+                <a:latin typeface="Microsoft Sans Serif" panose="020B0604020202020204" pitchFamily="34" charset="0"/>
+                <a:ea typeface="Microsoft Sans Serif" panose="020B0604020202020204" pitchFamily="34" charset="0"/>
+                <a:cs typeface="Microsoft Sans Serif" panose="020B0604020202020204" pitchFamily="34" charset="0"/>
+              </a:rPr>
+              <a:t>Financial empowerment</a:t>
             </a:r>
             <a:endParaRPr lang="en-IN" sz="3000" dirty="0">
               <a:latin typeface="Microsoft Sans Serif" panose="020B0604020202020204" pitchFamily="34" charset="0"/>
@@ -3826,32 +6656,36 @@
             <p:ph idx="1"/>
           </p:nvPr>
         </p:nvSpPr>
-        <p:spPr/>
-        <p:txBody>
-          <a:bodyPr/>
+        <p:spPr>
+          <a:xfrm>
+            <a:off x="838200" y="2696368"/>
+            <a:ext cx="10515600" cy="1902526"/>
+          </a:xfrm>
+        </p:spPr>
+        <p:txBody>
+          <a:bodyPr>
+            <a:noAutofit/>
+          </a:bodyPr>
           <a:lstStyle/>
           <a:p>
-            <a:pPr marL="0" indent="0">
-              <a:buNone/>
-            </a:pPr>
-            <a:r>
-              <a:rPr lang="en-GB" b="1" i="0" dirty="0">
+            <a:r>
+              <a:rPr lang="en-GB" sz="3000" i="0" dirty="0">
                 <a:effectLst/>
                 <a:latin typeface="Microsoft Sans Serif" panose="020B0604020202020204" pitchFamily="34" charset="0"/>
                 <a:ea typeface="Microsoft Sans Serif" panose="020B0604020202020204" pitchFamily="34" charset="0"/>
                 <a:cs typeface="Microsoft Sans Serif" panose="020B0604020202020204" pitchFamily="34" charset="0"/>
               </a:rPr>
-              <a:t>Efficient expense management and visualization</a:t>
-            </a:r>
-            <a:r>
-              <a:rPr lang="en-GB" b="1" dirty="0">
+              <a:t>To make simple and interactive visualization a</a:t>
+            </a:r>
+            <a:r>
+              <a:rPr lang="en-GB" sz="3000" dirty="0">
                 <a:latin typeface="Microsoft Sans Serif" panose="020B0604020202020204" pitchFamily="34" charset="0"/>
                 <a:ea typeface="Microsoft Sans Serif" panose="020B0604020202020204" pitchFamily="34" charset="0"/>
                 <a:cs typeface="Microsoft Sans Serif" panose="020B0604020202020204" pitchFamily="34" charset="0"/>
               </a:rPr>
-              <a:t>:</a:t>
-            </a:r>
-            <a:endParaRPr lang="en-GB" b="1" i="0" dirty="0">
+              <a:t>pplication</a:t>
+            </a:r>
+            <a:endParaRPr lang="en-GB" sz="3000" i="0" dirty="0">
               <a:effectLst/>
               <a:latin typeface="Microsoft Sans Serif" panose="020B0604020202020204" pitchFamily="34" charset="0"/>
               <a:ea typeface="Microsoft Sans Serif" panose="020B0604020202020204" pitchFamily="34" charset="0"/>
@@ -3860,46 +6694,7 @@
           </a:p>
           <a:p>
             <a:r>
-              <a:rPr lang="en-IN" i="0" dirty="0">
-                <a:effectLst/>
-                <a:latin typeface="Microsoft Sans Serif" panose="020B0604020202020204" pitchFamily="34" charset="0"/>
-                <a:ea typeface="Microsoft Sans Serif" panose="020B0604020202020204" pitchFamily="34" charset="0"/>
-                <a:cs typeface="Microsoft Sans Serif" panose="020B0604020202020204" pitchFamily="34" charset="0"/>
-              </a:rPr>
-              <a:t>Easier input </a:t>
-            </a:r>
-          </a:p>
-          <a:p>
-            <a:r>
-              <a:rPr lang="en-IN" i="0" dirty="0">
-                <a:effectLst/>
-                <a:latin typeface="Microsoft Sans Serif" panose="020B0604020202020204" pitchFamily="34" charset="0"/>
-                <a:ea typeface="Microsoft Sans Serif" panose="020B0604020202020204" pitchFamily="34" charset="0"/>
-                <a:cs typeface="Microsoft Sans Serif" panose="020B0604020202020204" pitchFamily="34" charset="0"/>
-              </a:rPr>
-              <a:t>D</a:t>
-            </a:r>
-            <a:r>
-              <a:rPr lang="en-IN" dirty="0">
-                <a:latin typeface="Microsoft Sans Serif" panose="020B0604020202020204" pitchFamily="34" charset="0"/>
-                <a:ea typeface="Microsoft Sans Serif" panose="020B0604020202020204" pitchFamily="34" charset="0"/>
-                <a:cs typeface="Microsoft Sans Serif" panose="020B0604020202020204" pitchFamily="34" charset="0"/>
-              </a:rPr>
-              <a:t>ynamic visualization</a:t>
-            </a:r>
-            <a:endParaRPr lang="en-GB" i="0" dirty="0">
-              <a:effectLst/>
-              <a:latin typeface="Microsoft Sans Serif" panose="020B0604020202020204" pitchFamily="34" charset="0"/>
-              <a:ea typeface="Microsoft Sans Serif" panose="020B0604020202020204" pitchFamily="34" charset="0"/>
-              <a:cs typeface="Microsoft Sans Serif" panose="020B0604020202020204" pitchFamily="34" charset="0"/>
-            </a:endParaRPr>
-          </a:p>
-          <a:p>
-            <a:pPr marL="0" indent="0">
-              <a:buNone/>
-            </a:pPr>
-            <a:r>
-              <a:rPr lang="en-GB" b="1" i="0" dirty="0">
+              <a:rPr lang="en-GB" sz="3000" i="0" dirty="0">
                 <a:effectLst/>
                 <a:latin typeface="Microsoft Sans Serif" panose="020B0604020202020204" pitchFamily="34" charset="0"/>
                 <a:ea typeface="Microsoft Sans Serif" panose="020B0604020202020204" pitchFamily="34" charset="0"/>
@@ -3907,78 +6702,6 @@
               </a:rPr>
               <a:t>Empowering users for smarter financial decisions</a:t>
             </a:r>
-            <a:r>
-              <a:rPr lang="en-GB" b="1" dirty="0">
-                <a:latin typeface="Microsoft Sans Serif" panose="020B0604020202020204" pitchFamily="34" charset="0"/>
-                <a:ea typeface="Microsoft Sans Serif" panose="020B0604020202020204" pitchFamily="34" charset="0"/>
-                <a:cs typeface="Microsoft Sans Serif" panose="020B0604020202020204" pitchFamily="34" charset="0"/>
-              </a:rPr>
-              <a:t>:</a:t>
-            </a:r>
-            <a:endParaRPr lang="en-GB" b="1" i="0" dirty="0">
-              <a:effectLst/>
-              <a:latin typeface="Microsoft Sans Serif" panose="020B0604020202020204" pitchFamily="34" charset="0"/>
-              <a:ea typeface="Microsoft Sans Serif" panose="020B0604020202020204" pitchFamily="34" charset="0"/>
-              <a:cs typeface="Microsoft Sans Serif" panose="020B0604020202020204" pitchFamily="34" charset="0"/>
-            </a:endParaRPr>
-          </a:p>
-          <a:p>
-            <a:r>
-              <a:rPr lang="en-IN" i="0" dirty="0">
-                <a:effectLst/>
-                <a:latin typeface="Microsoft Sans Serif" panose="020B0604020202020204" pitchFamily="34" charset="0"/>
-                <a:ea typeface="Microsoft Sans Serif" panose="020B0604020202020204" pitchFamily="34" charset="0"/>
-                <a:cs typeface="Microsoft Sans Serif" panose="020B0604020202020204" pitchFamily="34" charset="0"/>
-              </a:rPr>
-              <a:t>Financial Awareness</a:t>
-            </a:r>
-            <a:endParaRPr lang="en-GB" dirty="0">
-              <a:latin typeface="Microsoft Sans Serif" panose="020B0604020202020204" pitchFamily="34" charset="0"/>
-              <a:ea typeface="Microsoft Sans Serif" panose="020B0604020202020204" pitchFamily="34" charset="0"/>
-              <a:cs typeface="Microsoft Sans Serif" panose="020B0604020202020204" pitchFamily="34" charset="0"/>
-            </a:endParaRPr>
-          </a:p>
-          <a:p>
-            <a:r>
-              <a:rPr lang="en-IN" i="0" dirty="0">
-                <a:effectLst/>
-                <a:latin typeface="Microsoft Sans Serif" panose="020B0604020202020204" pitchFamily="34" charset="0"/>
-                <a:ea typeface="Microsoft Sans Serif" panose="020B0604020202020204" pitchFamily="34" charset="0"/>
-                <a:cs typeface="Microsoft Sans Serif" panose="020B0604020202020204" pitchFamily="34" charset="0"/>
-              </a:rPr>
-              <a:t>Data-Driven Insights</a:t>
-            </a:r>
-            <a:endParaRPr lang="en-GB" i="0" dirty="0">
-              <a:effectLst/>
-              <a:latin typeface="Microsoft Sans Serif" panose="020B0604020202020204" pitchFamily="34" charset="0"/>
-              <a:ea typeface="Microsoft Sans Serif" panose="020B0604020202020204" pitchFamily="34" charset="0"/>
-              <a:cs typeface="Microsoft Sans Serif" panose="020B0604020202020204" pitchFamily="34" charset="0"/>
-            </a:endParaRPr>
-          </a:p>
-          <a:p>
-            <a:r>
-              <a:rPr lang="en-IN" i="0" dirty="0">
-                <a:effectLst/>
-                <a:latin typeface="Microsoft Sans Serif" panose="020B0604020202020204" pitchFamily="34" charset="0"/>
-                <a:ea typeface="Microsoft Sans Serif" panose="020B0604020202020204" pitchFamily="34" charset="0"/>
-                <a:cs typeface="Microsoft Sans Serif" panose="020B0604020202020204" pitchFamily="34" charset="0"/>
-              </a:rPr>
-              <a:t>User-Friendly Tools</a:t>
-            </a:r>
-            <a:r>
-              <a:rPr lang="en-GB" dirty="0">
-                <a:latin typeface="Microsoft Sans Serif" panose="020B0604020202020204" pitchFamily="34" charset="0"/>
-                <a:ea typeface="Microsoft Sans Serif" panose="020B0604020202020204" pitchFamily="34" charset="0"/>
-                <a:cs typeface="Microsoft Sans Serif" panose="020B0604020202020204" pitchFamily="34" charset="0"/>
-              </a:rPr>
-              <a:t>    </a:t>
-            </a:r>
-            <a:endParaRPr lang="en-GB" i="0" dirty="0">
-              <a:effectLst/>
-              <a:latin typeface="Microsoft Sans Serif" panose="020B0604020202020204" pitchFamily="34" charset="0"/>
-              <a:ea typeface="Microsoft Sans Serif" panose="020B0604020202020204" pitchFamily="34" charset="0"/>
-              <a:cs typeface="Microsoft Sans Serif" panose="020B0604020202020204" pitchFamily="34" charset="0"/>
-            </a:endParaRPr>
           </a:p>
         </p:txBody>
       </p:sp>
@@ -4028,9 +6751,16 @@
             <p:ph type="title"/>
           </p:nvPr>
         </p:nvSpPr>
-        <p:spPr/>
-        <p:txBody>
-          <a:bodyPr/>
+        <p:spPr>
+          <a:xfrm>
+            <a:off x="838200" y="524435"/>
+            <a:ext cx="10515600" cy="993028"/>
+          </a:xfrm>
+        </p:spPr>
+        <p:txBody>
+          <a:bodyPr>
+            <a:normAutofit fontScale="90000"/>
+          </a:bodyPr>
           <a:lstStyle/>
           <a:p>
             <a:pPr algn="ctr"/>
@@ -4077,7 +6807,7 @@
         </p:spPr>
         <p:txBody>
           <a:bodyPr>
-            <a:normAutofit fontScale="92500" lnSpcReduction="10000"/>
+            <a:noAutofit/>
           </a:bodyPr>
           <a:lstStyle/>
           <a:p>
@@ -4085,7 +6815,7 @@
               <a:buNone/>
             </a:pPr>
             <a:r>
-              <a:rPr lang="en-GB" b="1" u="sng" dirty="0">
+              <a:rPr lang="en-GB" sz="2400" b="1" u="sng" dirty="0">
                 <a:effectLst/>
                 <a:latin typeface="Microsoft Sans Serif" panose="020B0604020202020204" pitchFamily="34" charset="0"/>
                 <a:ea typeface="Microsoft Sans Serif" panose="020B0604020202020204" pitchFamily="34" charset="0"/>
@@ -4099,7 +6829,7 @@
               <a:buNone/>
             </a:pPr>
             <a:r>
-              <a:rPr lang="en-GB" b="0" i="0" dirty="0">
+              <a:rPr lang="en-GB" sz="2400" b="0" i="0" dirty="0">
                 <a:effectLst/>
                 <a:latin typeface="Microsoft Sans Serif" panose="020B0604020202020204" pitchFamily="34" charset="0"/>
                 <a:ea typeface="Microsoft Sans Serif" panose="020B0604020202020204" pitchFamily="34" charset="0"/>
@@ -4109,11 +6839,30 @@
             </a:r>
           </a:p>
           <a:p>
+            <a:pPr marL="0" indent="0">
+              <a:buNone/>
+            </a:pPr>
+            <a:r>
+              <a:rPr lang="en-GB" sz="2400" dirty="0">
+                <a:latin typeface="Microsoft Sans Serif" panose="020B0604020202020204" pitchFamily="34" charset="0"/>
+                <a:ea typeface="Microsoft Sans Serif" panose="020B0604020202020204" pitchFamily="34" charset="0"/>
+                <a:cs typeface="Microsoft Sans Serif" panose="020B0604020202020204" pitchFamily="34" charset="0"/>
+              </a:rPr>
+              <a:t>Helps integrating various library seamlessly.</a:t>
+            </a:r>
+            <a:endParaRPr lang="en-GB" sz="2400" b="0" i="0" dirty="0">
+              <a:effectLst/>
+              <a:latin typeface="Microsoft Sans Serif" panose="020B0604020202020204" pitchFamily="34" charset="0"/>
+              <a:ea typeface="Microsoft Sans Serif" panose="020B0604020202020204" pitchFamily="34" charset="0"/>
+              <a:cs typeface="Microsoft Sans Serif" panose="020B0604020202020204" pitchFamily="34" charset="0"/>
+            </a:endParaRPr>
+          </a:p>
+          <a:p>
             <a:pPr marL="0" indent="0" algn="l">
               <a:buNone/>
             </a:pPr>
             <a:r>
-              <a:rPr lang="en-GB" b="1" i="0" u="sng" dirty="0">
+              <a:rPr lang="en-GB" sz="2400" b="1" i="0" u="sng" dirty="0">
                 <a:effectLst/>
                 <a:latin typeface="Microsoft Sans Serif" panose="020B0604020202020204" pitchFamily="34" charset="0"/>
                 <a:ea typeface="Microsoft Sans Serif" panose="020B0604020202020204" pitchFamily="34" charset="0"/>
@@ -4127,52 +6876,75 @@
               <a:buNone/>
             </a:pPr>
             <a:r>
-              <a:rPr lang="en-GB" b="0" i="0" dirty="0">
+              <a:rPr lang="en-GB" sz="2400" dirty="0">
+                <a:latin typeface="Microsoft Sans Serif" panose="020B0604020202020204" pitchFamily="34" charset="0"/>
+                <a:ea typeface="Microsoft Sans Serif" panose="020B0604020202020204" pitchFamily="34" charset="0"/>
+                <a:cs typeface="Microsoft Sans Serif" panose="020B0604020202020204" pitchFamily="34" charset="0"/>
+              </a:rPr>
+              <a:t>D</a:t>
+            </a:r>
+            <a:r>
+              <a:rPr lang="en-GB" sz="2400" b="0" i="0" dirty="0">
                 <a:effectLst/>
                 <a:latin typeface="Microsoft Sans Serif" panose="020B0604020202020204" pitchFamily="34" charset="0"/>
                 <a:ea typeface="Microsoft Sans Serif" panose="020B0604020202020204" pitchFamily="34" charset="0"/>
                 <a:cs typeface="Microsoft Sans Serif" panose="020B0604020202020204" pitchFamily="34" charset="0"/>
               </a:rPr>
-              <a:t>Simplifying data handling. Demonstration of loading and saving expenses using Pandas.</a:t>
-            </a:r>
-          </a:p>
-          <a:p>
-            <a:pPr marL="0" indent="0" algn="l">
-              <a:buNone/>
-            </a:pPr>
-            <a:r>
-              <a:rPr lang="en-GB" b="1" i="0" u="sng" dirty="0">
+              <a:t>ata handling</a:t>
+            </a:r>
+            <a:r>
+              <a:rPr lang="en-GB" sz="2400" dirty="0">
+                <a:latin typeface="Microsoft Sans Serif" panose="020B0604020202020204" pitchFamily="34" charset="0"/>
+                <a:ea typeface="Microsoft Sans Serif" panose="020B0604020202020204" pitchFamily="34" charset="0"/>
+                <a:cs typeface="Microsoft Sans Serif" panose="020B0604020202020204" pitchFamily="34" charset="0"/>
+              </a:rPr>
+              <a:t> such as </a:t>
+            </a:r>
+          </a:p>
+          <a:p>
+            <a:r>
+              <a:rPr lang="en-IN" sz="2400" i="0" dirty="0">
                 <a:effectLst/>
                 <a:latin typeface="Microsoft Sans Serif" panose="020B0604020202020204" pitchFamily="34" charset="0"/>
                 <a:ea typeface="Microsoft Sans Serif" panose="020B0604020202020204" pitchFamily="34" charset="0"/>
                 <a:cs typeface="Microsoft Sans Serif" panose="020B0604020202020204" pitchFamily="34" charset="0"/>
               </a:rPr>
-              <a:t>Streamlit: </a:t>
-            </a:r>
-          </a:p>
-          <a:p>
-            <a:pPr marL="0" indent="0">
-              <a:buNone/>
-            </a:pPr>
-            <a:r>
-              <a:rPr lang="en-GB" b="0" i="0" dirty="0">
+              <a:t>Load Data</a:t>
+            </a:r>
+            <a:endParaRPr lang="en-GB" sz="2400" i="0" dirty="0">
+              <a:effectLst/>
+              <a:latin typeface="Microsoft Sans Serif" panose="020B0604020202020204" pitchFamily="34" charset="0"/>
+              <a:ea typeface="Microsoft Sans Serif" panose="020B0604020202020204" pitchFamily="34" charset="0"/>
+              <a:cs typeface="Microsoft Sans Serif" panose="020B0604020202020204" pitchFamily="34" charset="0"/>
+            </a:endParaRPr>
+          </a:p>
+          <a:p>
+            <a:r>
+              <a:rPr lang="en-IN" sz="2400" i="0" dirty="0">
                 <a:effectLst/>
                 <a:latin typeface="Microsoft Sans Serif" panose="020B0604020202020204" pitchFamily="34" charset="0"/>
                 <a:ea typeface="Microsoft Sans Serif" panose="020B0604020202020204" pitchFamily="34" charset="0"/>
                 <a:cs typeface="Microsoft Sans Serif" panose="020B0604020202020204" pitchFamily="34" charset="0"/>
               </a:rPr>
-              <a:t>Streamlit for creating web applications with simple Python scripts. </a:t>
-            </a:r>
-            <a:r>
-              <a:rPr lang="en-IN" b="0" i="0" dirty="0">
+              <a:t>Manipulate Data</a:t>
+            </a:r>
+            <a:endParaRPr lang="en-GB" sz="2400" dirty="0">
+              <a:latin typeface="Microsoft Sans Serif" panose="020B0604020202020204" pitchFamily="34" charset="0"/>
+              <a:ea typeface="Microsoft Sans Serif" panose="020B0604020202020204" pitchFamily="34" charset="0"/>
+              <a:cs typeface="Microsoft Sans Serif" panose="020B0604020202020204" pitchFamily="34" charset="0"/>
+            </a:endParaRPr>
+          </a:p>
+          <a:p>
+            <a:r>
+              <a:rPr lang="en-IN" sz="2400" i="0" dirty="0">
                 <a:effectLst/>
                 <a:latin typeface="Microsoft Sans Serif" panose="020B0604020202020204" pitchFamily="34" charset="0"/>
                 <a:ea typeface="Microsoft Sans Serif" panose="020B0604020202020204" pitchFamily="34" charset="0"/>
                 <a:cs typeface="Microsoft Sans Serif" panose="020B0604020202020204" pitchFamily="34" charset="0"/>
               </a:rPr>
-              <a:t>Streamlit components for user interaction (select boxes, buttons, etc.).</a:t>
-            </a:r>
-            <a:endParaRPr lang="en-GB" b="0" i="0" dirty="0">
+              <a:t>Save Data</a:t>
+            </a:r>
+            <a:endParaRPr lang="en-GB" sz="2400" i="0" dirty="0">
               <a:effectLst/>
               <a:latin typeface="Microsoft Sans Serif" panose="020B0604020202020204" pitchFamily="34" charset="0"/>
               <a:ea typeface="Microsoft Sans Serif" panose="020B0604020202020204" pitchFamily="34" charset="0"/>
@@ -4180,33 +6952,33 @@
             </a:endParaRPr>
           </a:p>
           <a:p>
-            <a:pPr marL="0" indent="0" algn="l">
-              <a:buNone/>
-            </a:pPr>
-            <a:r>
-              <a:rPr lang="en-GB" b="1" i="0" u="sng" dirty="0">
+            <a:r>
+              <a:rPr lang="en-IN" sz="2400" i="0" dirty="0">
                 <a:effectLst/>
                 <a:latin typeface="Microsoft Sans Serif" panose="020B0604020202020204" pitchFamily="34" charset="0"/>
                 <a:ea typeface="Microsoft Sans Serif" panose="020B0604020202020204" pitchFamily="34" charset="0"/>
                 <a:cs typeface="Microsoft Sans Serif" panose="020B0604020202020204" pitchFamily="34" charset="0"/>
               </a:rPr>
-              <a:t>Plotly : </a:t>
-            </a:r>
-          </a:p>
-          <a:p>
-            <a:pPr marL="0" indent="0" algn="l">
-              <a:buNone/>
-            </a:pPr>
-            <a:r>
-              <a:rPr lang="en-GB" b="0" i="0" dirty="0">
+              <a:t>Organize Data</a:t>
+            </a:r>
+            <a:endParaRPr lang="en-GB" sz="2400" dirty="0">
+              <a:latin typeface="Microsoft Sans Serif" panose="020B0604020202020204" pitchFamily="34" charset="0"/>
+              <a:ea typeface="Microsoft Sans Serif" panose="020B0604020202020204" pitchFamily="34" charset="0"/>
+              <a:cs typeface="Microsoft Sans Serif" panose="020B0604020202020204" pitchFamily="34" charset="0"/>
+            </a:endParaRPr>
+          </a:p>
+          <a:p>
+            <a:r>
+              <a:rPr lang="en-IN" sz="2400" i="0" dirty="0">
                 <a:effectLst/>
                 <a:latin typeface="Microsoft Sans Serif" panose="020B0604020202020204" pitchFamily="34" charset="0"/>
                 <a:ea typeface="Microsoft Sans Serif" panose="020B0604020202020204" pitchFamily="34" charset="0"/>
                 <a:cs typeface="Microsoft Sans Serif" panose="020B0604020202020204" pitchFamily="34" charset="0"/>
               </a:rPr>
-              <a:t>Plotly Express for interactive data visualization. Creation of bar charts and pie charts for visualizing expenses. Displaying total expenses and category-wise distribution.</a:t>
-            </a:r>
-            <a:endParaRPr lang="en-IN" dirty="0">
+              <a:t>Facilitate Visualization</a:t>
+            </a:r>
+            <a:endParaRPr lang="en-GB" sz="2400" i="0" dirty="0">
+              <a:effectLst/>
               <a:latin typeface="Microsoft Sans Serif" panose="020B0604020202020204" pitchFamily="34" charset="0"/>
               <a:ea typeface="Microsoft Sans Serif" panose="020B0604020202020204" pitchFamily="34" charset="0"/>
               <a:cs typeface="Microsoft Sans Serif" panose="020B0604020202020204" pitchFamily="34" charset="0"/>
@@ -4246,6 +7018,234 @@
       </p:grpSpPr>
       <p:sp>
         <p:nvSpPr>
+          <p:cNvPr id="3" name="Content Placeholder 2">
+            <a:extLst>
+              <a:ext uri="{FF2B5EF4-FFF2-40B4-BE49-F238E27FC236}">
+                <a16:creationId xmlns:a16="http://schemas.microsoft.com/office/drawing/2014/main" id="{F470E5D5-FA38-41EE-BACD-0743E80548A3}"/>
+              </a:ext>
+            </a:extLst>
+          </p:cNvPr>
+          <p:cNvSpPr>
+            <a:spLocks noGrp="1"/>
+          </p:cNvSpPr>
+          <p:nvPr>
+            <p:ph idx="1"/>
+          </p:nvPr>
+        </p:nvSpPr>
+        <p:spPr>
+          <a:xfrm>
+            <a:off x="838200" y="685800"/>
+            <a:ext cx="10515600" cy="5491163"/>
+          </a:xfrm>
+        </p:spPr>
+        <p:txBody>
+          <a:bodyPr>
+            <a:normAutofit/>
+          </a:bodyPr>
+          <a:lstStyle/>
+          <a:p>
+            <a:pPr marL="0" indent="0" algn="l">
+              <a:buNone/>
+            </a:pPr>
+            <a:r>
+              <a:rPr lang="en-GB" sz="2400" b="1" i="0" u="sng" dirty="0">
+                <a:effectLst/>
+                <a:latin typeface="Microsoft Sans Serif" panose="020B0604020202020204" pitchFamily="34" charset="0"/>
+                <a:ea typeface="Microsoft Sans Serif" panose="020B0604020202020204" pitchFamily="34" charset="0"/>
+                <a:cs typeface="Microsoft Sans Serif" panose="020B0604020202020204" pitchFamily="34" charset="0"/>
+              </a:rPr>
+              <a:t>Streamlit: </a:t>
+            </a:r>
+          </a:p>
+          <a:p>
+            <a:pPr marL="0" indent="0">
+              <a:buNone/>
+            </a:pPr>
+            <a:r>
+              <a:rPr lang="en-IN" sz="2400" i="0" dirty="0">
+                <a:effectLst/>
+                <a:latin typeface="Microsoft Sans Serif" panose="020B0604020202020204" pitchFamily="34" charset="0"/>
+                <a:ea typeface="Microsoft Sans Serif" panose="020B0604020202020204" pitchFamily="34" charset="0"/>
+                <a:cs typeface="Microsoft Sans Serif" panose="020B0604020202020204" pitchFamily="34" charset="0"/>
+              </a:rPr>
+              <a:t>User Interface Design</a:t>
+            </a:r>
+          </a:p>
+          <a:p>
+            <a:pPr marL="0" indent="0">
+              <a:buNone/>
+            </a:pPr>
+            <a:r>
+              <a:rPr lang="en-IN" sz="2400" i="0" dirty="0">
+                <a:effectLst/>
+                <a:latin typeface="Microsoft Sans Serif" panose="020B0604020202020204" pitchFamily="34" charset="0"/>
+                <a:ea typeface="Microsoft Sans Serif" panose="020B0604020202020204" pitchFamily="34" charset="0"/>
+                <a:cs typeface="Microsoft Sans Serif" panose="020B0604020202020204" pitchFamily="34" charset="0"/>
+              </a:rPr>
+              <a:t>Widgets and Controls</a:t>
+            </a:r>
+          </a:p>
+          <a:p>
+            <a:pPr marL="0" indent="0">
+              <a:buNone/>
+            </a:pPr>
+            <a:r>
+              <a:rPr lang="en-IN" sz="2400" i="0" dirty="0">
+                <a:effectLst/>
+                <a:latin typeface="Microsoft Sans Serif" panose="020B0604020202020204" pitchFamily="34" charset="0"/>
+                <a:ea typeface="Microsoft Sans Serif" panose="020B0604020202020204" pitchFamily="34" charset="0"/>
+                <a:cs typeface="Microsoft Sans Serif" panose="020B0604020202020204" pitchFamily="34" charset="0"/>
+              </a:rPr>
+              <a:t>Dynamic Updates</a:t>
+            </a:r>
+            <a:endParaRPr lang="en-IN" sz="2400" dirty="0">
+              <a:latin typeface="Microsoft Sans Serif" panose="020B0604020202020204" pitchFamily="34" charset="0"/>
+              <a:ea typeface="Microsoft Sans Serif" panose="020B0604020202020204" pitchFamily="34" charset="0"/>
+              <a:cs typeface="Microsoft Sans Serif" panose="020B0604020202020204" pitchFamily="34" charset="0"/>
+            </a:endParaRPr>
+          </a:p>
+          <a:p>
+            <a:pPr marL="0" indent="0">
+              <a:buNone/>
+            </a:pPr>
+            <a:r>
+              <a:rPr lang="en-IN" sz="2400" i="0" dirty="0">
+                <a:effectLst/>
+                <a:latin typeface="Microsoft Sans Serif" panose="020B0604020202020204" pitchFamily="34" charset="0"/>
+                <a:ea typeface="Microsoft Sans Serif" panose="020B0604020202020204" pitchFamily="34" charset="0"/>
+                <a:cs typeface="Microsoft Sans Serif" panose="020B0604020202020204" pitchFamily="34" charset="0"/>
+              </a:rPr>
+              <a:t>Integration with Python</a:t>
+            </a:r>
+          </a:p>
+          <a:p>
+            <a:pPr marL="0" indent="0">
+              <a:buNone/>
+            </a:pPr>
+            <a:r>
+              <a:rPr lang="en-IN" sz="2400" i="0" dirty="0">
+                <a:effectLst/>
+                <a:latin typeface="Microsoft Sans Serif" panose="020B0604020202020204" pitchFamily="34" charset="0"/>
+                <a:ea typeface="Microsoft Sans Serif" panose="020B0604020202020204" pitchFamily="34" charset="0"/>
+                <a:cs typeface="Microsoft Sans Serif" panose="020B0604020202020204" pitchFamily="34" charset="0"/>
+              </a:rPr>
+              <a:t>Web Deployment</a:t>
+            </a:r>
+            <a:endParaRPr lang="en-IN" sz="2400" u="sng" dirty="0">
+              <a:latin typeface="Microsoft Sans Serif" panose="020B0604020202020204" pitchFamily="34" charset="0"/>
+              <a:ea typeface="Microsoft Sans Serif" panose="020B0604020202020204" pitchFamily="34" charset="0"/>
+              <a:cs typeface="Microsoft Sans Serif" panose="020B0604020202020204" pitchFamily="34" charset="0"/>
+            </a:endParaRPr>
+          </a:p>
+          <a:p>
+            <a:pPr marL="0" indent="0">
+              <a:buNone/>
+            </a:pPr>
+            <a:r>
+              <a:rPr lang="en-GB" sz="2400" b="1" i="0" u="sng" dirty="0" err="1">
+                <a:effectLst/>
+                <a:latin typeface="Microsoft Sans Serif" panose="020B0604020202020204" pitchFamily="34" charset="0"/>
+                <a:ea typeface="Microsoft Sans Serif" panose="020B0604020202020204" pitchFamily="34" charset="0"/>
+                <a:cs typeface="Microsoft Sans Serif" panose="020B0604020202020204" pitchFamily="34" charset="0"/>
+              </a:rPr>
+              <a:t>Plotly</a:t>
+            </a:r>
+            <a:r>
+              <a:rPr lang="en-GB" sz="2400" b="1" i="0" u="sng" dirty="0">
+                <a:effectLst/>
+                <a:latin typeface="Microsoft Sans Serif" panose="020B0604020202020204" pitchFamily="34" charset="0"/>
+                <a:ea typeface="Microsoft Sans Serif" panose="020B0604020202020204" pitchFamily="34" charset="0"/>
+                <a:cs typeface="Microsoft Sans Serif" panose="020B0604020202020204" pitchFamily="34" charset="0"/>
+              </a:rPr>
+              <a:t> : </a:t>
+            </a:r>
+          </a:p>
+          <a:p>
+            <a:pPr marL="0" indent="0" algn="l">
+              <a:buNone/>
+            </a:pPr>
+            <a:r>
+              <a:rPr lang="en-IN" sz="2400" i="0" dirty="0">
+                <a:effectLst/>
+                <a:latin typeface="Microsoft Sans Serif" panose="020B0604020202020204" pitchFamily="34" charset="0"/>
+                <a:ea typeface="Microsoft Sans Serif" panose="020B0604020202020204" pitchFamily="34" charset="0"/>
+                <a:cs typeface="Microsoft Sans Serif" panose="020B0604020202020204" pitchFamily="34" charset="0"/>
+              </a:rPr>
+              <a:t>Data Visualization</a:t>
+            </a:r>
+          </a:p>
+          <a:p>
+            <a:pPr marL="0" indent="0" algn="l">
+              <a:buNone/>
+            </a:pPr>
+            <a:r>
+              <a:rPr lang="en-IN" sz="2400" i="0" dirty="0">
+                <a:effectLst/>
+                <a:latin typeface="Microsoft Sans Serif" panose="020B0604020202020204" pitchFamily="34" charset="0"/>
+                <a:ea typeface="Microsoft Sans Serif" panose="020B0604020202020204" pitchFamily="34" charset="0"/>
+                <a:cs typeface="Microsoft Sans Serif" panose="020B0604020202020204" pitchFamily="34" charset="0"/>
+              </a:rPr>
+              <a:t>Interactivity</a:t>
+            </a:r>
+            <a:endParaRPr lang="en-IN" sz="2400" dirty="0">
+              <a:latin typeface="Microsoft Sans Serif" panose="020B0604020202020204" pitchFamily="34" charset="0"/>
+              <a:ea typeface="Microsoft Sans Serif" panose="020B0604020202020204" pitchFamily="34" charset="0"/>
+              <a:cs typeface="Microsoft Sans Serif" panose="020B0604020202020204" pitchFamily="34" charset="0"/>
+            </a:endParaRPr>
+          </a:p>
+          <a:p>
+            <a:pPr marL="0" indent="0" algn="l">
+              <a:buNone/>
+            </a:pPr>
+            <a:r>
+              <a:rPr lang="en-IN" sz="2400" i="0" dirty="0">
+                <a:effectLst/>
+                <a:latin typeface="Microsoft Sans Serif" panose="020B0604020202020204" pitchFamily="34" charset="0"/>
+                <a:ea typeface="Microsoft Sans Serif" panose="020B0604020202020204" pitchFamily="34" charset="0"/>
+                <a:cs typeface="Microsoft Sans Serif" panose="020B0604020202020204" pitchFamily="34" charset="0"/>
+              </a:rPr>
+              <a:t>Insightful Charts</a:t>
+            </a:r>
+            <a:endParaRPr lang="en-IN" sz="2400" dirty="0">
+              <a:latin typeface="Microsoft Sans Serif" panose="020B0604020202020204" pitchFamily="34" charset="0"/>
+              <a:ea typeface="Microsoft Sans Serif" panose="020B0604020202020204" pitchFamily="34" charset="0"/>
+              <a:cs typeface="Microsoft Sans Serif" panose="020B0604020202020204" pitchFamily="34" charset="0"/>
+            </a:endParaRPr>
+          </a:p>
+        </p:txBody>
+      </p:sp>
+    </p:spTree>
+    <p:extLst>
+      <p:ext uri="{BB962C8B-B14F-4D97-AF65-F5344CB8AC3E}">
+        <p14:creationId xmlns:p14="http://schemas.microsoft.com/office/powerpoint/2010/main" val="1540303387"/>
+      </p:ext>
+    </p:extLst>
+  </p:cSld>
+  <p:clrMapOvr>
+    <a:masterClrMapping/>
+  </p:clrMapOvr>
+</p:sld>
+</file>
+
+<file path=ppt/slides/slide6.xml><?xml version="1.0" encoding="utf-8"?>
+<p:sld xmlns:a="http://schemas.openxmlformats.org/drawingml/2006/main" xmlns:r="http://schemas.openxmlformats.org/officeDocument/2006/relationships" xmlns:p="http://schemas.openxmlformats.org/presentationml/2006/main">
+  <p:cSld>
+    <p:spTree>
+      <p:nvGrpSpPr>
+        <p:cNvPr id="1" name=""/>
+        <p:cNvGrpSpPr/>
+        <p:nvPr/>
+      </p:nvGrpSpPr>
+      <p:grpSpPr>
+        <a:xfrm>
+          <a:off x="0" y="0"/>
+          <a:ext cx="0" cy="0"/>
+          <a:chOff x="0" y="0"/>
+          <a:chExt cx="0" cy="0"/>
+        </a:xfrm>
+      </p:grpSpPr>
+      <p:sp>
+        <p:nvSpPr>
           <p:cNvPr id="2" name="Title 1">
             <a:extLst>
               <a:ext uri="{FF2B5EF4-FFF2-40B4-BE49-F238E27FC236}">
@@ -4290,26 +7290,198 @@
       </p:sp>
       <p:sp>
         <p:nvSpPr>
-          <p:cNvPr id="3" name="Content Placeholder 2">
+          <p:cNvPr id="4" name="Content Placeholder 2">
             <a:extLst>
               <a:ext uri="{FF2B5EF4-FFF2-40B4-BE49-F238E27FC236}">
-                <a16:creationId xmlns:a16="http://schemas.microsoft.com/office/drawing/2014/main" id="{12A1AF39-F35C-40C5-9389-8A5CA158AE6F}"/>
+                <a16:creationId xmlns:a16="http://schemas.microsoft.com/office/drawing/2014/main" id="{6F3D66FF-634A-4D9F-816E-C2E664F9BAB8}"/>
               </a:ext>
             </a:extLst>
           </p:cNvPr>
-          <p:cNvSpPr>
-            <a:spLocks noGrp="1"/>
-          </p:cNvSpPr>
-          <p:nvPr>
-            <p:ph idx="1"/>
-          </p:nvPr>
-        </p:nvSpPr>
-        <p:spPr/>
-        <p:txBody>
-          <a:bodyPr/>
-          <a:lstStyle/>
+          <p:cNvSpPr txBox="1">
+            <a:spLocks/>
+          </p:cNvSpPr>
+          <p:nvPr/>
+        </p:nvSpPr>
+        <p:spPr>
+          <a:xfrm>
+            <a:off x="990600" y="1712261"/>
+            <a:ext cx="10363200" cy="4177551"/>
+          </a:xfrm>
+          <a:prstGeom prst="rect">
+            <a:avLst/>
+          </a:prstGeom>
+        </p:spPr>
+        <p:txBody>
+          <a:bodyPr vert="horz" lIns="91440" tIns="45720" rIns="91440" bIns="45720" rtlCol="0">
+            <a:normAutofit fontScale="92500" lnSpcReduction="10000"/>
+          </a:bodyPr>
+          <a:lstStyle>
+            <a:lvl1pPr marL="228600" indent="-228600" algn="l" defTabSz="914400" rtl="0" eaLnBrk="1" latinLnBrk="0" hangingPunct="1">
+              <a:lnSpc>
+                <a:spcPct val="90000"/>
+              </a:lnSpc>
+              <a:spcBef>
+                <a:spcPts val="1000"/>
+              </a:spcBef>
+              <a:buFont typeface="Arial" panose="020B0604020202020204" pitchFamily="34" charset="0"/>
+              <a:buChar char="•"/>
+              <a:defRPr sz="2800" kern="1200">
+                <a:solidFill>
+                  <a:schemeClr val="tx1"/>
+                </a:solidFill>
+                <a:latin typeface="+mn-lt"/>
+                <a:ea typeface="+mn-ea"/>
+                <a:cs typeface="+mn-cs"/>
+              </a:defRPr>
+            </a:lvl1pPr>
+            <a:lvl2pPr marL="685800" indent="-228600" algn="l" defTabSz="914400" rtl="0" eaLnBrk="1" latinLnBrk="0" hangingPunct="1">
+              <a:lnSpc>
+                <a:spcPct val="90000"/>
+              </a:lnSpc>
+              <a:spcBef>
+                <a:spcPts val="500"/>
+              </a:spcBef>
+              <a:buFont typeface="Arial" panose="020B0604020202020204" pitchFamily="34" charset="0"/>
+              <a:buChar char="•"/>
+              <a:defRPr sz="2400" kern="1200">
+                <a:solidFill>
+                  <a:schemeClr val="tx1"/>
+                </a:solidFill>
+                <a:latin typeface="+mn-lt"/>
+                <a:ea typeface="+mn-ea"/>
+                <a:cs typeface="+mn-cs"/>
+              </a:defRPr>
+            </a:lvl2pPr>
+            <a:lvl3pPr marL="1143000" indent="-228600" algn="l" defTabSz="914400" rtl="0" eaLnBrk="1" latinLnBrk="0" hangingPunct="1">
+              <a:lnSpc>
+                <a:spcPct val="90000"/>
+              </a:lnSpc>
+              <a:spcBef>
+                <a:spcPts val="500"/>
+              </a:spcBef>
+              <a:buFont typeface="Arial" panose="020B0604020202020204" pitchFamily="34" charset="0"/>
+              <a:buChar char="•"/>
+              <a:defRPr sz="2000" kern="1200">
+                <a:solidFill>
+                  <a:schemeClr val="tx1"/>
+                </a:solidFill>
+                <a:latin typeface="+mn-lt"/>
+                <a:ea typeface="+mn-ea"/>
+                <a:cs typeface="+mn-cs"/>
+              </a:defRPr>
+            </a:lvl3pPr>
+            <a:lvl4pPr marL="1600200" indent="-228600" algn="l" defTabSz="914400" rtl="0" eaLnBrk="1" latinLnBrk="0" hangingPunct="1">
+              <a:lnSpc>
+                <a:spcPct val="90000"/>
+              </a:lnSpc>
+              <a:spcBef>
+                <a:spcPts val="500"/>
+              </a:spcBef>
+              <a:buFont typeface="Arial" panose="020B0604020202020204" pitchFamily="34" charset="0"/>
+              <a:buChar char="•"/>
+              <a:defRPr sz="1800" kern="1200">
+                <a:solidFill>
+                  <a:schemeClr val="tx1"/>
+                </a:solidFill>
+                <a:latin typeface="+mn-lt"/>
+                <a:ea typeface="+mn-ea"/>
+                <a:cs typeface="+mn-cs"/>
+              </a:defRPr>
+            </a:lvl4pPr>
+            <a:lvl5pPr marL="2057400" indent="-228600" algn="l" defTabSz="914400" rtl="0" eaLnBrk="1" latinLnBrk="0" hangingPunct="1">
+              <a:lnSpc>
+                <a:spcPct val="90000"/>
+              </a:lnSpc>
+              <a:spcBef>
+                <a:spcPts val="500"/>
+              </a:spcBef>
+              <a:buFont typeface="Arial" panose="020B0604020202020204" pitchFamily="34" charset="0"/>
+              <a:buChar char="•"/>
+              <a:defRPr sz="1800" kern="1200">
+                <a:solidFill>
+                  <a:schemeClr val="tx1"/>
+                </a:solidFill>
+                <a:latin typeface="+mn-lt"/>
+                <a:ea typeface="+mn-ea"/>
+                <a:cs typeface="+mn-cs"/>
+              </a:defRPr>
+            </a:lvl5pPr>
+            <a:lvl6pPr marL="2514600" indent="-228600" algn="l" defTabSz="914400" rtl="0" eaLnBrk="1" latinLnBrk="0" hangingPunct="1">
+              <a:lnSpc>
+                <a:spcPct val="90000"/>
+              </a:lnSpc>
+              <a:spcBef>
+                <a:spcPts val="500"/>
+              </a:spcBef>
+              <a:buFont typeface="Arial" panose="020B0604020202020204" pitchFamily="34" charset="0"/>
+              <a:buChar char="•"/>
+              <a:defRPr sz="1800" kern="1200">
+                <a:solidFill>
+                  <a:schemeClr val="tx1"/>
+                </a:solidFill>
+                <a:latin typeface="+mn-lt"/>
+                <a:ea typeface="+mn-ea"/>
+                <a:cs typeface="+mn-cs"/>
+              </a:defRPr>
+            </a:lvl6pPr>
+            <a:lvl7pPr marL="2971800" indent="-228600" algn="l" defTabSz="914400" rtl="0" eaLnBrk="1" latinLnBrk="0" hangingPunct="1">
+              <a:lnSpc>
+                <a:spcPct val="90000"/>
+              </a:lnSpc>
+              <a:spcBef>
+                <a:spcPts val="500"/>
+              </a:spcBef>
+              <a:buFont typeface="Arial" panose="020B0604020202020204" pitchFamily="34" charset="0"/>
+              <a:buChar char="•"/>
+              <a:defRPr sz="1800" kern="1200">
+                <a:solidFill>
+                  <a:schemeClr val="tx1"/>
+                </a:solidFill>
+                <a:latin typeface="+mn-lt"/>
+                <a:ea typeface="+mn-ea"/>
+                <a:cs typeface="+mn-cs"/>
+              </a:defRPr>
+            </a:lvl7pPr>
+            <a:lvl8pPr marL="3429000" indent="-228600" algn="l" defTabSz="914400" rtl="0" eaLnBrk="1" latinLnBrk="0" hangingPunct="1">
+              <a:lnSpc>
+                <a:spcPct val="90000"/>
+              </a:lnSpc>
+              <a:spcBef>
+                <a:spcPts val="500"/>
+              </a:spcBef>
+              <a:buFont typeface="Arial" panose="020B0604020202020204" pitchFamily="34" charset="0"/>
+              <a:buChar char="•"/>
+              <a:defRPr sz="1800" kern="1200">
+                <a:solidFill>
+                  <a:schemeClr val="tx1"/>
+                </a:solidFill>
+                <a:latin typeface="+mn-lt"/>
+                <a:ea typeface="+mn-ea"/>
+                <a:cs typeface="+mn-cs"/>
+              </a:defRPr>
+            </a:lvl8pPr>
+            <a:lvl9pPr marL="3886200" indent="-228600" algn="l" defTabSz="914400" rtl="0" eaLnBrk="1" latinLnBrk="0" hangingPunct="1">
+              <a:lnSpc>
+                <a:spcPct val="90000"/>
+              </a:lnSpc>
+              <a:spcBef>
+                <a:spcPts val="500"/>
+              </a:spcBef>
+              <a:buFont typeface="Arial" panose="020B0604020202020204" pitchFamily="34" charset="0"/>
+              <a:buChar char="•"/>
+              <a:defRPr sz="1800" kern="1200">
+                <a:solidFill>
+                  <a:schemeClr val="tx1"/>
+                </a:solidFill>
+                <a:latin typeface="+mn-lt"/>
+                <a:ea typeface="+mn-ea"/>
+                <a:cs typeface="+mn-cs"/>
+              </a:defRPr>
+            </a:lvl9pPr>
+          </a:lstStyle>
           <a:p>
             <a:pPr marL="0" indent="0">
+              <a:buFont typeface="Arial" panose="020B0604020202020204" pitchFamily="34" charset="0"/>
               <a:buNone/>
             </a:pPr>
             <a:r>
@@ -4380,7 +7552,38 @@
               </a:rPr>
               <a:t>main</a:t>
             </a:r>
-            <a:endParaRPr lang="en-IN" dirty="0">
+          </a:p>
+          <a:p>
+            <a:pPr marL="0" indent="0">
+              <a:buNone/>
+            </a:pPr>
+            <a:endParaRPr lang="en-GB" dirty="0">
+              <a:latin typeface="Microsoft Sans Serif" panose="020B0604020202020204" pitchFamily="34" charset="0"/>
+              <a:ea typeface="Microsoft Sans Serif" panose="020B0604020202020204" pitchFamily="34" charset="0"/>
+              <a:cs typeface="Microsoft Sans Serif" panose="020B0604020202020204" pitchFamily="34" charset="0"/>
+            </a:endParaRPr>
+          </a:p>
+          <a:p>
+            <a:pPr marL="0" indent="0">
+              <a:buNone/>
+            </a:pPr>
+            <a:r>
+              <a:rPr lang="en-GB" dirty="0">
+                <a:latin typeface="Microsoft Sans Serif" panose="020B0604020202020204" pitchFamily="34" charset="0"/>
+                <a:ea typeface="Microsoft Sans Serif" panose="020B0604020202020204" pitchFamily="34" charset="0"/>
+                <a:cs typeface="Microsoft Sans Serif" panose="020B0604020202020204" pitchFamily="34" charset="0"/>
+                <a:hlinkClick r:id="rId2"/>
+              </a:rPr>
+              <a:t>Github link for code </a:t>
+            </a:r>
+            <a:endParaRPr lang="en-GB" dirty="0">
+              <a:latin typeface="Microsoft Sans Serif" panose="020B0604020202020204" pitchFamily="34" charset="0"/>
+              <a:ea typeface="Microsoft Sans Serif" panose="020B0604020202020204" pitchFamily="34" charset="0"/>
+              <a:cs typeface="Microsoft Sans Serif" panose="020B0604020202020204" pitchFamily="34" charset="0"/>
+            </a:endParaRPr>
+          </a:p>
+          <a:p>
+            <a:endParaRPr lang="en-GB" dirty="0">
               <a:latin typeface="Microsoft Sans Serif" panose="020B0604020202020204" pitchFamily="34" charset="0"/>
               <a:ea typeface="Microsoft Sans Serif" panose="020B0604020202020204" pitchFamily="34" charset="0"/>
               <a:cs typeface="Microsoft Sans Serif" panose="020B0604020202020204" pitchFamily="34" charset="0"/>
@@ -4401,7 +7604,164 @@
 </p:sld>
 </file>
 
-<file path=ppt/slides/slide6.xml><?xml version="1.0" encoding="utf-8"?>
+<file path=ppt/slides/slide7.xml><?xml version="1.0" encoding="utf-8"?>
+<p:sld xmlns:a="http://schemas.openxmlformats.org/drawingml/2006/main" xmlns:r="http://schemas.openxmlformats.org/officeDocument/2006/relationships" xmlns:p="http://schemas.openxmlformats.org/presentationml/2006/main">
+  <p:cSld>
+    <p:spTree>
+      <p:nvGrpSpPr>
+        <p:cNvPr id="1" name=""/>
+        <p:cNvGrpSpPr/>
+        <p:nvPr/>
+      </p:nvGrpSpPr>
+      <p:grpSpPr>
+        <a:xfrm>
+          <a:off x="0" y="0"/>
+          <a:ext cx="0" cy="0"/>
+          <a:chOff x="0" y="0"/>
+          <a:chExt cx="0" cy="0"/>
+        </a:xfrm>
+      </p:grpSpPr>
+      <p:sp>
+        <p:nvSpPr>
+          <p:cNvPr id="2" name="Title 1">
+            <a:extLst>
+              <a:ext uri="{FF2B5EF4-FFF2-40B4-BE49-F238E27FC236}">
+                <a16:creationId xmlns:a16="http://schemas.microsoft.com/office/drawing/2014/main" id="{FDAD128F-BBDA-4C0D-8CC3-B459F0394309}"/>
+              </a:ext>
+            </a:extLst>
+          </p:cNvPr>
+          <p:cNvSpPr>
+            <a:spLocks noGrp="1"/>
+          </p:cNvSpPr>
+          <p:nvPr>
+            <p:ph type="title"/>
+          </p:nvPr>
+        </p:nvSpPr>
+        <p:spPr/>
+        <p:txBody>
+          <a:bodyPr/>
+          <a:lstStyle/>
+          <a:p>
+            <a:pPr algn="ctr"/>
+            <a:r>
+              <a:rPr lang="en-GB" b="1" dirty="0">
+                <a:latin typeface="Microsoft Sans Serif" panose="020B0604020202020204" pitchFamily="34" charset="0"/>
+                <a:ea typeface="Microsoft Sans Serif" panose="020B0604020202020204" pitchFamily="34" charset="0"/>
+                <a:cs typeface="Microsoft Sans Serif" panose="020B0604020202020204" pitchFamily="34" charset="0"/>
+              </a:rPr>
+              <a:t>App Deployement</a:t>
+            </a:r>
+            <a:endParaRPr lang="en-IN" b="1" dirty="0">
+              <a:latin typeface="Microsoft Sans Serif" panose="020B0604020202020204" pitchFamily="34" charset="0"/>
+              <a:ea typeface="Microsoft Sans Serif" panose="020B0604020202020204" pitchFamily="34" charset="0"/>
+              <a:cs typeface="Microsoft Sans Serif" panose="020B0604020202020204" pitchFamily="34" charset="0"/>
+            </a:endParaRPr>
+          </a:p>
+        </p:txBody>
+      </p:sp>
+      <p:sp>
+        <p:nvSpPr>
+          <p:cNvPr id="12" name="Content Placeholder 11">
+            <a:extLst>
+              <a:ext uri="{FF2B5EF4-FFF2-40B4-BE49-F238E27FC236}">
+                <a16:creationId xmlns:a16="http://schemas.microsoft.com/office/drawing/2014/main" id="{3C856CD8-FA71-4840-A9E1-C8BD819E6983}"/>
+              </a:ext>
+            </a:extLst>
+          </p:cNvPr>
+          <p:cNvSpPr>
+            <a:spLocks noGrp="1"/>
+          </p:cNvSpPr>
+          <p:nvPr>
+            <p:ph idx="1"/>
+          </p:nvPr>
+        </p:nvSpPr>
+        <p:spPr>
+          <a:xfrm>
+            <a:off x="838200" y="2332620"/>
+            <a:ext cx="5257800" cy="2760288"/>
+          </a:xfrm>
+        </p:spPr>
+        <p:txBody>
+          <a:bodyPr/>
+          <a:lstStyle/>
+          <a:p>
+            <a:r>
+              <a:rPr lang="en-GB" dirty="0">
+                <a:latin typeface="Microsoft Sans Serif" panose="020B0604020202020204" pitchFamily="34" charset="0"/>
+                <a:ea typeface="Microsoft Sans Serif" panose="020B0604020202020204" pitchFamily="34" charset="0"/>
+                <a:cs typeface="Microsoft Sans Serif" panose="020B0604020202020204" pitchFamily="34" charset="0"/>
+              </a:rPr>
+              <a:t>Deployed with Streamlit connecting backend code using Github.</a:t>
+            </a:r>
+          </a:p>
+          <a:p>
+            <a:r>
+              <a:rPr lang="en-GB" dirty="0">
+                <a:latin typeface="Microsoft Sans Serif" panose="020B0604020202020204" pitchFamily="34" charset="0"/>
+                <a:ea typeface="Microsoft Sans Serif" panose="020B0604020202020204" pitchFamily="34" charset="0"/>
+                <a:cs typeface="Microsoft Sans Serif" panose="020B0604020202020204" pitchFamily="34" charset="0"/>
+                <a:hlinkClick r:id="rId2"/>
+              </a:rPr>
+              <a:t>App Link</a:t>
+            </a:r>
+            <a:endParaRPr lang="en-IN" dirty="0">
+              <a:latin typeface="Microsoft Sans Serif" panose="020B0604020202020204" pitchFamily="34" charset="0"/>
+              <a:ea typeface="Microsoft Sans Serif" panose="020B0604020202020204" pitchFamily="34" charset="0"/>
+              <a:cs typeface="Microsoft Sans Serif" panose="020B0604020202020204" pitchFamily="34" charset="0"/>
+            </a:endParaRPr>
+          </a:p>
+        </p:txBody>
+      </p:sp>
+      <p:pic>
+        <p:nvPicPr>
+          <p:cNvPr id="13" name="Content Placeholder 9">
+            <a:extLst>
+              <a:ext uri="{FF2B5EF4-FFF2-40B4-BE49-F238E27FC236}">
+                <a16:creationId xmlns:a16="http://schemas.microsoft.com/office/drawing/2014/main" id="{B6078548-C630-4001-8C1A-9EFBA62D0169}"/>
+              </a:ext>
+            </a:extLst>
+          </p:cNvPr>
+          <p:cNvPicPr>
+            <a:picLocks noChangeAspect="1"/>
+          </p:cNvPicPr>
+          <p:nvPr/>
+        </p:nvPicPr>
+        <p:blipFill>
+          <a:blip r:embed="rId3">
+            <a:extLst>
+              <a:ext uri="{28A0092B-C50C-407E-A947-70E740481C1C}">
+                <a14:useLocalDpi xmlns:a14="http://schemas.microsoft.com/office/drawing/2010/main" val="0"/>
+              </a:ext>
+            </a:extLst>
+          </a:blip>
+          <a:stretch>
+            <a:fillRect/>
+          </a:stretch>
+        </p:blipFill>
+        <p:spPr>
+          <a:xfrm>
+            <a:off x="6090676" y="1979472"/>
+            <a:ext cx="5257800" cy="4542351"/>
+          </a:xfrm>
+          <a:prstGeom prst="rect">
+            <a:avLst/>
+          </a:prstGeom>
+        </p:spPr>
+      </p:pic>
+    </p:spTree>
+    <p:extLst>
+      <p:ext uri="{BB962C8B-B14F-4D97-AF65-F5344CB8AC3E}">
+        <p14:creationId xmlns:p14="http://schemas.microsoft.com/office/powerpoint/2010/main" val="2422958491"/>
+      </p:ext>
+    </p:extLst>
+  </p:cSld>
+  <p:clrMapOvr>
+    <a:masterClrMapping/>
+  </p:clrMapOvr>
+</p:sld>
+</file>
+
+<file path=ppt/slides/slide8.xml><?xml version="1.0" encoding="utf-8"?>
 <p:sld xmlns:a="http://schemas.openxmlformats.org/drawingml/2006/main" xmlns:r="http://schemas.openxmlformats.org/officeDocument/2006/relationships" xmlns:p="http://schemas.openxmlformats.org/presentationml/2006/main">
   <p:cSld>
     <p:spTree>
@@ -4467,7 +7827,7 @@
 </p:sld>
 </file>
 
-<file path=ppt/slides/slide7.xml><?xml version="1.0" encoding="utf-8"?>
+<file path=ppt/slides/slide9.xml><?xml version="1.0" encoding="utf-8"?>
 <p:sld xmlns:a="http://schemas.openxmlformats.org/drawingml/2006/main" xmlns:r="http://schemas.openxmlformats.org/officeDocument/2006/relationships" xmlns:p="http://schemas.openxmlformats.org/presentationml/2006/main">
   <p:cSld>
     <p:spTree>
@@ -4641,296 +8001,10 @@
 </p:sld>
 </file>
 
-<file path=ppt/slides/slide8.xml><?xml version="1.0" encoding="utf-8"?>
-<p:sld xmlns:a="http://schemas.openxmlformats.org/drawingml/2006/main" xmlns:r="http://schemas.openxmlformats.org/officeDocument/2006/relationships" xmlns:p="http://schemas.openxmlformats.org/presentationml/2006/main">
-  <p:cSld>
-    <p:spTree>
-      <p:nvGrpSpPr>
-        <p:cNvPr id="1" name=""/>
-        <p:cNvGrpSpPr/>
-        <p:nvPr/>
-      </p:nvGrpSpPr>
-      <p:grpSpPr>
-        <a:xfrm>
-          <a:off x="0" y="0"/>
-          <a:ext cx="0" cy="0"/>
-          <a:chOff x="0" y="0"/>
-          <a:chExt cx="0" cy="0"/>
-        </a:xfrm>
-      </p:grpSpPr>
-      <p:sp>
-        <p:nvSpPr>
-          <p:cNvPr id="2" name="Title 1">
-            <a:extLst>
-              <a:ext uri="{FF2B5EF4-FFF2-40B4-BE49-F238E27FC236}">
-                <a16:creationId xmlns:a16="http://schemas.microsoft.com/office/drawing/2014/main" id="{FDAD128F-BBDA-4C0D-8CC3-B459F0394309}"/>
-              </a:ext>
-            </a:extLst>
-          </p:cNvPr>
-          <p:cNvSpPr>
-            <a:spLocks noGrp="1"/>
-          </p:cNvSpPr>
-          <p:nvPr>
-            <p:ph type="title"/>
-          </p:nvPr>
-        </p:nvSpPr>
-        <p:spPr/>
-        <p:txBody>
-          <a:bodyPr/>
-          <a:lstStyle/>
-          <a:p>
-            <a:pPr algn="ctr"/>
-            <a:r>
-              <a:rPr lang="en-GB" b="1" dirty="0">
-                <a:latin typeface="Microsoft Sans Serif" panose="020B0604020202020204" pitchFamily="34" charset="0"/>
-                <a:ea typeface="Microsoft Sans Serif" panose="020B0604020202020204" pitchFamily="34" charset="0"/>
-                <a:cs typeface="Microsoft Sans Serif" panose="020B0604020202020204" pitchFamily="34" charset="0"/>
-              </a:rPr>
-              <a:t>App Deployement</a:t>
-            </a:r>
-            <a:endParaRPr lang="en-IN" b="1" dirty="0">
-              <a:latin typeface="Microsoft Sans Serif" panose="020B0604020202020204" pitchFamily="34" charset="0"/>
-              <a:ea typeface="Microsoft Sans Serif" panose="020B0604020202020204" pitchFamily="34" charset="0"/>
-              <a:cs typeface="Microsoft Sans Serif" panose="020B0604020202020204" pitchFamily="34" charset="0"/>
-            </a:endParaRPr>
-          </a:p>
-        </p:txBody>
-      </p:sp>
-      <p:sp>
-        <p:nvSpPr>
-          <p:cNvPr id="12" name="Content Placeholder 11">
-            <a:extLst>
-              <a:ext uri="{FF2B5EF4-FFF2-40B4-BE49-F238E27FC236}">
-                <a16:creationId xmlns:a16="http://schemas.microsoft.com/office/drawing/2014/main" id="{3C856CD8-FA71-4840-A9E1-C8BD819E6983}"/>
-              </a:ext>
-            </a:extLst>
-          </p:cNvPr>
-          <p:cNvSpPr>
-            <a:spLocks noGrp="1"/>
-          </p:cNvSpPr>
-          <p:nvPr>
-            <p:ph idx="1"/>
-          </p:nvPr>
-        </p:nvSpPr>
-        <p:spPr>
-          <a:xfrm>
-            <a:off x="838200" y="1690688"/>
-            <a:ext cx="5257800" cy="4542351"/>
-          </a:xfrm>
-        </p:spPr>
-        <p:txBody>
-          <a:bodyPr/>
-          <a:lstStyle/>
-          <a:p>
-            <a:r>
-              <a:rPr lang="en-GB" dirty="0">
-                <a:latin typeface="Microsoft Sans Serif" panose="020B0604020202020204" pitchFamily="34" charset="0"/>
-                <a:ea typeface="Microsoft Sans Serif" panose="020B0604020202020204" pitchFamily="34" charset="0"/>
-                <a:cs typeface="Microsoft Sans Serif" panose="020B0604020202020204" pitchFamily="34" charset="0"/>
-              </a:rPr>
-              <a:t>This app is deployed in streamlit which access github repository for the backend operations.</a:t>
-            </a:r>
-          </a:p>
-          <a:p>
-            <a:r>
-              <a:rPr lang="en-GB" dirty="0">
-                <a:latin typeface="Microsoft Sans Serif" panose="020B0604020202020204" pitchFamily="34" charset="0"/>
-                <a:ea typeface="Microsoft Sans Serif" panose="020B0604020202020204" pitchFamily="34" charset="0"/>
-                <a:cs typeface="Microsoft Sans Serif" panose="020B0604020202020204" pitchFamily="34" charset="0"/>
-              </a:rPr>
-              <a:t>App Link: </a:t>
-            </a:r>
-            <a:r>
-              <a:rPr lang="en-GB" dirty="0">
-                <a:latin typeface="Microsoft Sans Serif" panose="020B0604020202020204" pitchFamily="34" charset="0"/>
-                <a:ea typeface="Microsoft Sans Serif" panose="020B0604020202020204" pitchFamily="34" charset="0"/>
-                <a:cs typeface="Microsoft Sans Serif" panose="020B0604020202020204" pitchFamily="34" charset="0"/>
-                <a:hlinkClick r:id="rId2"/>
-              </a:rPr>
-              <a:t>https://expensetrackerapp.streamlit.app/</a:t>
-            </a:r>
-            <a:endParaRPr lang="en-IN" dirty="0">
-              <a:latin typeface="Microsoft Sans Serif" panose="020B0604020202020204" pitchFamily="34" charset="0"/>
-              <a:ea typeface="Microsoft Sans Serif" panose="020B0604020202020204" pitchFamily="34" charset="0"/>
-              <a:cs typeface="Microsoft Sans Serif" panose="020B0604020202020204" pitchFamily="34" charset="0"/>
-            </a:endParaRPr>
-          </a:p>
-        </p:txBody>
-      </p:sp>
-      <p:pic>
-        <p:nvPicPr>
-          <p:cNvPr id="13" name="Content Placeholder 9">
-            <a:extLst>
-              <a:ext uri="{FF2B5EF4-FFF2-40B4-BE49-F238E27FC236}">
-                <a16:creationId xmlns:a16="http://schemas.microsoft.com/office/drawing/2014/main" id="{B6078548-C630-4001-8C1A-9EFBA62D0169}"/>
-              </a:ext>
-            </a:extLst>
-          </p:cNvPr>
-          <p:cNvPicPr>
-            <a:picLocks noChangeAspect="1"/>
-          </p:cNvPicPr>
-          <p:nvPr/>
-        </p:nvPicPr>
-        <p:blipFill>
-          <a:blip r:embed="rId3">
-            <a:extLst>
-              <a:ext uri="{28A0092B-C50C-407E-A947-70E740481C1C}">
-                <a14:useLocalDpi xmlns:a14="http://schemas.microsoft.com/office/drawing/2010/main" val="0"/>
-              </a:ext>
-            </a:extLst>
-          </a:blip>
-          <a:stretch>
-            <a:fillRect/>
-          </a:stretch>
-        </p:blipFill>
-        <p:spPr>
-          <a:xfrm>
-            <a:off x="6096000" y="1441589"/>
-            <a:ext cx="5257800" cy="4542351"/>
-          </a:xfrm>
-          <a:prstGeom prst="rect">
-            <a:avLst/>
-          </a:prstGeom>
-        </p:spPr>
-      </p:pic>
-    </p:spTree>
-    <p:extLst>
-      <p:ext uri="{BB962C8B-B14F-4D97-AF65-F5344CB8AC3E}">
-        <p14:creationId xmlns:p14="http://schemas.microsoft.com/office/powerpoint/2010/main" val="2422958491"/>
-      </p:ext>
-    </p:extLst>
-  </p:cSld>
-  <p:clrMapOvr>
-    <a:masterClrMapping/>
-  </p:clrMapOvr>
-</p:sld>
-</file>
-
-<file path=ppt/slides/slide9.xml><?xml version="1.0" encoding="utf-8"?>
-<p:sld xmlns:a="http://schemas.openxmlformats.org/drawingml/2006/main" xmlns:r="http://schemas.openxmlformats.org/officeDocument/2006/relationships" xmlns:p="http://schemas.openxmlformats.org/presentationml/2006/main">
-  <p:cSld>
-    <p:spTree>
-      <p:nvGrpSpPr>
-        <p:cNvPr id="1" name=""/>
-        <p:cNvGrpSpPr/>
-        <p:nvPr/>
-      </p:nvGrpSpPr>
-      <p:grpSpPr>
-        <a:xfrm>
-          <a:off x="0" y="0"/>
-          <a:ext cx="0" cy="0"/>
-          <a:chOff x="0" y="0"/>
-          <a:chExt cx="0" cy="0"/>
-        </a:xfrm>
-      </p:grpSpPr>
-      <p:sp>
-        <p:nvSpPr>
-          <p:cNvPr id="2" name="Title 1">
-            <a:extLst>
-              <a:ext uri="{FF2B5EF4-FFF2-40B4-BE49-F238E27FC236}">
-                <a16:creationId xmlns:a16="http://schemas.microsoft.com/office/drawing/2014/main" id="{A5C495A2-A3D3-4246-923A-E17124CCD678}"/>
-              </a:ext>
-            </a:extLst>
-          </p:cNvPr>
-          <p:cNvSpPr>
-            <a:spLocks noGrp="1"/>
-          </p:cNvSpPr>
-          <p:nvPr>
-            <p:ph type="title"/>
-          </p:nvPr>
-        </p:nvSpPr>
-        <p:spPr>
-          <a:xfrm>
-            <a:off x="838200" y="365126"/>
-            <a:ext cx="10515600" cy="1019922"/>
-          </a:xfrm>
-        </p:spPr>
-        <p:txBody>
-          <a:bodyPr/>
-          <a:lstStyle/>
-          <a:p>
-            <a:pPr algn="ctr"/>
-            <a:r>
-              <a:rPr lang="en-IN" b="1" i="0" dirty="0">
-                <a:effectLst/>
-                <a:latin typeface="Microsoft Sans Serif" panose="020B0604020202020204" pitchFamily="34" charset="0"/>
-                <a:ea typeface="Microsoft Sans Serif" panose="020B0604020202020204" pitchFamily="34" charset="0"/>
-                <a:cs typeface="Microsoft Sans Serif" panose="020B0604020202020204" pitchFamily="34" charset="0"/>
-              </a:rPr>
-              <a:t>Conclusion</a:t>
-            </a:r>
-            <a:endParaRPr lang="en-IN" dirty="0">
-              <a:latin typeface="Microsoft Sans Serif" panose="020B0604020202020204" pitchFamily="34" charset="0"/>
-              <a:ea typeface="Microsoft Sans Serif" panose="020B0604020202020204" pitchFamily="34" charset="0"/>
-              <a:cs typeface="Microsoft Sans Serif" panose="020B0604020202020204" pitchFamily="34" charset="0"/>
-            </a:endParaRPr>
-          </a:p>
-        </p:txBody>
-      </p:sp>
-      <p:sp>
-        <p:nvSpPr>
-          <p:cNvPr id="3" name="Content Placeholder 2">
-            <a:extLst>
-              <a:ext uri="{FF2B5EF4-FFF2-40B4-BE49-F238E27FC236}">
-                <a16:creationId xmlns:a16="http://schemas.microsoft.com/office/drawing/2014/main" id="{F9AD96ED-D053-45CA-9135-1D21B2905B3A}"/>
-              </a:ext>
-            </a:extLst>
-          </p:cNvPr>
-          <p:cNvSpPr>
-            <a:spLocks noGrp="1"/>
-          </p:cNvSpPr>
-          <p:nvPr>
-            <p:ph idx="1"/>
-          </p:nvPr>
-        </p:nvSpPr>
-        <p:spPr>
-          <a:xfrm>
-            <a:off x="838200" y="1680882"/>
-            <a:ext cx="10515600" cy="4496081"/>
-          </a:xfrm>
-        </p:spPr>
-        <p:txBody>
-          <a:bodyPr/>
-          <a:lstStyle/>
-          <a:p>
-            <a:r>
-              <a:rPr lang="en-GB" dirty="0">
-                <a:latin typeface="Microsoft Sans Serif" panose="020B0604020202020204" pitchFamily="34" charset="0"/>
-                <a:ea typeface="Microsoft Sans Serif" panose="020B0604020202020204" pitchFamily="34" charset="0"/>
-                <a:cs typeface="Microsoft Sans Serif" panose="020B0604020202020204" pitchFamily="34" charset="0"/>
-              </a:rPr>
-              <a:t>In conclusion, this Simple Expense Tracker stands as a user-friendly solution for effective financial management.</a:t>
-            </a:r>
-          </a:p>
-          <a:p>
-            <a:r>
-              <a:rPr lang="en-GB" dirty="0">
-                <a:latin typeface="Microsoft Sans Serif" panose="020B0604020202020204" pitchFamily="34" charset="0"/>
-                <a:ea typeface="Microsoft Sans Serif" panose="020B0604020202020204" pitchFamily="34" charset="0"/>
-                <a:cs typeface="Microsoft Sans Serif" panose="020B0604020202020204" pitchFamily="34" charset="0"/>
-              </a:rPr>
-              <a:t>With easier data input, dynamic visualizations, and key insights at your fingertips, it empowers you to make informed decisions about your expenses.</a:t>
-            </a:r>
-          </a:p>
-        </p:txBody>
-      </p:sp>
-    </p:spTree>
-    <p:extLst>
-      <p:ext uri="{BB962C8B-B14F-4D97-AF65-F5344CB8AC3E}">
-        <p14:creationId xmlns:p14="http://schemas.microsoft.com/office/powerpoint/2010/main" val="3548761497"/>
-      </p:ext>
-    </p:extLst>
-  </p:cSld>
-  <p:clrMapOvr>
-    <a:masterClrMapping/>
-  </p:clrMapOvr>
-</p:sld>
-</file>
-
 <file path=ppt/theme/theme1.xml><?xml version="1.0" encoding="utf-8"?>
-<a:theme xmlns:a="http://schemas.openxmlformats.org/drawingml/2006/main" name="Office Theme">
+<a:theme xmlns:a="http://schemas.openxmlformats.org/drawingml/2006/main" name="Slate">
   <a:themeElements>
-    <a:clrScheme name="Office">
+    <a:clrScheme name="Slate">
       <a:dk1>
         <a:sysClr val="windowText" lastClr="000000"/>
       </a:dk1>
@@ -4938,97 +8012,45 @@
         <a:sysClr val="window" lastClr="FFFFFF"/>
       </a:lt1>
       <a:dk2>
-        <a:srgbClr val="44546A"/>
+        <a:srgbClr val="212123"/>
       </a:dk2>
       <a:lt2>
-        <a:srgbClr val="E7E6E6"/>
+        <a:srgbClr val="DADADA"/>
       </a:lt2>
       <a:accent1>
-        <a:srgbClr val="4472C4"/>
+        <a:srgbClr val="BC451B"/>
       </a:accent1>
       <a:accent2>
-        <a:srgbClr val="ED7D31"/>
+        <a:srgbClr val="D3BA68"/>
       </a:accent2>
       <a:accent3>
-        <a:srgbClr val="A5A5A5"/>
+        <a:srgbClr val="BB8640"/>
       </a:accent3>
       <a:accent4>
-        <a:srgbClr val="FFC000"/>
+        <a:srgbClr val="AD9277"/>
       </a:accent4>
       <a:accent5>
-        <a:srgbClr val="5B9BD5"/>
+        <a:srgbClr val="A55A43"/>
       </a:accent5>
       <a:accent6>
-        <a:srgbClr val="70AD47"/>
+        <a:srgbClr val="AD9D7B"/>
       </a:accent6>
       <a:hlink>
-        <a:srgbClr val="0563C1"/>
+        <a:srgbClr val="E98052"/>
       </a:hlink>
       <a:folHlink>
-        <a:srgbClr val="954F72"/>
+        <a:srgbClr val="F4B69B"/>
       </a:folHlink>
     </a:clrScheme>
-    <a:fontScheme name="Office">
+    <a:fontScheme name="Slate">
       <a:majorFont>
-        <a:latin typeface="Calibri Light" panose="020F0302020204030204"/>
+        <a:latin typeface="Calisto MT" panose="02040603050505030304"/>
         <a:ea typeface=""/>
         <a:cs typeface=""/>
-        <a:font script="Jpan" typeface="游ゴシック Light"/>
-        <a:font script="Hang" typeface="맑은 고딕"/>
-        <a:font script="Hans" typeface="等线 Light"/>
-        <a:font script="Hant" typeface="新細明體"/>
-        <a:font script="Arab" typeface="Times New Roman"/>
-        <a:font script="Hebr" typeface="Times New Roman"/>
-        <a:font script="Thai" typeface="Angsana New"/>
-        <a:font script="Ethi" typeface="Nyala"/>
-        <a:font script="Beng" typeface="Vrinda"/>
-        <a:font script="Gujr" typeface="Shruti"/>
-        <a:font script="Khmr" typeface="MoolBoran"/>
-        <a:font script="Knda" typeface="Tunga"/>
-        <a:font script="Guru" typeface="Raavi"/>
-        <a:font script="Cans" typeface="Euphemia"/>
-        <a:font script="Cher" typeface="Plantagenet Cherokee"/>
-        <a:font script="Yiii" typeface="Microsoft Yi Baiti"/>
-        <a:font script="Tibt" typeface="Microsoft Himalaya"/>
-        <a:font script="Thaa" typeface="MV Boli"/>
-        <a:font script="Deva" typeface="Mangal"/>
-        <a:font script="Telu" typeface="Gautami"/>
-        <a:font script="Taml" typeface="Latha"/>
-        <a:font script="Syrc" typeface="Estrangelo Edessa"/>
-        <a:font script="Orya" typeface="Kalinga"/>
-        <a:font script="Mlym" typeface="Kartika"/>
-        <a:font script="Laoo" typeface="DokChampa"/>
-        <a:font script="Sinh" typeface="Iskoola Pota"/>
-        <a:font script="Mong" typeface="Mongolian Baiti"/>
-        <a:font script="Viet" typeface="Times New Roman"/>
-        <a:font script="Uigh" typeface="Microsoft Uighur"/>
-        <a:font script="Geor" typeface="Sylfaen"/>
-        <a:font script="Armn" typeface="Arial"/>
-        <a:font script="Bugi" typeface="Leelawadee UI"/>
-        <a:font script="Bopo" typeface="Microsoft JhengHei"/>
-        <a:font script="Java" typeface="Javanese Text"/>
-        <a:font script="Lisu" typeface="Segoe UI"/>
-        <a:font script="Mymr" typeface="Myanmar Text"/>
-        <a:font script="Nkoo" typeface="Ebrima"/>
-        <a:font script="Olck" typeface="Nirmala UI"/>
-        <a:font script="Osma" typeface="Ebrima"/>
-        <a:font script="Phag" typeface="Phagspa"/>
-        <a:font script="Syrn" typeface="Estrangelo Edessa"/>
-        <a:font script="Syrj" typeface="Estrangelo Edessa"/>
-        <a:font script="Syre" typeface="Estrangelo Edessa"/>
-        <a:font script="Sora" typeface="Nirmala UI"/>
-        <a:font script="Tale" typeface="Microsoft Tai Le"/>
-        <a:font script="Talu" typeface="Microsoft New Tai Lue"/>
-        <a:font script="Tfng" typeface="Ebrima"/>
-      </a:majorFont>
-      <a:minorFont>
-        <a:latin typeface="Calibri" panose="020F0502020204030204"/>
-        <a:ea typeface=""/>
-        <a:cs typeface=""/>
-        <a:font script="Jpan" typeface="游ゴシック"/>
-        <a:font script="Hang" typeface="맑은 고딕"/>
-        <a:font script="Hans" typeface="等线"/>
-        <a:font script="Hant" typeface="新細明體"/>
+        <a:font script="Jpan" typeface="ＭＳ Ｐゴシック"/>
+        <a:font script="Hang" typeface="돋움"/>
+        <a:font script="Hans" typeface="方正舒体"/>
+        <a:font script="Hant" typeface="微軟正黑體"/>
         <a:font script="Arab" typeface="Arial"/>
         <a:font script="Hebr" typeface="Arial"/>
         <a:font script="Thai" typeface="Cordia New"/>
@@ -5055,26 +8077,44 @@
         <a:font script="Viet" typeface="Arial"/>
         <a:font script="Uigh" typeface="Microsoft Uighur"/>
         <a:font script="Geor" typeface="Sylfaen"/>
-        <a:font script="Armn" typeface="Arial"/>
-        <a:font script="Bugi" typeface="Leelawadee UI"/>
-        <a:font script="Bopo" typeface="Microsoft JhengHei"/>
-        <a:font script="Java" typeface="Javanese Text"/>
-        <a:font script="Lisu" typeface="Segoe UI"/>
-        <a:font script="Mymr" typeface="Myanmar Text"/>
-        <a:font script="Nkoo" typeface="Ebrima"/>
-        <a:font script="Olck" typeface="Nirmala UI"/>
-        <a:font script="Osma" typeface="Ebrima"/>
-        <a:font script="Phag" typeface="Phagspa"/>
-        <a:font script="Syrn" typeface="Estrangelo Edessa"/>
-        <a:font script="Syrj" typeface="Estrangelo Edessa"/>
-        <a:font script="Syre" typeface="Estrangelo Edessa"/>
-        <a:font script="Sora" typeface="Nirmala UI"/>
-        <a:font script="Tale" typeface="Microsoft Tai Le"/>
-        <a:font script="Talu" typeface="Microsoft New Tai Lue"/>
-        <a:font script="Tfng" typeface="Ebrima"/>
+      </a:majorFont>
+      <a:minorFont>
+        <a:latin typeface="Calisto MT" panose="02040603050505030304"/>
+        <a:ea typeface=""/>
+        <a:cs typeface=""/>
+        <a:font script="Jpan" typeface="ＭＳ Ｐゴシック"/>
+        <a:font script="Hang" typeface="돋움"/>
+        <a:font script="Hans" typeface="方正舒体"/>
+        <a:font script="Hant" typeface="微軟正黑體"/>
+        <a:font script="Arab" typeface="Arial"/>
+        <a:font script="Hebr" typeface="Arial"/>
+        <a:font script="Thai" typeface="Cordia New"/>
+        <a:font script="Ethi" typeface="Nyala"/>
+        <a:font script="Beng" typeface="Vrinda"/>
+        <a:font script="Gujr" typeface="Shruti"/>
+        <a:font script="Khmr" typeface="DaunPenh"/>
+        <a:font script="Knda" typeface="Tunga"/>
+        <a:font script="Guru" typeface="Raavi"/>
+        <a:font script="Cans" typeface="Euphemia"/>
+        <a:font script="Cher" typeface="Plantagenet Cherokee"/>
+        <a:font script="Yiii" typeface="Microsoft Yi Baiti"/>
+        <a:font script="Tibt" typeface="Microsoft Himalaya"/>
+        <a:font script="Thaa" typeface="MV Boli"/>
+        <a:font script="Deva" typeface="Mangal"/>
+        <a:font script="Telu" typeface="Gautami"/>
+        <a:font script="Taml" typeface="Latha"/>
+        <a:font script="Syrc" typeface="Estrangelo Edessa"/>
+        <a:font script="Orya" typeface="Kalinga"/>
+        <a:font script="Mlym" typeface="Kartika"/>
+        <a:font script="Laoo" typeface="DokChampa"/>
+        <a:font script="Sinh" typeface="Iskoola Pota"/>
+        <a:font script="Mong" typeface="Mongolian Baiti"/>
+        <a:font script="Viet" typeface="Arial"/>
+        <a:font script="Uigh" typeface="Microsoft Uighur"/>
+        <a:font script="Geor" typeface="Sylfaen"/>
       </a:minorFont>
     </a:fontScheme>
-    <a:fmtScheme name="Office">
+    <a:fmtScheme name="Slate">
       <a:fillStyleLst>
         <a:solidFill>
           <a:schemeClr val="phClr"/>
@@ -5083,23 +8123,13 @@
           <a:gsLst>
             <a:gs pos="0">
               <a:schemeClr val="phClr">
+                <a:tint val="60000"/>
                 <a:lumMod val="110000"/>
-                <a:satMod val="105000"/>
-                <a:tint val="67000"/>
-              </a:schemeClr>
-            </a:gs>
-            <a:gs pos="50000">
-              <a:schemeClr val="phClr">
-                <a:lumMod val="105000"/>
-                <a:satMod val="103000"/>
-                <a:tint val="73000"/>
               </a:schemeClr>
             </a:gs>
             <a:gs pos="100000">
               <a:schemeClr val="phClr">
-                <a:lumMod val="105000"/>
-                <a:satMod val="109000"/>
-                <a:tint val="81000"/>
+                <a:tint val="88000"/>
               </a:schemeClr>
             </a:gs>
           </a:gsLst>
@@ -5109,23 +8139,14 @@
           <a:gsLst>
             <a:gs pos="0">
               <a:schemeClr val="phClr">
-                <a:satMod val="103000"/>
-                <a:lumMod val="102000"/>
-                <a:tint val="94000"/>
-              </a:schemeClr>
-            </a:gs>
-            <a:gs pos="50000">
-              <a:schemeClr val="phClr">
-                <a:satMod val="110000"/>
-                <a:lumMod val="100000"/>
-                <a:shade val="100000"/>
+                <a:tint val="96000"/>
+                <a:lumMod val="104000"/>
               </a:schemeClr>
             </a:gs>
             <a:gs pos="100000">
               <a:schemeClr val="phClr">
-                <a:lumMod val="99000"/>
-                <a:satMod val="120000"/>
-                <a:shade val="78000"/>
+                <a:shade val="90000"/>
+                <a:lumMod val="90000"/>
               </a:schemeClr>
             </a:gs>
           </a:gsLst>
@@ -5133,26 +8154,25 @@
         </a:gradFill>
       </a:fillStyleLst>
       <a:lnStyleLst>
-        <a:ln w="6350" cap="flat" cmpd="sng" algn="ctr">
+        <a:ln w="9525" cap="rnd" cmpd="sng" algn="ctr">
+          <a:solidFill>
+            <a:schemeClr val="phClr">
+              <a:shade val="90000"/>
+            </a:schemeClr>
+          </a:solidFill>
+          <a:prstDash val="solid"/>
+        </a:ln>
+        <a:ln w="15875" cap="rnd" cmpd="sng" algn="ctr">
           <a:solidFill>
             <a:schemeClr val="phClr"/>
           </a:solidFill>
           <a:prstDash val="solid"/>
-          <a:miter lim="800000"/>
         </a:ln>
-        <a:ln w="12700" cap="flat" cmpd="sng" algn="ctr">
+        <a:ln w="25400" cap="rnd" cmpd="sng" algn="ctr">
           <a:solidFill>
             <a:schemeClr val="phClr"/>
           </a:solidFill>
           <a:prstDash val="solid"/>
-          <a:miter lim="800000"/>
-        </a:ln>
-        <a:ln w="19050" cap="flat" cmpd="sng" algn="ctr">
-          <a:solidFill>
-            <a:schemeClr val="phClr"/>
-          </a:solidFill>
-          <a:prstDash val="solid"/>
-          <a:miter lim="800000"/>
         </a:ln>
       </a:lnStyleLst>
       <a:effectStyleLst>
@@ -5160,16 +8180,33 @@
           <a:effectLst/>
         </a:effectStyle>
         <a:effectStyle>
-          <a:effectLst/>
+          <a:effectLst>
+            <a:outerShdw blurRad="63500" dist="25400" dir="5400000" rotWithShape="0">
+              <a:srgbClr val="000000">
+                <a:alpha val="60000"/>
+              </a:srgbClr>
+            </a:outerShdw>
+          </a:effectLst>
         </a:effectStyle>
         <a:effectStyle>
           <a:effectLst>
-            <a:outerShdw blurRad="57150" dist="19050" dir="5400000" algn="ctr" rotWithShape="0">
+            <a:outerShdw blurRad="76200" dist="38100" dir="5400000" rotWithShape="0">
               <a:srgbClr val="000000">
-                <a:alpha val="63000"/>
+                <a:alpha val="75000"/>
               </a:srgbClr>
             </a:outerShdw>
           </a:effectLst>
+          <a:scene3d>
+            <a:camera prst="orthographicFront">
+              <a:rot lat="0" lon="0" rev="0"/>
+            </a:camera>
+            <a:lightRig rig="threePt" dir="t">
+              <a:rot lat="0" lon="0" rev="1200000"/>
+            </a:lightRig>
+          </a:scene3d>
+          <a:sp3d>
+            <a:bevelT w="63500" h="25400" prst="hardEdge"/>
+          </a:sp3d>
         </a:effectStyle>
       </a:effectStyleLst>
       <a:bgFillStyleLst>
@@ -5177,38 +8214,22 @@
           <a:schemeClr val="phClr"/>
         </a:solidFill>
         <a:solidFill>
-          <a:schemeClr val="phClr">
-            <a:tint val="95000"/>
-            <a:satMod val="170000"/>
-          </a:schemeClr>
+          <a:schemeClr val="phClr"/>
         </a:solidFill>
-        <a:gradFill rotWithShape="1">
-          <a:gsLst>
-            <a:gs pos="0">
+        <a:blipFill rotWithShape="1">
+          <a:blip xmlns:r="http://schemas.openxmlformats.org/officeDocument/2006/relationships" r:embed="rId1">
+            <a:duotone>
               <a:schemeClr val="phClr">
-                <a:tint val="93000"/>
-                <a:satMod val="150000"/>
-                <a:shade val="98000"/>
-                <a:lumMod val="102000"/>
+                <a:shade val="80000"/>
+                <a:lumMod val="80000"/>
               </a:schemeClr>
-            </a:gs>
-            <a:gs pos="50000">
               <a:schemeClr val="phClr">
                 <a:tint val="98000"/>
-                <a:satMod val="130000"/>
-                <a:shade val="90000"/>
-                <a:lumMod val="103000"/>
               </a:schemeClr>
-            </a:gs>
-            <a:gs pos="100000">
-              <a:schemeClr val="phClr">
-                <a:shade val="63000"/>
-                <a:satMod val="120000"/>
-              </a:schemeClr>
-            </a:gs>
-          </a:gsLst>
-          <a:lin ang="5400000" scaled="0"/>
-        </a:gradFill>
+            </a:duotone>
+          </a:blip>
+          <a:stretch/>
+        </a:blipFill>
       </a:bgFillStyleLst>
     </a:fmtScheme>
   </a:themeElements>
@@ -5216,7 +8237,7 @@
   <a:extraClrSchemeLst/>
   <a:extLst>
     <a:ext uri="{05A4C25C-085E-4340-85A3-A5531E510DB2}">
-      <thm15:themeFamily xmlns:thm15="http://schemas.microsoft.com/office/thememl/2012/main" name="Office Theme" id="{62F939B6-93AF-4DB8-9C6B-D6C7DFDC589F}" vid="{4A3C46E8-61CC-4603-A589-7422A47A8E4A}"/>
+      <thm15:themeFamily xmlns:thm15="http://schemas.microsoft.com/office/thememl/2012/main" name="Slate" id="{C3F70B94-7CE9-428E-ADC1-3269CC2C3385}" vid="{3F2DE9A5-64E6-437C-A389-CC4477E817E8}"/>
     </a:ext>
   </a:extLst>
 </a:theme>

--- a/Project1/Expense_tracker/Project1.pptx
+++ b/Project1/Expense_tracker/Project1.pptx
@@ -6257,11 +6257,13 @@
           </a:xfrm>
         </p:spPr>
         <p:txBody>
-          <a:bodyPr/>
+          <a:bodyPr>
+            <a:normAutofit/>
+          </a:bodyPr>
           <a:lstStyle/>
           <a:p>
             <a:r>
-              <a:rPr lang="en-GB" dirty="0">
+              <a:rPr lang="en-GB" sz="3000" dirty="0">
                 <a:latin typeface="Microsoft Sans Serif" panose="020B0604020202020204" pitchFamily="34" charset="0"/>
                 <a:ea typeface="Microsoft Sans Serif" panose="020B0604020202020204" pitchFamily="34" charset="0"/>
                 <a:cs typeface="Microsoft Sans Serif" panose="020B0604020202020204" pitchFamily="34" charset="0"/>
@@ -6271,7 +6273,7 @@
           </a:p>
           <a:p>
             <a:r>
-              <a:rPr lang="en-GB" dirty="0">
+              <a:rPr lang="en-GB" sz="3000" dirty="0">
                 <a:latin typeface="Microsoft Sans Serif" panose="020B0604020202020204" pitchFamily="34" charset="0"/>
                 <a:ea typeface="Microsoft Sans Serif" panose="020B0604020202020204" pitchFamily="34" charset="0"/>
                 <a:cs typeface="Microsoft Sans Serif" panose="020B0604020202020204" pitchFamily="34" charset="0"/>
@@ -6281,7 +6283,7 @@
           </a:p>
           <a:p>
             <a:r>
-              <a:rPr lang="en-GB" dirty="0">
+              <a:rPr lang="en-GB" sz="3000" dirty="0">
                 <a:latin typeface="Microsoft Sans Serif" panose="020B0604020202020204" pitchFamily="34" charset="0"/>
                 <a:ea typeface="Microsoft Sans Serif" panose="020B0604020202020204" pitchFamily="34" charset="0"/>
                 <a:cs typeface="Microsoft Sans Serif" panose="020B0604020202020204" pitchFamily="34" charset="0"/>
@@ -6291,22 +6293,12 @@
           </a:p>
           <a:p>
             <a:r>
-              <a:rPr lang="en-GB" dirty="0">
+              <a:rPr lang="en-GB" sz="3000" dirty="0">
                 <a:latin typeface="Microsoft Sans Serif" panose="020B0604020202020204" pitchFamily="34" charset="0"/>
                 <a:ea typeface="Microsoft Sans Serif" panose="020B0604020202020204" pitchFamily="34" charset="0"/>
                 <a:cs typeface="Microsoft Sans Serif" panose="020B0604020202020204" pitchFamily="34" charset="0"/>
               </a:rPr>
               <a:t>Informed decisions</a:t>
-            </a:r>
-          </a:p>
-          <a:p>
-            <a:r>
-              <a:rPr lang="en-GB" dirty="0">
-                <a:latin typeface="Microsoft Sans Serif" panose="020B0604020202020204" pitchFamily="34" charset="0"/>
-                <a:ea typeface="Microsoft Sans Serif" panose="020B0604020202020204" pitchFamily="34" charset="0"/>
-                <a:cs typeface="Microsoft Sans Serif" panose="020B0604020202020204" pitchFamily="34" charset="0"/>
-              </a:rPr>
-              <a:t>Know where you are spending</a:t>
             </a:r>
           </a:p>
         </p:txBody>
@@ -6959,22 +6951,6 @@
                 <a:ea typeface="Microsoft Sans Serif" panose="020B0604020202020204" pitchFamily="34" charset="0"/>
                 <a:cs typeface="Microsoft Sans Serif" panose="020B0604020202020204" pitchFamily="34" charset="0"/>
               </a:rPr>
-              <a:t>Organize Data</a:t>
-            </a:r>
-            <a:endParaRPr lang="en-GB" sz="2400" dirty="0">
-              <a:latin typeface="Microsoft Sans Serif" panose="020B0604020202020204" pitchFamily="34" charset="0"/>
-              <a:ea typeface="Microsoft Sans Serif" panose="020B0604020202020204" pitchFamily="34" charset="0"/>
-              <a:cs typeface="Microsoft Sans Serif" panose="020B0604020202020204" pitchFamily="34" charset="0"/>
-            </a:endParaRPr>
-          </a:p>
-          <a:p>
-            <a:r>
-              <a:rPr lang="en-IN" sz="2400" i="0" dirty="0">
-                <a:effectLst/>
-                <a:latin typeface="Microsoft Sans Serif" panose="020B0604020202020204" pitchFamily="34" charset="0"/>
-                <a:ea typeface="Microsoft Sans Serif" panose="020B0604020202020204" pitchFamily="34" charset="0"/>
-                <a:cs typeface="Microsoft Sans Serif" panose="020B0604020202020204" pitchFamily="34" charset="0"/>
-              </a:rPr>
               <a:t>Facilitate Visualization</a:t>
             </a:r>
             <a:endParaRPr lang="en-GB" sz="2400" i="0" dirty="0">
@@ -7142,22 +7118,13 @@
               <a:buNone/>
             </a:pPr>
             <a:r>
-              <a:rPr lang="en-GB" sz="2400" b="1" i="0" u="sng" dirty="0" err="1">
-                <a:effectLst/>
-                <a:latin typeface="Microsoft Sans Serif" panose="020B0604020202020204" pitchFamily="34" charset="0"/>
-                <a:ea typeface="Microsoft Sans Serif" panose="020B0604020202020204" pitchFamily="34" charset="0"/>
-                <a:cs typeface="Microsoft Sans Serif" panose="020B0604020202020204" pitchFamily="34" charset="0"/>
-              </a:rPr>
-              <a:t>Plotly</a:t>
-            </a:r>
-            <a:r>
               <a:rPr lang="en-GB" sz="2400" b="1" i="0" u="sng" dirty="0">
                 <a:effectLst/>
                 <a:latin typeface="Microsoft Sans Serif" panose="020B0604020202020204" pitchFamily="34" charset="0"/>
                 <a:ea typeface="Microsoft Sans Serif" panose="020B0604020202020204" pitchFamily="34" charset="0"/>
                 <a:cs typeface="Microsoft Sans Serif" panose="020B0604020202020204" pitchFamily="34" charset="0"/>
               </a:rPr>
-              <a:t> : </a:t>
+              <a:t>Plotly : </a:t>
             </a:r>
           </a:p>
           <a:p>
